--- a/lectures/understanding_model_predictions.pptx
+++ b/lectures/understanding_model_predictions.pptx
@@ -6,24 +6,39 @@
     <p:sldMasterId id="2147483672" r:id="rId2"/>
   </p:sldMasterIdLst>
   <p:notesMasterIdLst>
-    <p:notesMasterId r:id="rId15"/>
+    <p:notesMasterId r:id="rId30"/>
   </p:notesMasterIdLst>
   <p:handoutMasterIdLst>
-    <p:handoutMasterId r:id="rId16"/>
+    <p:handoutMasterId r:id="rId31"/>
   </p:handoutMasterIdLst>
   <p:sldIdLst>
     <p:sldId id="297" r:id="rId3"/>
-    <p:sldId id="888" r:id="rId4"/>
-    <p:sldId id="889" r:id="rId5"/>
-    <p:sldId id="886" r:id="rId6"/>
-    <p:sldId id="855" r:id="rId7"/>
-    <p:sldId id="842" r:id="rId8"/>
-    <p:sldId id="887" r:id="rId9"/>
-    <p:sldId id="890" r:id="rId10"/>
-    <p:sldId id="535" r:id="rId11"/>
-    <p:sldId id="550" r:id="rId12"/>
-    <p:sldId id="840" r:id="rId13"/>
-    <p:sldId id="584" r:id="rId14"/>
+    <p:sldId id="908" r:id="rId4"/>
+    <p:sldId id="888" r:id="rId5"/>
+    <p:sldId id="889" r:id="rId6"/>
+    <p:sldId id="895" r:id="rId7"/>
+    <p:sldId id="896" r:id="rId8"/>
+    <p:sldId id="886" r:id="rId9"/>
+    <p:sldId id="855" r:id="rId10"/>
+    <p:sldId id="892" r:id="rId11"/>
+    <p:sldId id="894" r:id="rId12"/>
+    <p:sldId id="898" r:id="rId13"/>
+    <p:sldId id="899" r:id="rId14"/>
+    <p:sldId id="905" r:id="rId15"/>
+    <p:sldId id="842" r:id="rId16"/>
+    <p:sldId id="906" r:id="rId17"/>
+    <p:sldId id="907" r:id="rId18"/>
+    <p:sldId id="893" r:id="rId19"/>
+    <p:sldId id="887" r:id="rId20"/>
+    <p:sldId id="260" r:id="rId21"/>
+    <p:sldId id="287" r:id="rId22"/>
+    <p:sldId id="891" r:id="rId23"/>
+    <p:sldId id="909" r:id="rId24"/>
+    <p:sldId id="535" r:id="rId25"/>
+    <p:sldId id="550" r:id="rId26"/>
+    <p:sldId id="910" r:id="rId27"/>
+    <p:sldId id="840" r:id="rId28"/>
+    <p:sldId id="584" r:id="rId29"/>
   </p:sldIdLst>
   <p:sldSz cx="9144000" cy="5143500" type="screen16x9"/>
   <p:notesSz cx="6858000" cy="9144000"/>
@@ -770,6 +785,750 @@
 </p:notes>
 </file>
 
+<file path=ppt/notesSlides/notesSlide10.xml><?xml version="1.0" encoding="utf-8"?>
+<p:notes xmlns:a="http://schemas.openxmlformats.org/drawingml/2006/main" xmlns:r="http://schemas.openxmlformats.org/officeDocument/2006/relationships" xmlns:p="http://schemas.openxmlformats.org/presentationml/2006/main">
+  <p:cSld>
+    <p:spTree>
+      <p:nvGrpSpPr>
+        <p:cNvPr id="1" name=""/>
+        <p:cNvGrpSpPr/>
+        <p:nvPr/>
+      </p:nvGrpSpPr>
+      <p:grpSpPr>
+        <a:xfrm>
+          <a:off x="0" y="0"/>
+          <a:ext cx="0" cy="0"/>
+          <a:chOff x="0" y="0"/>
+          <a:chExt cx="0" cy="0"/>
+        </a:xfrm>
+      </p:grpSpPr>
+      <p:sp>
+        <p:nvSpPr>
+          <p:cNvPr id="2" name="Slide Image Placeholder 1"/>
+          <p:cNvSpPr>
+            <a:spLocks noGrp="1" noRot="1" noChangeAspect="1"/>
+          </p:cNvSpPr>
+          <p:nvPr>
+            <p:ph type="sldImg"/>
+          </p:nvPr>
+        </p:nvSpPr>
+        <p:spPr/>
+      </p:sp>
+      <p:sp>
+        <p:nvSpPr>
+          <p:cNvPr id="3" name="Notes Placeholder 2"/>
+          <p:cNvSpPr>
+            <a:spLocks noGrp="1"/>
+          </p:cNvSpPr>
+          <p:nvPr>
+            <p:ph type="body" idx="1"/>
+          </p:nvPr>
+        </p:nvSpPr>
+        <p:spPr/>
+        <p:txBody>
+          <a:bodyPr/>
+          <a:lstStyle/>
+          <a:p>
+            <a:r>
+              <a:rPr lang="en-US" dirty="0"/>
+              <a:t>Think about going to the mechanic…</a:t>
+            </a:r>
+          </a:p>
+          <a:p>
+            <a:r>
+              <a:rPr lang="en-US" dirty="0"/>
+              <a:t>If the brake stops working, will you be able to see why?</a:t>
+            </a:r>
+          </a:p>
+        </p:txBody>
+      </p:sp>
+      <p:sp>
+        <p:nvSpPr>
+          <p:cNvPr id="4" name="Slide Number Placeholder 3"/>
+          <p:cNvSpPr>
+            <a:spLocks noGrp="1"/>
+          </p:cNvSpPr>
+          <p:nvPr>
+            <p:ph type="sldNum" sz="quarter" idx="5"/>
+          </p:nvPr>
+        </p:nvSpPr>
+        <p:spPr/>
+        <p:txBody>
+          <a:bodyPr/>
+          <a:lstStyle/>
+          <a:p>
+            <a:fld id="{DB333E9F-084A-8543-BC6F-0AE70009C29B}" type="slidenum">
+              <a:rPr lang="en-US" smtClean="0"/>
+              <a:t>21</a:t>
+            </a:fld>
+            <a:endParaRPr lang="en-US"/>
+          </a:p>
+        </p:txBody>
+      </p:sp>
+    </p:spTree>
+    <p:extLst>
+      <p:ext uri="{BB962C8B-B14F-4D97-AF65-F5344CB8AC3E}">
+        <p14:creationId xmlns:p14="http://schemas.microsoft.com/office/powerpoint/2010/main" val="1741731848"/>
+      </p:ext>
+    </p:extLst>
+  </p:cSld>
+  <p:clrMapOvr>
+    <a:masterClrMapping/>
+  </p:clrMapOvr>
+</p:notes>
+</file>
+
+<file path=ppt/notesSlides/notesSlide11.xml><?xml version="1.0" encoding="utf-8"?>
+<p:notes xmlns:a="http://schemas.openxmlformats.org/drawingml/2006/main" xmlns:r="http://schemas.openxmlformats.org/officeDocument/2006/relationships" xmlns:p="http://schemas.openxmlformats.org/presentationml/2006/main">
+  <p:cSld>
+    <p:spTree>
+      <p:nvGrpSpPr>
+        <p:cNvPr id="1" name=""/>
+        <p:cNvGrpSpPr/>
+        <p:nvPr/>
+      </p:nvGrpSpPr>
+      <p:grpSpPr>
+        <a:xfrm>
+          <a:off x="0" y="0"/>
+          <a:ext cx="0" cy="0"/>
+          <a:chOff x="0" y="0"/>
+          <a:chExt cx="0" cy="0"/>
+        </a:xfrm>
+      </p:grpSpPr>
+      <p:sp>
+        <p:nvSpPr>
+          <p:cNvPr id="2" name="Slide Image Placeholder 1"/>
+          <p:cNvSpPr>
+            <a:spLocks noGrp="1" noRot="1" noChangeAspect="1"/>
+          </p:cNvSpPr>
+          <p:nvPr>
+            <p:ph type="sldImg"/>
+          </p:nvPr>
+        </p:nvSpPr>
+        <p:spPr/>
+      </p:sp>
+      <p:sp>
+        <p:nvSpPr>
+          <p:cNvPr id="3" name="Notes Placeholder 2"/>
+          <p:cNvSpPr>
+            <a:spLocks noGrp="1"/>
+          </p:cNvSpPr>
+          <p:nvPr>
+            <p:ph type="body" idx="1"/>
+          </p:nvPr>
+        </p:nvSpPr>
+        <p:spPr/>
+        <p:txBody>
+          <a:bodyPr/>
+          <a:lstStyle/>
+          <a:p>
+            <a:r>
+              <a:rPr lang="en-US" dirty="0"/>
+              <a:t>Want to highlight the issue of interpretability</a:t>
+            </a:r>
+          </a:p>
+          <a:p>
+            <a:r>
+              <a:rPr lang="en-US" dirty="0"/>
+              <a:t>How can we trust a ”black box” diagnostic if we don’t know what’s happening inside?</a:t>
+            </a:r>
+          </a:p>
+        </p:txBody>
+      </p:sp>
+      <p:sp>
+        <p:nvSpPr>
+          <p:cNvPr id="4" name="Slide Number Placeholder 3"/>
+          <p:cNvSpPr>
+            <a:spLocks noGrp="1"/>
+          </p:cNvSpPr>
+          <p:nvPr>
+            <p:ph type="sldNum" sz="quarter" idx="5"/>
+          </p:nvPr>
+        </p:nvSpPr>
+        <p:spPr/>
+        <p:txBody>
+          <a:bodyPr/>
+          <a:lstStyle/>
+          <a:p>
+            <a:fld id="{9FCDE58F-843A-8447-AF7F-7BD31329CDC1}" type="slidenum">
+              <a:rPr lang="en-US" smtClean="0"/>
+              <a:t>23</a:t>
+            </a:fld>
+            <a:endParaRPr lang="en-US"/>
+          </a:p>
+        </p:txBody>
+      </p:sp>
+    </p:spTree>
+    <p:extLst>
+      <p:ext uri="{BB962C8B-B14F-4D97-AF65-F5344CB8AC3E}">
+        <p14:creationId xmlns:p14="http://schemas.microsoft.com/office/powerpoint/2010/main" val="487248967"/>
+      </p:ext>
+    </p:extLst>
+  </p:cSld>
+  <p:clrMapOvr>
+    <a:masterClrMapping/>
+  </p:clrMapOvr>
+</p:notes>
+</file>
+
+<file path=ppt/notesSlides/notesSlide12.xml><?xml version="1.0" encoding="utf-8"?>
+<p:notes xmlns:a="http://schemas.openxmlformats.org/drawingml/2006/main" xmlns:r="http://schemas.openxmlformats.org/officeDocument/2006/relationships" xmlns:p="http://schemas.openxmlformats.org/presentationml/2006/main">
+  <p:cSld>
+    <p:spTree>
+      <p:nvGrpSpPr>
+        <p:cNvPr id="1" name=""/>
+        <p:cNvGrpSpPr/>
+        <p:nvPr/>
+      </p:nvGrpSpPr>
+      <p:grpSpPr>
+        <a:xfrm>
+          <a:off x="0" y="0"/>
+          <a:ext cx="0" cy="0"/>
+          <a:chOff x="0" y="0"/>
+          <a:chExt cx="0" cy="0"/>
+        </a:xfrm>
+      </p:grpSpPr>
+      <p:sp>
+        <p:nvSpPr>
+          <p:cNvPr id="2" name="Slide Image Placeholder 1"/>
+          <p:cNvSpPr>
+            <a:spLocks noGrp="1" noRot="1" noChangeAspect="1"/>
+          </p:cNvSpPr>
+          <p:nvPr>
+            <p:ph type="sldImg"/>
+          </p:nvPr>
+        </p:nvSpPr>
+        <p:spPr/>
+      </p:sp>
+      <p:sp>
+        <p:nvSpPr>
+          <p:cNvPr id="3" name="Notes Placeholder 2"/>
+          <p:cNvSpPr>
+            <a:spLocks noGrp="1"/>
+          </p:cNvSpPr>
+          <p:nvPr>
+            <p:ph type="body" idx="1"/>
+          </p:nvPr>
+        </p:nvSpPr>
+        <p:spPr/>
+        <p:txBody>
+          <a:bodyPr/>
+          <a:lstStyle/>
+          <a:p>
+            <a:r>
+              <a:rPr lang="en-US" dirty="0"/>
+              <a:t>At the same time, I might question whether we fully understand even more traditional diagnostics.</a:t>
+            </a:r>
+          </a:p>
+          <a:p>
+            <a:r>
+              <a:rPr lang="en-US" dirty="0"/>
+              <a:t>For instance, I might know that PSA is an enzyme found in the prostate, but I have only a very rudimentary understanding of how PSA levels are detected, or how reliable a PSA measurement might be</a:t>
+            </a:r>
+          </a:p>
+          <a:p>
+            <a:endParaRPr lang="en-US" dirty="0"/>
+          </a:p>
+          <a:p>
+            <a:r>
+              <a:rPr lang="en-US" sz="1200" b="1" i="0" u="none" strike="noStrike" kern="1200" dirty="0">
+                <a:solidFill>
+                  <a:schemeClr val="tx1"/>
+                </a:solidFill>
+                <a:effectLst/>
+                <a:latin typeface="+mn-lt"/>
+                <a:ea typeface="+mn-ea"/>
+                <a:cs typeface="+mn-cs"/>
+              </a:rPr>
+              <a:t>gamma-</a:t>
+            </a:r>
+            <a:r>
+              <a:rPr lang="en-US" sz="1200" b="1" i="0" u="none" strike="noStrike" kern="1200" dirty="0" err="1">
+                <a:solidFill>
+                  <a:schemeClr val="tx1"/>
+                </a:solidFill>
+                <a:effectLst/>
+                <a:latin typeface="+mn-lt"/>
+                <a:ea typeface="+mn-ea"/>
+                <a:cs typeface="+mn-cs"/>
+              </a:rPr>
+              <a:t>seminoprotein</a:t>
+            </a:r>
+            <a:r>
+              <a:rPr lang="en-US" sz="1200" b="0" i="0" u="none" strike="noStrike" kern="1200" dirty="0">
+                <a:solidFill>
+                  <a:schemeClr val="tx1"/>
+                </a:solidFill>
+                <a:effectLst/>
+                <a:latin typeface="+mn-lt"/>
+                <a:ea typeface="+mn-ea"/>
+                <a:cs typeface="+mn-cs"/>
+              </a:rPr>
+              <a:t> or </a:t>
+            </a:r>
+            <a:r>
+              <a:rPr lang="en-US" sz="1200" b="1" i="0" u="none" strike="noStrike" kern="1200" dirty="0">
+                <a:solidFill>
+                  <a:schemeClr val="tx1"/>
+                </a:solidFill>
+                <a:effectLst/>
+                <a:latin typeface="+mn-lt"/>
+                <a:ea typeface="+mn-ea"/>
+                <a:cs typeface="+mn-cs"/>
+              </a:rPr>
+              <a:t>kallikrein-3</a:t>
+            </a:r>
+            <a:r>
+              <a:rPr lang="en-US" sz="1200" b="0" i="0" u="none" strike="noStrike" kern="1200" dirty="0">
+                <a:solidFill>
+                  <a:schemeClr val="tx1"/>
+                </a:solidFill>
+                <a:effectLst/>
+                <a:latin typeface="+mn-lt"/>
+                <a:ea typeface="+mn-ea"/>
+                <a:cs typeface="+mn-cs"/>
+              </a:rPr>
+              <a:t> (</a:t>
+            </a:r>
+            <a:r>
+              <a:rPr lang="en-US" sz="1200" b="1" i="0" u="none" strike="noStrike" kern="1200" dirty="0">
+                <a:solidFill>
+                  <a:schemeClr val="tx1"/>
+                </a:solidFill>
+                <a:effectLst/>
+                <a:latin typeface="+mn-lt"/>
+                <a:ea typeface="+mn-ea"/>
+                <a:cs typeface="+mn-cs"/>
+              </a:rPr>
+              <a:t>KLK3</a:t>
+            </a:r>
+            <a:r>
+              <a:rPr lang="en-US" sz="1200" b="0" i="0" u="none" strike="noStrike" kern="1200" dirty="0">
+                <a:solidFill>
+                  <a:schemeClr val="tx1"/>
+                </a:solidFill>
+                <a:effectLst/>
+                <a:latin typeface="+mn-lt"/>
+                <a:ea typeface="+mn-ea"/>
+                <a:cs typeface="+mn-cs"/>
+              </a:rPr>
+              <a:t>), is a </a:t>
+            </a:r>
+            <a:r>
+              <a:rPr lang="en-US" sz="1200" b="0" i="0" u="none" strike="noStrike" kern="1200" dirty="0">
+                <a:solidFill>
+                  <a:schemeClr val="tx1"/>
+                </a:solidFill>
+                <a:effectLst/>
+                <a:latin typeface="+mn-lt"/>
+                <a:ea typeface="+mn-ea"/>
+                <a:cs typeface="+mn-cs"/>
+                <a:hlinkClick r:id="rId3" tooltip="Glycoprotein"/>
+              </a:rPr>
+              <a:t>glycoprotein</a:t>
+            </a:r>
+            <a:r>
+              <a:rPr lang="en-US" sz="1200" b="0" i="0" u="none" strike="noStrike" kern="1200" dirty="0">
+                <a:solidFill>
+                  <a:schemeClr val="tx1"/>
+                </a:solidFill>
+                <a:effectLst/>
+                <a:latin typeface="+mn-lt"/>
+                <a:ea typeface="+mn-ea"/>
+                <a:cs typeface="+mn-cs"/>
+              </a:rPr>
+              <a:t> </a:t>
+            </a:r>
+            <a:r>
+              <a:rPr lang="en-US" sz="1200" b="0" i="0" u="none" strike="noStrike" kern="1200" dirty="0">
+                <a:solidFill>
+                  <a:schemeClr val="tx1"/>
+                </a:solidFill>
+                <a:effectLst/>
+                <a:latin typeface="+mn-lt"/>
+                <a:ea typeface="+mn-ea"/>
+                <a:cs typeface="+mn-cs"/>
+                <a:hlinkClick r:id="rId4" tooltip="Enzyme"/>
+              </a:rPr>
+              <a:t>enzyme</a:t>
+            </a:r>
+            <a:r>
+              <a:rPr lang="en-US" sz="1200" b="0" i="0" u="none" strike="noStrike" kern="1200" dirty="0">
+                <a:solidFill>
+                  <a:schemeClr val="tx1"/>
+                </a:solidFill>
+                <a:effectLst/>
+                <a:latin typeface="+mn-lt"/>
+                <a:ea typeface="+mn-ea"/>
+                <a:cs typeface="+mn-cs"/>
+              </a:rPr>
+              <a:t> encoded in humans by the </a:t>
+            </a:r>
+            <a:r>
+              <a:rPr lang="en-US" sz="1200" b="0" i="1" u="none" strike="noStrike" kern="1200" dirty="0">
+                <a:solidFill>
+                  <a:schemeClr val="tx1"/>
+                </a:solidFill>
+                <a:effectLst/>
+                <a:latin typeface="+mn-lt"/>
+                <a:ea typeface="+mn-ea"/>
+                <a:cs typeface="+mn-cs"/>
+              </a:rPr>
+              <a:t>KLK3</a:t>
+            </a:r>
+            <a:r>
+              <a:rPr lang="en-US" sz="1200" b="0" i="0" u="none" strike="noStrike" kern="1200" dirty="0">
+                <a:solidFill>
+                  <a:schemeClr val="tx1"/>
+                </a:solidFill>
+                <a:effectLst/>
+                <a:latin typeface="+mn-lt"/>
+                <a:ea typeface="+mn-ea"/>
+                <a:cs typeface="+mn-cs"/>
+              </a:rPr>
+              <a:t> </a:t>
+            </a:r>
+            <a:r>
+              <a:rPr lang="en-US" sz="1200" b="0" i="0" u="none" strike="noStrike" kern="1200" dirty="0">
+                <a:solidFill>
+                  <a:schemeClr val="tx1"/>
+                </a:solidFill>
+                <a:effectLst/>
+                <a:latin typeface="+mn-lt"/>
+                <a:ea typeface="+mn-ea"/>
+                <a:cs typeface="+mn-cs"/>
+                <a:hlinkClick r:id="rId5" tooltip="Gene"/>
+              </a:rPr>
+              <a:t>gene</a:t>
+            </a:r>
+            <a:endParaRPr lang="en-US" dirty="0"/>
+          </a:p>
+        </p:txBody>
+      </p:sp>
+      <p:sp>
+        <p:nvSpPr>
+          <p:cNvPr id="4" name="Slide Number Placeholder 3"/>
+          <p:cNvSpPr>
+            <a:spLocks noGrp="1"/>
+          </p:cNvSpPr>
+          <p:nvPr>
+            <p:ph type="sldNum" sz="quarter" idx="5"/>
+          </p:nvPr>
+        </p:nvSpPr>
+        <p:spPr/>
+        <p:txBody>
+          <a:bodyPr/>
+          <a:lstStyle/>
+          <a:p>
+            <a:fld id="{9FCDE58F-843A-8447-AF7F-7BD31329CDC1}" type="slidenum">
+              <a:rPr lang="en-US" smtClean="0"/>
+              <a:t>24</a:t>
+            </a:fld>
+            <a:endParaRPr lang="en-US"/>
+          </a:p>
+        </p:txBody>
+      </p:sp>
+    </p:spTree>
+    <p:extLst>
+      <p:ext uri="{BB962C8B-B14F-4D97-AF65-F5344CB8AC3E}">
+        <p14:creationId xmlns:p14="http://schemas.microsoft.com/office/powerpoint/2010/main" val="3746426489"/>
+      </p:ext>
+    </p:extLst>
+  </p:cSld>
+  <p:clrMapOvr>
+    <a:masterClrMapping/>
+  </p:clrMapOvr>
+</p:notes>
+</file>
+
+<file path=ppt/notesSlides/notesSlide13.xml><?xml version="1.0" encoding="utf-8"?>
+<p:notes xmlns:a="http://schemas.openxmlformats.org/drawingml/2006/main" xmlns:r="http://schemas.openxmlformats.org/officeDocument/2006/relationships" xmlns:p="http://schemas.openxmlformats.org/presentationml/2006/main">
+  <p:cSld>
+    <p:spTree>
+      <p:nvGrpSpPr>
+        <p:cNvPr id="1" name=""/>
+        <p:cNvGrpSpPr/>
+        <p:nvPr/>
+      </p:nvGrpSpPr>
+      <p:grpSpPr>
+        <a:xfrm>
+          <a:off x="0" y="0"/>
+          <a:ext cx="0" cy="0"/>
+          <a:chOff x="0" y="0"/>
+          <a:chExt cx="0" cy="0"/>
+        </a:xfrm>
+      </p:grpSpPr>
+      <p:sp>
+        <p:nvSpPr>
+          <p:cNvPr id="2" name="Slide Image Placeholder 1"/>
+          <p:cNvSpPr>
+            <a:spLocks noGrp="1" noRot="1" noChangeAspect="1"/>
+          </p:cNvSpPr>
+          <p:nvPr>
+            <p:ph type="sldImg"/>
+          </p:nvPr>
+        </p:nvSpPr>
+        <p:spPr/>
+      </p:sp>
+      <p:sp>
+        <p:nvSpPr>
+          <p:cNvPr id="3" name="Notes Placeholder 2"/>
+          <p:cNvSpPr>
+            <a:spLocks noGrp="1"/>
+          </p:cNvSpPr>
+          <p:nvPr>
+            <p:ph type="body" idx="1"/>
+          </p:nvPr>
+        </p:nvSpPr>
+        <p:spPr/>
+        <p:txBody>
+          <a:bodyPr/>
+          <a:lstStyle/>
+          <a:p>
+            <a:r>
+              <a:rPr lang="en-US" dirty="0"/>
+              <a:t>Think about going to the mechanic…</a:t>
+            </a:r>
+          </a:p>
+          <a:p>
+            <a:r>
+              <a:rPr lang="en-US" dirty="0"/>
+              <a:t>If the brake stops working, will you be able to see why?</a:t>
+            </a:r>
+          </a:p>
+        </p:txBody>
+      </p:sp>
+      <p:sp>
+        <p:nvSpPr>
+          <p:cNvPr id="4" name="Slide Number Placeholder 3"/>
+          <p:cNvSpPr>
+            <a:spLocks noGrp="1"/>
+          </p:cNvSpPr>
+          <p:nvPr>
+            <p:ph type="sldNum" sz="quarter" idx="5"/>
+          </p:nvPr>
+        </p:nvSpPr>
+        <p:spPr/>
+        <p:txBody>
+          <a:bodyPr/>
+          <a:lstStyle/>
+          <a:p>
+            <a:fld id="{DB333E9F-084A-8543-BC6F-0AE70009C29B}" type="slidenum">
+              <a:rPr lang="en-US" smtClean="0"/>
+              <a:t>25</a:t>
+            </a:fld>
+            <a:endParaRPr lang="en-US"/>
+          </a:p>
+        </p:txBody>
+      </p:sp>
+    </p:spTree>
+    <p:extLst>
+      <p:ext uri="{BB962C8B-B14F-4D97-AF65-F5344CB8AC3E}">
+        <p14:creationId xmlns:p14="http://schemas.microsoft.com/office/powerpoint/2010/main" val="1112703848"/>
+      </p:ext>
+    </p:extLst>
+  </p:cSld>
+  <p:clrMapOvr>
+    <a:masterClrMapping/>
+  </p:clrMapOvr>
+</p:notes>
+</file>
+
+<file path=ppt/notesSlides/notesSlide14.xml><?xml version="1.0" encoding="utf-8"?>
+<p:notes xmlns:a="http://schemas.openxmlformats.org/drawingml/2006/main" xmlns:r="http://schemas.openxmlformats.org/officeDocument/2006/relationships" xmlns:p="http://schemas.openxmlformats.org/presentationml/2006/main">
+  <p:cSld>
+    <p:spTree>
+      <p:nvGrpSpPr>
+        <p:cNvPr id="1" name=""/>
+        <p:cNvGrpSpPr/>
+        <p:nvPr/>
+      </p:nvGrpSpPr>
+      <p:grpSpPr>
+        <a:xfrm>
+          <a:off x="0" y="0"/>
+          <a:ext cx="0" cy="0"/>
+          <a:chOff x="0" y="0"/>
+          <a:chExt cx="0" cy="0"/>
+        </a:xfrm>
+      </p:grpSpPr>
+      <p:sp>
+        <p:nvSpPr>
+          <p:cNvPr id="2" name="Slide Image Placeholder 1"/>
+          <p:cNvSpPr>
+            <a:spLocks noGrp="1" noRot="1" noChangeAspect="1"/>
+          </p:cNvSpPr>
+          <p:nvPr>
+            <p:ph type="sldImg"/>
+          </p:nvPr>
+        </p:nvSpPr>
+        <p:spPr/>
+      </p:sp>
+      <p:sp>
+        <p:nvSpPr>
+          <p:cNvPr id="3" name="Notes Placeholder 2"/>
+          <p:cNvSpPr>
+            <a:spLocks noGrp="1"/>
+          </p:cNvSpPr>
+          <p:nvPr>
+            <p:ph type="body" idx="1"/>
+          </p:nvPr>
+        </p:nvSpPr>
+        <p:spPr/>
+        <p:txBody>
+          <a:bodyPr/>
+          <a:lstStyle/>
+          <a:p>
+            <a:r>
+              <a:rPr lang="en-US" dirty="0"/>
+              <a:t>At the end of the day there are two competing perspectives.</a:t>
+            </a:r>
+          </a:p>
+          <a:p>
+            <a:endParaRPr lang="en-US" dirty="0"/>
+          </a:p>
+          <a:p>
+            <a:r>
+              <a:rPr lang="en-US" dirty="0"/>
+              <a:t>Those that think we must fully understand how these tools work to trust them</a:t>
+            </a:r>
+          </a:p>
+          <a:p>
+            <a:r>
+              <a:rPr lang="en-US" dirty="0"/>
+              <a:t>And those who think that we just need to know that they DO work.</a:t>
+            </a:r>
+          </a:p>
+          <a:p>
+            <a:endParaRPr lang="en-US" dirty="0"/>
+          </a:p>
+          <a:p>
+            <a:r>
+              <a:rPr lang="en-US" dirty="0"/>
+              <a:t>But that means rigorously and repeatedly validating them, in a variety of settings – health systems, patient populations, other conditions</a:t>
+            </a:r>
+          </a:p>
+        </p:txBody>
+      </p:sp>
+      <p:sp>
+        <p:nvSpPr>
+          <p:cNvPr id="4" name="Slide Number Placeholder 3"/>
+          <p:cNvSpPr>
+            <a:spLocks noGrp="1"/>
+          </p:cNvSpPr>
+          <p:nvPr>
+            <p:ph type="sldNum" sz="quarter" idx="5"/>
+          </p:nvPr>
+        </p:nvSpPr>
+        <p:spPr/>
+        <p:txBody>
+          <a:bodyPr/>
+          <a:lstStyle/>
+          <a:p>
+            <a:fld id="{9FCDE58F-843A-8447-AF7F-7BD31329CDC1}" type="slidenum">
+              <a:rPr lang="en-US" smtClean="0"/>
+              <a:t>26</a:t>
+            </a:fld>
+            <a:endParaRPr lang="en-US"/>
+          </a:p>
+        </p:txBody>
+      </p:sp>
+    </p:spTree>
+    <p:extLst>
+      <p:ext uri="{BB962C8B-B14F-4D97-AF65-F5344CB8AC3E}">
+        <p14:creationId xmlns:p14="http://schemas.microsoft.com/office/powerpoint/2010/main" val="2818591373"/>
+      </p:ext>
+    </p:extLst>
+  </p:cSld>
+  <p:clrMapOvr>
+    <a:masterClrMapping/>
+  </p:clrMapOvr>
+</p:notes>
+</file>
+
+<file path=ppt/notesSlides/notesSlide15.xml><?xml version="1.0" encoding="utf-8"?>
+<p:notes xmlns:a="http://schemas.openxmlformats.org/drawingml/2006/main" xmlns:r="http://schemas.openxmlformats.org/officeDocument/2006/relationships" xmlns:p="http://schemas.openxmlformats.org/presentationml/2006/main">
+  <p:cSld>
+    <p:spTree>
+      <p:nvGrpSpPr>
+        <p:cNvPr id="1" name=""/>
+        <p:cNvGrpSpPr/>
+        <p:nvPr/>
+      </p:nvGrpSpPr>
+      <p:grpSpPr>
+        <a:xfrm>
+          <a:off x="0" y="0"/>
+          <a:ext cx="0" cy="0"/>
+          <a:chOff x="0" y="0"/>
+          <a:chExt cx="0" cy="0"/>
+        </a:xfrm>
+      </p:grpSpPr>
+      <p:sp>
+        <p:nvSpPr>
+          <p:cNvPr id="2" name="Slide Image Placeholder 1"/>
+          <p:cNvSpPr>
+            <a:spLocks noGrp="1" noRot="1" noChangeAspect="1"/>
+          </p:cNvSpPr>
+          <p:nvPr>
+            <p:ph type="sldImg"/>
+          </p:nvPr>
+        </p:nvSpPr>
+        <p:spPr/>
+      </p:sp>
+      <p:sp>
+        <p:nvSpPr>
+          <p:cNvPr id="3" name="Notes Placeholder 2"/>
+          <p:cNvSpPr>
+            <a:spLocks noGrp="1"/>
+          </p:cNvSpPr>
+          <p:nvPr>
+            <p:ph type="body" idx="1"/>
+          </p:nvPr>
+        </p:nvSpPr>
+        <p:spPr/>
+        <p:txBody>
+          <a:bodyPr/>
+          <a:lstStyle/>
+          <a:p>
+            <a:endParaRPr lang="en-US" dirty="0"/>
+          </a:p>
+        </p:txBody>
+      </p:sp>
+      <p:sp>
+        <p:nvSpPr>
+          <p:cNvPr id="4" name="Slide Number Placeholder 3"/>
+          <p:cNvSpPr>
+            <a:spLocks noGrp="1"/>
+          </p:cNvSpPr>
+          <p:nvPr>
+            <p:ph type="sldNum" sz="quarter" idx="5"/>
+          </p:nvPr>
+        </p:nvSpPr>
+        <p:spPr/>
+        <p:txBody>
+          <a:bodyPr/>
+          <a:lstStyle/>
+          <a:p>
+            <a:fld id="{DB333E9F-084A-8543-BC6F-0AE70009C29B}" type="slidenum">
+              <a:rPr lang="en-US" smtClean="0"/>
+              <a:t>27</a:t>
+            </a:fld>
+            <a:endParaRPr lang="en-US"/>
+          </a:p>
+        </p:txBody>
+      </p:sp>
+    </p:spTree>
+    <p:extLst>
+      <p:ext uri="{BB962C8B-B14F-4D97-AF65-F5344CB8AC3E}">
+        <p14:creationId xmlns:p14="http://schemas.microsoft.com/office/powerpoint/2010/main" val="1889548850"/>
+      </p:ext>
+    </p:extLst>
+  </p:cSld>
+  <p:clrMapOvr>
+    <a:masterClrMapping/>
+  </p:clrMapOvr>
+</p:notes>
+</file>
+
 <file path=ppt/notesSlides/notesSlide2.xml><?xml version="1.0" encoding="utf-8"?>
 <p:notes xmlns:a="http://schemas.openxmlformats.org/drawingml/2006/main" xmlns:r="http://schemas.openxmlformats.org/officeDocument/2006/relationships" xmlns:p="http://schemas.openxmlformats.org/presentationml/2006/main">
   <p:cSld>
@@ -892,7 +1651,7 @@
           <a:p>
             <a:fld id="{DB333E9F-084A-8543-BC6F-0AE70009C29B}" type="slidenum">
               <a:rPr lang="en-US" smtClean="0"/>
-              <a:t>2</a:t>
+              <a:t>3</a:t>
             </a:fld>
             <a:endParaRPr lang="en-US"/>
           </a:p>
@@ -957,35 +1716,13 @@
           <a:p>
             <a:r>
               <a:rPr lang="en-US" dirty="0"/>
-              <a:t>Cautions:</a:t>
-            </a:r>
-          </a:p>
-          <a:p>
-            <a:pPr lvl="1"/>
+              <a:t>Think about going to the mechanic…</a:t>
+            </a:r>
+          </a:p>
+          <a:p>
             <a:r>
               <a:rPr lang="en-US" dirty="0"/>
-              <a:t>not causal</a:t>
-            </a:r>
-          </a:p>
-          <a:p>
-            <a:pPr lvl="1"/>
-            <a:r>
-              <a:rPr lang="en-US" dirty="0"/>
-              <a:t>Many predictors can be highly correlated</a:t>
-            </a:r>
-          </a:p>
-          <a:p>
-            <a:pPr lvl="1"/>
-            <a:r>
-              <a:rPr lang="en-US" dirty="0"/>
-              <a:t>When we use many predictors, coefficients can be somewhat arbitrary as a result</a:t>
-            </a:r>
-          </a:p>
-          <a:p>
-            <a:pPr lvl="1"/>
-            <a:r>
-              <a:rPr lang="en-US" dirty="0"/>
-              <a:t>Don’t assign too much meaning here</a:t>
+              <a:t>If the brake stops working, will you be able to see why?</a:t>
             </a:r>
           </a:p>
         </p:txBody>
@@ -1016,7 +1753,7 @@
     </p:spTree>
     <p:extLst>
       <p:ext uri="{BB962C8B-B14F-4D97-AF65-F5344CB8AC3E}">
-        <p14:creationId xmlns:p14="http://schemas.microsoft.com/office/powerpoint/2010/main" val="3820305642"/>
+        <p14:creationId xmlns:p14="http://schemas.microsoft.com/office/powerpoint/2010/main" val="1825465369"/>
       </p:ext>
     </p:extLst>
   </p:cSld>
@@ -1131,7 +1868,7 @@
     </p:spTree>
     <p:extLst>
       <p:ext uri="{BB962C8B-B14F-4D97-AF65-F5344CB8AC3E}">
-        <p14:creationId xmlns:p14="http://schemas.microsoft.com/office/powerpoint/2010/main" val="627353148"/>
+        <p14:creationId xmlns:p14="http://schemas.microsoft.com/office/powerpoint/2010/main" val="2872938910"/>
       </p:ext>
     </p:extLst>
   </p:cSld>
@@ -1187,13 +1924,35 @@
           <a:p>
             <a:r>
               <a:rPr lang="en-US" dirty="0"/>
-              <a:t>Want to highlight the issue of interpretability</a:t>
-            </a:r>
-          </a:p>
-          <a:p>
+              <a:t>Cautions:</a:t>
+            </a:r>
+          </a:p>
+          <a:p>
+            <a:pPr lvl="1"/>
             <a:r>
               <a:rPr lang="en-US" dirty="0"/>
-              <a:t>How can we trust a ”black box” diagnostic if we don’t know what’s happening inside?</a:t>
+              <a:t>not causal</a:t>
+            </a:r>
+          </a:p>
+          <a:p>
+            <a:pPr lvl="1"/>
+            <a:r>
+              <a:rPr lang="en-US" dirty="0"/>
+              <a:t>Many predictors can be highly correlated</a:t>
+            </a:r>
+          </a:p>
+          <a:p>
+            <a:pPr lvl="1"/>
+            <a:r>
+              <a:rPr lang="en-US" dirty="0"/>
+              <a:t>When we use many predictors, coefficients can be somewhat arbitrary as a result</a:t>
+            </a:r>
+          </a:p>
+          <a:p>
+            <a:pPr lvl="1"/>
+            <a:r>
+              <a:rPr lang="en-US" dirty="0"/>
+              <a:t>Don’t assign too much meaning here</a:t>
             </a:r>
           </a:p>
         </p:txBody>
@@ -1213,9 +1972,9 @@
           <a:bodyPr/>
           <a:lstStyle/>
           <a:p>
-            <a:fld id="{9FCDE58F-843A-8447-AF7F-7BD31329CDC1}" type="slidenum">
+            <a:fld id="{DB333E9F-084A-8543-BC6F-0AE70009C29B}" type="slidenum">
               <a:rPr lang="en-US" smtClean="0"/>
-              <a:t>9</a:t>
+              <a:t>6</a:t>
             </a:fld>
             <a:endParaRPr lang="en-US"/>
           </a:p>
@@ -1224,7 +1983,7 @@
     </p:spTree>
     <p:extLst>
       <p:ext uri="{BB962C8B-B14F-4D97-AF65-F5344CB8AC3E}">
-        <p14:creationId xmlns:p14="http://schemas.microsoft.com/office/powerpoint/2010/main" val="487248967"/>
+        <p14:creationId xmlns:p14="http://schemas.microsoft.com/office/powerpoint/2010/main" val="347060979"/>
       </p:ext>
     </p:extLst>
   </p:cSld>
@@ -1280,191 +2039,36 @@
           <a:p>
             <a:r>
               <a:rPr lang="en-US" dirty="0"/>
-              <a:t>At the same time, I might question whether we fully understand even more traditional diagnostics.</a:t>
-            </a:r>
-          </a:p>
-          <a:p>
+              <a:t>Cautions:</a:t>
+            </a:r>
+          </a:p>
+          <a:p>
+            <a:pPr lvl="1"/>
             <a:r>
               <a:rPr lang="en-US" dirty="0"/>
-              <a:t>For instance, I might know that PSA is an enzyme found in the prostate, but I have only a very rudimentary understanding of how PSA levels are detected, or how reliable a PSA measurement might be</a:t>
-            </a:r>
-          </a:p>
-          <a:p>
-            <a:endParaRPr lang="en-US" dirty="0"/>
-          </a:p>
-          <a:p>
-            <a:r>
-              <a:rPr lang="en-US" sz="1200" b="1" i="0" u="none" strike="noStrike" kern="1200" dirty="0">
-                <a:solidFill>
-                  <a:schemeClr val="tx1"/>
-                </a:solidFill>
-                <a:effectLst/>
-                <a:latin typeface="+mn-lt"/>
-                <a:ea typeface="+mn-ea"/>
-                <a:cs typeface="+mn-cs"/>
-              </a:rPr>
-              <a:t>gamma-</a:t>
-            </a:r>
-            <a:r>
-              <a:rPr lang="en-US" sz="1200" b="1" i="0" u="none" strike="noStrike" kern="1200" dirty="0" err="1">
-                <a:solidFill>
-                  <a:schemeClr val="tx1"/>
-                </a:solidFill>
-                <a:effectLst/>
-                <a:latin typeface="+mn-lt"/>
-                <a:ea typeface="+mn-ea"/>
-                <a:cs typeface="+mn-cs"/>
-              </a:rPr>
-              <a:t>seminoprotein</a:t>
-            </a:r>
-            <a:r>
-              <a:rPr lang="en-US" sz="1200" b="0" i="0" u="none" strike="noStrike" kern="1200" dirty="0">
-                <a:solidFill>
-                  <a:schemeClr val="tx1"/>
-                </a:solidFill>
-                <a:effectLst/>
-                <a:latin typeface="+mn-lt"/>
-                <a:ea typeface="+mn-ea"/>
-                <a:cs typeface="+mn-cs"/>
-              </a:rPr>
-              <a:t> or </a:t>
-            </a:r>
-            <a:r>
-              <a:rPr lang="en-US" sz="1200" b="1" i="0" u="none" strike="noStrike" kern="1200" dirty="0">
-                <a:solidFill>
-                  <a:schemeClr val="tx1"/>
-                </a:solidFill>
-                <a:effectLst/>
-                <a:latin typeface="+mn-lt"/>
-                <a:ea typeface="+mn-ea"/>
-                <a:cs typeface="+mn-cs"/>
-              </a:rPr>
-              <a:t>kallikrein-3</a:t>
-            </a:r>
-            <a:r>
-              <a:rPr lang="en-US" sz="1200" b="0" i="0" u="none" strike="noStrike" kern="1200" dirty="0">
-                <a:solidFill>
-                  <a:schemeClr val="tx1"/>
-                </a:solidFill>
-                <a:effectLst/>
-                <a:latin typeface="+mn-lt"/>
-                <a:ea typeface="+mn-ea"/>
-                <a:cs typeface="+mn-cs"/>
-              </a:rPr>
-              <a:t> (</a:t>
-            </a:r>
-            <a:r>
-              <a:rPr lang="en-US" sz="1200" b="1" i="0" u="none" strike="noStrike" kern="1200" dirty="0">
-                <a:solidFill>
-                  <a:schemeClr val="tx1"/>
-                </a:solidFill>
-                <a:effectLst/>
-                <a:latin typeface="+mn-lt"/>
-                <a:ea typeface="+mn-ea"/>
-                <a:cs typeface="+mn-cs"/>
-              </a:rPr>
-              <a:t>KLK3</a:t>
-            </a:r>
-            <a:r>
-              <a:rPr lang="en-US" sz="1200" b="0" i="0" u="none" strike="noStrike" kern="1200" dirty="0">
-                <a:solidFill>
-                  <a:schemeClr val="tx1"/>
-                </a:solidFill>
-                <a:effectLst/>
-                <a:latin typeface="+mn-lt"/>
-                <a:ea typeface="+mn-ea"/>
-                <a:cs typeface="+mn-cs"/>
-              </a:rPr>
-              <a:t>), is a </a:t>
-            </a:r>
-            <a:r>
-              <a:rPr lang="en-US" sz="1200" b="0" i="0" u="none" strike="noStrike" kern="1200" dirty="0">
-                <a:solidFill>
-                  <a:schemeClr val="tx1"/>
-                </a:solidFill>
-                <a:effectLst/>
-                <a:latin typeface="+mn-lt"/>
-                <a:ea typeface="+mn-ea"/>
-                <a:cs typeface="+mn-cs"/>
-                <a:hlinkClick r:id="rId3" tooltip="Glycoprotein"/>
-              </a:rPr>
-              <a:t>glycoprotein</a:t>
-            </a:r>
-            <a:r>
-              <a:rPr lang="en-US" sz="1200" b="0" i="0" u="none" strike="noStrike" kern="1200" dirty="0">
-                <a:solidFill>
-                  <a:schemeClr val="tx1"/>
-                </a:solidFill>
-                <a:effectLst/>
-                <a:latin typeface="+mn-lt"/>
-                <a:ea typeface="+mn-ea"/>
-                <a:cs typeface="+mn-cs"/>
-              </a:rPr>
-              <a:t> </a:t>
-            </a:r>
-            <a:r>
-              <a:rPr lang="en-US" sz="1200" b="0" i="0" u="none" strike="noStrike" kern="1200" dirty="0">
-                <a:solidFill>
-                  <a:schemeClr val="tx1"/>
-                </a:solidFill>
-                <a:effectLst/>
-                <a:latin typeface="+mn-lt"/>
-                <a:ea typeface="+mn-ea"/>
-                <a:cs typeface="+mn-cs"/>
-                <a:hlinkClick r:id="rId4" tooltip="Enzyme"/>
-              </a:rPr>
-              <a:t>enzyme</a:t>
-            </a:r>
-            <a:r>
-              <a:rPr lang="en-US" sz="1200" b="0" i="0" u="none" strike="noStrike" kern="1200" dirty="0">
-                <a:solidFill>
-                  <a:schemeClr val="tx1"/>
-                </a:solidFill>
-                <a:effectLst/>
-                <a:latin typeface="+mn-lt"/>
-                <a:ea typeface="+mn-ea"/>
-                <a:cs typeface="+mn-cs"/>
-              </a:rPr>
-              <a:t> encoded in humans by the </a:t>
-            </a:r>
-            <a:r>
-              <a:rPr lang="en-US" sz="1200" b="0" i="1" u="none" strike="noStrike" kern="1200" dirty="0">
-                <a:solidFill>
-                  <a:schemeClr val="tx1"/>
-                </a:solidFill>
-                <a:effectLst/>
-                <a:latin typeface="+mn-lt"/>
-                <a:ea typeface="+mn-ea"/>
-                <a:cs typeface="+mn-cs"/>
-              </a:rPr>
-              <a:t>KLK3</a:t>
-            </a:r>
-            <a:r>
-              <a:rPr lang="en-US" sz="1200" b="0" i="0" u="none" strike="noStrike" kern="1200" dirty="0">
-                <a:solidFill>
-                  <a:schemeClr val="tx1"/>
-                </a:solidFill>
-                <a:effectLst/>
-                <a:latin typeface="+mn-lt"/>
-                <a:ea typeface="+mn-ea"/>
-                <a:cs typeface="+mn-cs"/>
-              </a:rPr>
-              <a:t> </a:t>
-            </a:r>
-            <a:r>
-              <a:rPr lang="en-US" sz="1200" b="0" i="0" u="none" strike="noStrike" kern="1200" dirty="0">
-                <a:solidFill>
-                  <a:schemeClr val="tx1"/>
-                </a:solidFill>
-                <a:effectLst/>
-                <a:latin typeface="+mn-lt"/>
-                <a:ea typeface="+mn-ea"/>
-                <a:cs typeface="+mn-cs"/>
-                <a:hlinkClick r:id="rId5" tooltip="Gene"/>
-              </a:rPr>
-              <a:t>gene</a:t>
-            </a:r>
-            <a:endParaRPr lang="en-US" dirty="0"/>
+              <a:t>not causal</a:t>
+            </a:r>
+          </a:p>
+          <a:p>
+            <a:pPr lvl="1"/>
+            <a:r>
+              <a:rPr lang="en-US" dirty="0"/>
+              <a:t>Many predictors can be highly correlated</a:t>
+            </a:r>
+          </a:p>
+          <a:p>
+            <a:pPr lvl="1"/>
+            <a:r>
+              <a:rPr lang="en-US" dirty="0"/>
+              <a:t>When we use many predictors, coefficients can be somewhat arbitrary as a result</a:t>
+            </a:r>
+          </a:p>
+          <a:p>
+            <a:pPr lvl="1"/>
+            <a:r>
+              <a:rPr lang="en-US" dirty="0"/>
+              <a:t>Don’t assign too much meaning here</a:t>
+            </a:r>
           </a:p>
         </p:txBody>
       </p:sp>
@@ -1483,9 +2087,9 @@
           <a:bodyPr/>
           <a:lstStyle/>
           <a:p>
-            <a:fld id="{9FCDE58F-843A-8447-AF7F-7BD31329CDC1}" type="slidenum">
+            <a:fld id="{DB333E9F-084A-8543-BC6F-0AE70009C29B}" type="slidenum">
               <a:rPr lang="en-US" smtClean="0"/>
-              <a:t>10</a:t>
+              <a:t>7</a:t>
             </a:fld>
             <a:endParaRPr lang="en-US"/>
           </a:p>
@@ -1494,7 +2098,7 @@
     </p:spTree>
     <p:extLst>
       <p:ext uri="{BB962C8B-B14F-4D97-AF65-F5344CB8AC3E}">
-        <p14:creationId xmlns:p14="http://schemas.microsoft.com/office/powerpoint/2010/main" val="3746426489"/>
+        <p14:creationId xmlns:p14="http://schemas.microsoft.com/office/powerpoint/2010/main" val="3820305642"/>
       </p:ext>
     </p:extLst>
   </p:cSld>
@@ -1550,31 +2154,35 @@
           <a:p>
             <a:r>
               <a:rPr lang="en-US" dirty="0"/>
-              <a:t>At the end of the day there are two competing perspectives.</a:t>
-            </a:r>
-          </a:p>
-          <a:p>
-            <a:endParaRPr lang="en-US" dirty="0"/>
-          </a:p>
-          <a:p>
+              <a:t>Cautions:</a:t>
+            </a:r>
+          </a:p>
+          <a:p>
+            <a:pPr lvl="1"/>
             <a:r>
               <a:rPr lang="en-US" dirty="0"/>
-              <a:t>Those that think we must fully understand how these tools work to trust them</a:t>
-            </a:r>
-          </a:p>
-          <a:p>
+              <a:t>not causal</a:t>
+            </a:r>
+          </a:p>
+          <a:p>
+            <a:pPr lvl="1"/>
             <a:r>
               <a:rPr lang="en-US" dirty="0"/>
-              <a:t>And those who think that we just need to know that they DO work.</a:t>
-            </a:r>
-          </a:p>
-          <a:p>
-            <a:endParaRPr lang="en-US" dirty="0"/>
-          </a:p>
-          <a:p>
+              <a:t>Many predictors can be highly correlated</a:t>
+            </a:r>
+          </a:p>
+          <a:p>
+            <a:pPr lvl="1"/>
             <a:r>
               <a:rPr lang="en-US" dirty="0"/>
-              <a:t>But that means rigorously and repeatedly validating them, in a variety of settings – health systems, patient populations, other conditions</a:t>
+              <a:t>When we use many predictors, coefficients can be somewhat arbitrary as a result</a:t>
+            </a:r>
+          </a:p>
+          <a:p>
+            <a:pPr lvl="1"/>
+            <a:r>
+              <a:rPr lang="en-US" dirty="0"/>
+              <a:t>Don’t assign too much meaning here</a:t>
             </a:r>
           </a:p>
         </p:txBody>
@@ -1594,9 +2202,9 @@
           <a:bodyPr/>
           <a:lstStyle/>
           <a:p>
-            <a:fld id="{9FCDE58F-843A-8447-AF7F-7BD31329CDC1}" type="slidenum">
+            <a:fld id="{DB333E9F-084A-8543-BC6F-0AE70009C29B}" type="slidenum">
               <a:rPr lang="en-US" smtClean="0"/>
-              <a:t>11</a:t>
+              <a:t>8</a:t>
             </a:fld>
             <a:endParaRPr lang="en-US"/>
           </a:p>
@@ -1605,7 +2213,7 @@
     </p:spTree>
     <p:extLst>
       <p:ext uri="{BB962C8B-B14F-4D97-AF65-F5344CB8AC3E}">
-        <p14:creationId xmlns:p14="http://schemas.microsoft.com/office/powerpoint/2010/main" val="2818591373"/>
+        <p14:creationId xmlns:p14="http://schemas.microsoft.com/office/powerpoint/2010/main" val="627353148"/>
       </p:ext>
     </p:extLst>
   </p:cSld>
@@ -1659,7 +2267,16 @@
           <a:bodyPr/>
           <a:lstStyle/>
           <a:p>
-            <a:endParaRPr lang="en-US" dirty="0"/>
+            <a:r>
+              <a:rPr lang="en-US" dirty="0"/>
+              <a:t>So, there are a few different types of natural language processing encoders one might consider for a given problem</a:t>
+            </a:r>
+          </a:p>
+          <a:p>
+            <a:r>
+              <a:rPr lang="en-US" dirty="0"/>
+              <a:t>But at the end of the day, each type takes a document or text passage as input and converts it to a feature vector that we can use to predict an outcome of interest via logistic regression or another simple model</a:t>
+            </a:r>
           </a:p>
         </p:txBody>
       </p:sp>
@@ -1678,9 +2295,9 @@
           <a:bodyPr/>
           <a:lstStyle/>
           <a:p>
-            <a:fld id="{DB333E9F-084A-8543-BC6F-0AE70009C29B}" type="slidenum">
+            <a:fld id="{9FCDE58F-843A-8447-AF7F-7BD31329CDC1}" type="slidenum">
               <a:rPr lang="en-US" smtClean="0"/>
-              <a:t>12</a:t>
+              <a:t>13</a:t>
             </a:fld>
             <a:endParaRPr lang="en-US"/>
           </a:p>
@@ -1689,7 +2306,100 @@
     </p:spTree>
     <p:extLst>
       <p:ext uri="{BB962C8B-B14F-4D97-AF65-F5344CB8AC3E}">
-        <p14:creationId xmlns:p14="http://schemas.microsoft.com/office/powerpoint/2010/main" val="1889548850"/>
+        <p14:creationId xmlns:p14="http://schemas.microsoft.com/office/powerpoint/2010/main" val="3216246235"/>
+      </p:ext>
+    </p:extLst>
+  </p:cSld>
+  <p:clrMapOvr>
+    <a:masterClrMapping/>
+  </p:clrMapOvr>
+</p:notes>
+</file>
+
+<file path=ppt/notesSlides/notesSlide9.xml><?xml version="1.0" encoding="utf-8"?>
+<p:notes xmlns:a="http://schemas.openxmlformats.org/drawingml/2006/main" xmlns:r="http://schemas.openxmlformats.org/officeDocument/2006/relationships" xmlns:p="http://schemas.openxmlformats.org/presentationml/2006/main">
+  <p:cSld>
+    <p:spTree>
+      <p:nvGrpSpPr>
+        <p:cNvPr id="1" name=""/>
+        <p:cNvGrpSpPr/>
+        <p:nvPr/>
+      </p:nvGrpSpPr>
+      <p:grpSpPr>
+        <a:xfrm>
+          <a:off x="0" y="0"/>
+          <a:ext cx="0" cy="0"/>
+          <a:chOff x="0" y="0"/>
+          <a:chExt cx="0" cy="0"/>
+        </a:xfrm>
+      </p:grpSpPr>
+      <p:sp>
+        <p:nvSpPr>
+          <p:cNvPr id="2" name="Slide Image Placeholder 1"/>
+          <p:cNvSpPr>
+            <a:spLocks noGrp="1" noRot="1" noChangeAspect="1"/>
+          </p:cNvSpPr>
+          <p:nvPr>
+            <p:ph type="sldImg"/>
+          </p:nvPr>
+        </p:nvSpPr>
+        <p:spPr/>
+      </p:sp>
+      <p:sp>
+        <p:nvSpPr>
+          <p:cNvPr id="3" name="Notes Placeholder 2"/>
+          <p:cNvSpPr>
+            <a:spLocks noGrp="1"/>
+          </p:cNvSpPr>
+          <p:nvPr>
+            <p:ph type="body" idx="1"/>
+          </p:nvPr>
+        </p:nvSpPr>
+        <p:spPr/>
+        <p:txBody>
+          <a:bodyPr/>
+          <a:lstStyle/>
+          <a:p>
+            <a:r>
+              <a:rPr lang="en-US" dirty="0"/>
+              <a:t>Suppose you were learning to identify lesions from a dermatologist.</a:t>
+            </a:r>
+          </a:p>
+          <a:p>
+            <a:r>
+              <a:rPr lang="en-US" dirty="0"/>
+              <a:t>You can’t inspect her thought process, but she can give you an explanation…</a:t>
+            </a:r>
+          </a:p>
+        </p:txBody>
+      </p:sp>
+      <p:sp>
+        <p:nvSpPr>
+          <p:cNvPr id="4" name="Slide Number Placeholder 3"/>
+          <p:cNvSpPr>
+            <a:spLocks noGrp="1"/>
+          </p:cNvSpPr>
+          <p:nvPr>
+            <p:ph type="sldNum" sz="quarter" idx="10"/>
+          </p:nvPr>
+        </p:nvSpPr>
+        <p:spPr/>
+        <p:txBody>
+          <a:bodyPr/>
+          <a:lstStyle/>
+          <a:p>
+            <a:fld id="{2D6A5620-3FB7-42A5-8E8D-4A9F7CD6668D}" type="slidenum">
+              <a:rPr lang="en-US" smtClean="0"/>
+              <a:t>20</a:t>
+            </a:fld>
+            <a:endParaRPr lang="en-US"/>
+          </a:p>
+        </p:txBody>
+      </p:sp>
+    </p:spTree>
+    <p:extLst>
+      <p:ext uri="{BB962C8B-B14F-4D97-AF65-F5344CB8AC3E}">
+        <p14:creationId xmlns:p14="http://schemas.microsoft.com/office/powerpoint/2010/main" val="2326355865"/>
       </p:ext>
     </p:extLst>
   </p:cSld>
@@ -6109,6 +6819,4246 @@
       </p:grpSpPr>
       <p:sp>
         <p:nvSpPr>
+          <p:cNvPr id="2" name="Title 1">
+            <a:extLst>
+              <a:ext uri="{FF2B5EF4-FFF2-40B4-BE49-F238E27FC236}">
+                <a16:creationId xmlns:a16="http://schemas.microsoft.com/office/drawing/2014/main" id="{B8555B48-047C-EDD6-D3C8-68D925EA788B}"/>
+              </a:ext>
+            </a:extLst>
+          </p:cNvPr>
+          <p:cNvSpPr>
+            <a:spLocks noGrp="1"/>
+          </p:cNvSpPr>
+          <p:nvPr>
+            <p:ph type="title"/>
+          </p:nvPr>
+        </p:nvSpPr>
+        <p:spPr/>
+        <p:txBody>
+          <a:bodyPr/>
+          <a:lstStyle/>
+          <a:p>
+            <a:r>
+              <a:rPr lang="en-US" dirty="0"/>
+              <a:t>Other Interpretable Models?</a:t>
+            </a:r>
+          </a:p>
+        </p:txBody>
+      </p:sp>
+    </p:spTree>
+    <p:extLst>
+      <p:ext uri="{BB962C8B-B14F-4D97-AF65-F5344CB8AC3E}">
+        <p14:creationId xmlns:p14="http://schemas.microsoft.com/office/powerpoint/2010/main" val="2012443051"/>
+      </p:ext>
+    </p:extLst>
+  </p:cSld>
+  <p:clrMapOvr>
+    <a:masterClrMapping/>
+  </p:clrMapOvr>
+</p:sld>
+</file>
+
+<file path=ppt/slides/slide11.xml><?xml version="1.0" encoding="utf-8"?>
+<p:sld xmlns:a="http://schemas.openxmlformats.org/drawingml/2006/main" xmlns:r="http://schemas.openxmlformats.org/officeDocument/2006/relationships" xmlns:p="http://schemas.openxmlformats.org/presentationml/2006/main">
+  <p:cSld>
+    <p:spTree>
+      <p:nvGrpSpPr>
+        <p:cNvPr id="1" name=""/>
+        <p:cNvGrpSpPr/>
+        <p:nvPr/>
+      </p:nvGrpSpPr>
+      <p:grpSpPr>
+        <a:xfrm>
+          <a:off x="0" y="0"/>
+          <a:ext cx="0" cy="0"/>
+          <a:chOff x="0" y="0"/>
+          <a:chExt cx="0" cy="0"/>
+        </a:xfrm>
+      </p:grpSpPr>
+      <p:sp>
+        <p:nvSpPr>
+          <p:cNvPr id="2" name="Title 1">
+            <a:extLst>
+              <a:ext uri="{FF2B5EF4-FFF2-40B4-BE49-F238E27FC236}">
+                <a16:creationId xmlns:a16="http://schemas.microsoft.com/office/drawing/2014/main" id="{DCAFA8F0-FDAE-61BC-E325-A31BE6091EF1}"/>
+              </a:ext>
+            </a:extLst>
+          </p:cNvPr>
+          <p:cNvSpPr>
+            <a:spLocks noGrp="1"/>
+          </p:cNvSpPr>
+          <p:nvPr>
+            <p:ph type="title"/>
+          </p:nvPr>
+        </p:nvSpPr>
+        <p:spPr/>
+        <p:txBody>
+          <a:bodyPr/>
+          <a:lstStyle/>
+          <a:p>
+            <a:r>
+              <a:rPr lang="en-US" dirty="0"/>
+              <a:t>Other Interpretable Models?</a:t>
+            </a:r>
+          </a:p>
+        </p:txBody>
+      </p:sp>
+      <p:sp>
+        <p:nvSpPr>
+          <p:cNvPr id="3" name="Content Placeholder 2">
+            <a:extLst>
+              <a:ext uri="{FF2B5EF4-FFF2-40B4-BE49-F238E27FC236}">
+                <a16:creationId xmlns:a16="http://schemas.microsoft.com/office/drawing/2014/main" id="{1B41B5E7-ED26-E19C-D3EA-DBE25E428A93}"/>
+              </a:ext>
+            </a:extLst>
+          </p:cNvPr>
+          <p:cNvSpPr>
+            <a:spLocks noGrp="1"/>
+          </p:cNvSpPr>
+          <p:nvPr>
+            <p:ph idx="1"/>
+          </p:nvPr>
+        </p:nvSpPr>
+        <p:spPr/>
+        <p:txBody>
+          <a:bodyPr/>
+          <a:lstStyle/>
+          <a:p>
+            <a:r>
+              <a:rPr lang="en-US" dirty="0"/>
+              <a:t>Decision Tree</a:t>
+            </a:r>
+          </a:p>
+        </p:txBody>
+      </p:sp>
+      <p:sp>
+        <p:nvSpPr>
+          <p:cNvPr id="4" name="Rounded Rectangle 3">
+            <a:extLst>
+              <a:ext uri="{FF2B5EF4-FFF2-40B4-BE49-F238E27FC236}">
+                <a16:creationId xmlns:a16="http://schemas.microsoft.com/office/drawing/2014/main" id="{F5813C43-D98F-C915-0E03-73C6E2E10137}"/>
+              </a:ext>
+            </a:extLst>
+          </p:cNvPr>
+          <p:cNvSpPr/>
+          <p:nvPr/>
+        </p:nvSpPr>
+        <p:spPr>
+          <a:xfrm>
+            <a:off x="3574915" y="1369219"/>
+            <a:ext cx="1994170" cy="826851"/>
+          </a:xfrm>
+          <a:prstGeom prst="roundRect">
+            <a:avLst/>
+          </a:prstGeom>
+        </p:spPr>
+        <p:style>
+          <a:lnRef idx="2">
+            <a:schemeClr val="accent1">
+              <a:shade val="50000"/>
+            </a:schemeClr>
+          </a:lnRef>
+          <a:fillRef idx="1">
+            <a:schemeClr val="accent1"/>
+          </a:fillRef>
+          <a:effectRef idx="0">
+            <a:schemeClr val="accent1"/>
+          </a:effectRef>
+          <a:fontRef idx="minor">
+            <a:schemeClr val="lt1"/>
+          </a:fontRef>
+        </p:style>
+        <p:txBody>
+          <a:bodyPr rtlCol="0" anchor="ctr"/>
+          <a:lstStyle/>
+          <a:p>
+            <a:pPr algn="ctr"/>
+            <a:r>
+              <a:rPr lang="en-US" dirty="0"/>
+              <a:t>HR &gt; 130?</a:t>
+            </a:r>
+          </a:p>
+        </p:txBody>
+      </p:sp>
+      <p:sp>
+        <p:nvSpPr>
+          <p:cNvPr id="5" name="Rounded Rectangle 4">
+            <a:extLst>
+              <a:ext uri="{FF2B5EF4-FFF2-40B4-BE49-F238E27FC236}">
+                <a16:creationId xmlns:a16="http://schemas.microsoft.com/office/drawing/2014/main" id="{AE95EE6E-43D6-4B4C-61C0-86C57C86FC9B}"/>
+              </a:ext>
+            </a:extLst>
+          </p:cNvPr>
+          <p:cNvSpPr/>
+          <p:nvPr/>
+        </p:nvSpPr>
+        <p:spPr>
+          <a:xfrm>
+            <a:off x="4875180" y="2947431"/>
+            <a:ext cx="1994170" cy="826851"/>
+          </a:xfrm>
+          <a:prstGeom prst="roundRect">
+            <a:avLst/>
+          </a:prstGeom>
+        </p:spPr>
+        <p:style>
+          <a:lnRef idx="2">
+            <a:schemeClr val="accent1">
+              <a:shade val="50000"/>
+            </a:schemeClr>
+          </a:lnRef>
+          <a:fillRef idx="1">
+            <a:schemeClr val="accent1"/>
+          </a:fillRef>
+          <a:effectRef idx="0">
+            <a:schemeClr val="accent1"/>
+          </a:effectRef>
+          <a:fontRef idx="minor">
+            <a:schemeClr val="lt1"/>
+          </a:fontRef>
+        </p:style>
+        <p:txBody>
+          <a:bodyPr rtlCol="0" anchor="ctr"/>
+          <a:lstStyle/>
+          <a:p>
+            <a:pPr algn="ctr"/>
+            <a:r>
+              <a:rPr lang="en-US" dirty="0"/>
+              <a:t>temp &gt; 40℃?</a:t>
+            </a:r>
+          </a:p>
+        </p:txBody>
+      </p:sp>
+      <p:sp>
+        <p:nvSpPr>
+          <p:cNvPr id="7" name="Rectangle 6">
+            <a:extLst>
+              <a:ext uri="{FF2B5EF4-FFF2-40B4-BE49-F238E27FC236}">
+                <a16:creationId xmlns:a16="http://schemas.microsoft.com/office/drawing/2014/main" id="{35A5BDBC-58A7-5D84-89E8-F97A122C7B30}"/>
+              </a:ext>
+            </a:extLst>
+          </p:cNvPr>
+          <p:cNvSpPr/>
+          <p:nvPr/>
+        </p:nvSpPr>
+        <p:spPr>
+          <a:xfrm>
+            <a:off x="3200400" y="2699376"/>
+            <a:ext cx="749030" cy="496110"/>
+          </a:xfrm>
+          <a:prstGeom prst="rect">
+            <a:avLst/>
+          </a:prstGeom>
+        </p:spPr>
+        <p:style>
+          <a:lnRef idx="2">
+            <a:schemeClr val="accent6">
+              <a:shade val="50000"/>
+            </a:schemeClr>
+          </a:lnRef>
+          <a:fillRef idx="1">
+            <a:schemeClr val="accent6"/>
+          </a:fillRef>
+          <a:effectRef idx="0">
+            <a:schemeClr val="accent6"/>
+          </a:effectRef>
+          <a:fontRef idx="minor">
+            <a:schemeClr val="lt1"/>
+          </a:fontRef>
+        </p:style>
+        <p:txBody>
+          <a:bodyPr rtlCol="0" anchor="ctr"/>
+          <a:lstStyle/>
+          <a:p>
+            <a:pPr algn="ctr"/>
+            <a:r>
+              <a:rPr lang="en-US" dirty="0"/>
+              <a:t>live</a:t>
+            </a:r>
+          </a:p>
+        </p:txBody>
+      </p:sp>
+      <p:sp>
+        <p:nvSpPr>
+          <p:cNvPr id="8" name="Rectangle 7">
+            <a:extLst>
+              <a:ext uri="{FF2B5EF4-FFF2-40B4-BE49-F238E27FC236}">
+                <a16:creationId xmlns:a16="http://schemas.microsoft.com/office/drawing/2014/main" id="{4064FA3F-964C-A0A6-54B0-434E8A643593}"/>
+              </a:ext>
+            </a:extLst>
+          </p:cNvPr>
+          <p:cNvSpPr/>
+          <p:nvPr/>
+        </p:nvSpPr>
+        <p:spPr>
+          <a:xfrm>
+            <a:off x="4500665" y="4277588"/>
+            <a:ext cx="749030" cy="496110"/>
+          </a:xfrm>
+          <a:prstGeom prst="rect">
+            <a:avLst/>
+          </a:prstGeom>
+        </p:spPr>
+        <p:style>
+          <a:lnRef idx="2">
+            <a:schemeClr val="accent6">
+              <a:shade val="50000"/>
+            </a:schemeClr>
+          </a:lnRef>
+          <a:fillRef idx="1">
+            <a:schemeClr val="accent6"/>
+          </a:fillRef>
+          <a:effectRef idx="0">
+            <a:schemeClr val="accent6"/>
+          </a:effectRef>
+          <a:fontRef idx="minor">
+            <a:schemeClr val="lt1"/>
+          </a:fontRef>
+        </p:style>
+        <p:txBody>
+          <a:bodyPr rtlCol="0" anchor="ctr"/>
+          <a:lstStyle/>
+          <a:p>
+            <a:pPr algn="ctr"/>
+            <a:r>
+              <a:rPr lang="en-US" dirty="0"/>
+              <a:t>live</a:t>
+            </a:r>
+          </a:p>
+        </p:txBody>
+      </p:sp>
+      <p:sp>
+        <p:nvSpPr>
+          <p:cNvPr id="9" name="Rectangle 8">
+            <a:extLst>
+              <a:ext uri="{FF2B5EF4-FFF2-40B4-BE49-F238E27FC236}">
+                <a16:creationId xmlns:a16="http://schemas.microsoft.com/office/drawing/2014/main" id="{331E5216-995B-00B9-753D-62A596697085}"/>
+              </a:ext>
+            </a:extLst>
+          </p:cNvPr>
+          <p:cNvSpPr/>
+          <p:nvPr/>
+        </p:nvSpPr>
+        <p:spPr>
+          <a:xfrm>
+            <a:off x="6494835" y="4283414"/>
+            <a:ext cx="749030" cy="496110"/>
+          </a:xfrm>
+          <a:prstGeom prst="rect">
+            <a:avLst/>
+          </a:prstGeom>
+          <a:solidFill>
+            <a:srgbClr val="C00000"/>
+          </a:solidFill>
+        </p:spPr>
+        <p:style>
+          <a:lnRef idx="2">
+            <a:schemeClr val="accent6">
+              <a:shade val="50000"/>
+            </a:schemeClr>
+          </a:lnRef>
+          <a:fillRef idx="1">
+            <a:schemeClr val="accent6"/>
+          </a:fillRef>
+          <a:effectRef idx="0">
+            <a:schemeClr val="accent6"/>
+          </a:effectRef>
+          <a:fontRef idx="minor">
+            <a:schemeClr val="lt1"/>
+          </a:fontRef>
+        </p:style>
+        <p:txBody>
+          <a:bodyPr rtlCol="0" anchor="ctr"/>
+          <a:lstStyle/>
+          <a:p>
+            <a:pPr algn="ctr"/>
+            <a:r>
+              <a:rPr lang="en-US" dirty="0"/>
+              <a:t>die</a:t>
+            </a:r>
+          </a:p>
+        </p:txBody>
+      </p:sp>
+      <p:cxnSp>
+        <p:nvCxnSpPr>
+          <p:cNvPr id="11" name="Straight Arrow Connector 10">
+            <a:extLst>
+              <a:ext uri="{FF2B5EF4-FFF2-40B4-BE49-F238E27FC236}">
+                <a16:creationId xmlns:a16="http://schemas.microsoft.com/office/drawing/2014/main" id="{209F540A-8385-7234-506E-675B820E9A4A}"/>
+              </a:ext>
+            </a:extLst>
+          </p:cNvPr>
+          <p:cNvCxnSpPr>
+            <a:endCxn id="7" idx="0"/>
+          </p:cNvCxnSpPr>
+          <p:nvPr/>
+        </p:nvCxnSpPr>
+        <p:spPr>
+          <a:xfrm flipH="1">
+            <a:off x="3574915" y="2196070"/>
+            <a:ext cx="510702" cy="503306"/>
+          </a:xfrm>
+          <a:prstGeom prst="straightConnector1">
+            <a:avLst/>
+          </a:prstGeom>
+          <a:ln w="12700">
+            <a:tailEnd type="triangle"/>
+          </a:ln>
+        </p:spPr>
+        <p:style>
+          <a:lnRef idx="1">
+            <a:schemeClr val="dk1"/>
+          </a:lnRef>
+          <a:fillRef idx="0">
+            <a:schemeClr val="dk1"/>
+          </a:fillRef>
+          <a:effectRef idx="0">
+            <a:schemeClr val="dk1"/>
+          </a:effectRef>
+          <a:fontRef idx="minor">
+            <a:schemeClr val="tx1"/>
+          </a:fontRef>
+        </p:style>
+      </p:cxnSp>
+      <p:cxnSp>
+        <p:nvCxnSpPr>
+          <p:cNvPr id="12" name="Straight Arrow Connector 11">
+            <a:extLst>
+              <a:ext uri="{FF2B5EF4-FFF2-40B4-BE49-F238E27FC236}">
+                <a16:creationId xmlns:a16="http://schemas.microsoft.com/office/drawing/2014/main" id="{440DD555-BEFA-789A-B65C-79DDCF3F1ACB}"/>
+              </a:ext>
+            </a:extLst>
+          </p:cNvPr>
+          <p:cNvCxnSpPr/>
+          <p:nvPr/>
+        </p:nvCxnSpPr>
+        <p:spPr>
+          <a:xfrm flipH="1">
+            <a:off x="4875180" y="3768483"/>
+            <a:ext cx="510702" cy="503306"/>
+          </a:xfrm>
+          <a:prstGeom prst="straightConnector1">
+            <a:avLst/>
+          </a:prstGeom>
+          <a:ln w="12700">
+            <a:tailEnd type="triangle"/>
+          </a:ln>
+        </p:spPr>
+        <p:style>
+          <a:lnRef idx="1">
+            <a:schemeClr val="dk1"/>
+          </a:lnRef>
+          <a:fillRef idx="0">
+            <a:schemeClr val="dk1"/>
+          </a:fillRef>
+          <a:effectRef idx="0">
+            <a:schemeClr val="dk1"/>
+          </a:effectRef>
+          <a:fontRef idx="minor">
+            <a:schemeClr val="tx1"/>
+          </a:fontRef>
+        </p:style>
+      </p:cxnSp>
+      <p:cxnSp>
+        <p:nvCxnSpPr>
+          <p:cNvPr id="13" name="Straight Arrow Connector 12">
+            <a:extLst>
+              <a:ext uri="{FF2B5EF4-FFF2-40B4-BE49-F238E27FC236}">
+                <a16:creationId xmlns:a16="http://schemas.microsoft.com/office/drawing/2014/main" id="{255FFEB2-A32E-9515-1412-1F7E9003BADB}"/>
+              </a:ext>
+            </a:extLst>
+          </p:cNvPr>
+          <p:cNvCxnSpPr>
+            <a:cxnSpLocks/>
+            <a:endCxn id="5" idx="0"/>
+          </p:cNvCxnSpPr>
+          <p:nvPr/>
+        </p:nvCxnSpPr>
+        <p:spPr>
+          <a:xfrm>
+            <a:off x="5058385" y="2196069"/>
+            <a:ext cx="813880" cy="751362"/>
+          </a:xfrm>
+          <a:prstGeom prst="straightConnector1">
+            <a:avLst/>
+          </a:prstGeom>
+          <a:ln w="12700">
+            <a:tailEnd type="triangle"/>
+          </a:ln>
+        </p:spPr>
+        <p:style>
+          <a:lnRef idx="1">
+            <a:schemeClr val="dk1"/>
+          </a:lnRef>
+          <a:fillRef idx="0">
+            <a:schemeClr val="dk1"/>
+          </a:fillRef>
+          <a:effectRef idx="0">
+            <a:schemeClr val="dk1"/>
+          </a:effectRef>
+          <a:fontRef idx="minor">
+            <a:schemeClr val="tx1"/>
+          </a:fontRef>
+        </p:style>
+      </p:cxnSp>
+      <p:cxnSp>
+        <p:nvCxnSpPr>
+          <p:cNvPr id="17" name="Straight Arrow Connector 16">
+            <a:extLst>
+              <a:ext uri="{FF2B5EF4-FFF2-40B4-BE49-F238E27FC236}">
+                <a16:creationId xmlns:a16="http://schemas.microsoft.com/office/drawing/2014/main" id="{3E293721-DA4E-7231-323E-37CE532F9C74}"/>
+              </a:ext>
+            </a:extLst>
+          </p:cNvPr>
+          <p:cNvCxnSpPr>
+            <a:cxnSpLocks/>
+            <a:endCxn id="9" idx="0"/>
+          </p:cNvCxnSpPr>
+          <p:nvPr/>
+        </p:nvCxnSpPr>
+        <p:spPr>
+          <a:xfrm>
+            <a:off x="6391072" y="3768483"/>
+            <a:ext cx="478278" cy="514931"/>
+          </a:xfrm>
+          <a:prstGeom prst="straightConnector1">
+            <a:avLst/>
+          </a:prstGeom>
+          <a:ln w="12700">
+            <a:tailEnd type="triangle"/>
+          </a:ln>
+        </p:spPr>
+        <p:style>
+          <a:lnRef idx="1">
+            <a:schemeClr val="dk1"/>
+          </a:lnRef>
+          <a:fillRef idx="0">
+            <a:schemeClr val="dk1"/>
+          </a:fillRef>
+          <a:effectRef idx="0">
+            <a:schemeClr val="dk1"/>
+          </a:effectRef>
+          <a:fontRef idx="minor">
+            <a:schemeClr val="tx1"/>
+          </a:fontRef>
+        </p:style>
+      </p:cxnSp>
+      <p:sp>
+        <p:nvSpPr>
+          <p:cNvPr id="20" name="TextBox 19">
+            <a:extLst>
+              <a:ext uri="{FF2B5EF4-FFF2-40B4-BE49-F238E27FC236}">
+                <a16:creationId xmlns:a16="http://schemas.microsoft.com/office/drawing/2014/main" id="{9F52A6B7-95E2-8061-C5C2-0800FAEE2640}"/>
+              </a:ext>
+            </a:extLst>
+          </p:cNvPr>
+          <p:cNvSpPr txBox="1"/>
+          <p:nvPr/>
+        </p:nvSpPr>
+        <p:spPr>
+          <a:xfrm>
+            <a:off x="3888328" y="2259459"/>
+            <a:ext cx="428322" cy="369332"/>
+          </a:xfrm>
+          <a:prstGeom prst="rect">
+            <a:avLst/>
+          </a:prstGeom>
+          <a:noFill/>
+        </p:spPr>
+        <p:txBody>
+          <a:bodyPr wrap="none" rtlCol="0">
+            <a:spAutoFit/>
+          </a:bodyPr>
+          <a:lstStyle/>
+          <a:p>
+            <a:r>
+              <a:rPr lang="en-US" dirty="0"/>
+              <a:t>no</a:t>
+            </a:r>
+          </a:p>
+        </p:txBody>
+      </p:sp>
+      <p:sp>
+        <p:nvSpPr>
+          <p:cNvPr id="21" name="TextBox 20">
+            <a:extLst>
+              <a:ext uri="{FF2B5EF4-FFF2-40B4-BE49-F238E27FC236}">
+                <a16:creationId xmlns:a16="http://schemas.microsoft.com/office/drawing/2014/main" id="{9F3DF419-0896-E04F-8308-81AEC70FEDA4}"/>
+              </a:ext>
+            </a:extLst>
+          </p:cNvPr>
+          <p:cNvSpPr txBox="1"/>
+          <p:nvPr/>
+        </p:nvSpPr>
+        <p:spPr>
+          <a:xfrm>
+            <a:off x="5171721" y="3834170"/>
+            <a:ext cx="428322" cy="369332"/>
+          </a:xfrm>
+          <a:prstGeom prst="rect">
+            <a:avLst/>
+          </a:prstGeom>
+          <a:noFill/>
+        </p:spPr>
+        <p:txBody>
+          <a:bodyPr wrap="none" rtlCol="0">
+            <a:spAutoFit/>
+          </a:bodyPr>
+          <a:lstStyle/>
+          <a:p>
+            <a:r>
+              <a:rPr lang="en-US" dirty="0"/>
+              <a:t>no</a:t>
+            </a:r>
+          </a:p>
+        </p:txBody>
+      </p:sp>
+      <p:sp>
+        <p:nvSpPr>
+          <p:cNvPr id="22" name="TextBox 21">
+            <a:extLst>
+              <a:ext uri="{FF2B5EF4-FFF2-40B4-BE49-F238E27FC236}">
+                <a16:creationId xmlns:a16="http://schemas.microsoft.com/office/drawing/2014/main" id="{E4CA7AD6-D7A3-0C72-7171-C3FE0A9DDEE6}"/>
+              </a:ext>
+            </a:extLst>
+          </p:cNvPr>
+          <p:cNvSpPr txBox="1"/>
+          <p:nvPr/>
+        </p:nvSpPr>
+        <p:spPr>
+          <a:xfrm>
+            <a:off x="6630211" y="3828378"/>
+            <a:ext cx="491225" cy="369332"/>
+          </a:xfrm>
+          <a:prstGeom prst="rect">
+            <a:avLst/>
+          </a:prstGeom>
+          <a:noFill/>
+        </p:spPr>
+        <p:txBody>
+          <a:bodyPr wrap="none" rtlCol="0">
+            <a:spAutoFit/>
+          </a:bodyPr>
+          <a:lstStyle/>
+          <a:p>
+            <a:r>
+              <a:rPr lang="en-US" dirty="0"/>
+              <a:t>yes</a:t>
+            </a:r>
+          </a:p>
+        </p:txBody>
+      </p:sp>
+      <p:sp>
+        <p:nvSpPr>
+          <p:cNvPr id="23" name="TextBox 22">
+            <a:extLst>
+              <a:ext uri="{FF2B5EF4-FFF2-40B4-BE49-F238E27FC236}">
+                <a16:creationId xmlns:a16="http://schemas.microsoft.com/office/drawing/2014/main" id="{BAA085C9-C352-335A-9AD6-21FF9CF810FE}"/>
+              </a:ext>
+            </a:extLst>
+          </p:cNvPr>
+          <p:cNvSpPr txBox="1"/>
+          <p:nvPr/>
+        </p:nvSpPr>
+        <p:spPr>
+          <a:xfrm>
+            <a:off x="5381040" y="2259459"/>
+            <a:ext cx="491225" cy="369332"/>
+          </a:xfrm>
+          <a:prstGeom prst="rect">
+            <a:avLst/>
+          </a:prstGeom>
+          <a:noFill/>
+        </p:spPr>
+        <p:txBody>
+          <a:bodyPr wrap="none" rtlCol="0">
+            <a:spAutoFit/>
+          </a:bodyPr>
+          <a:lstStyle/>
+          <a:p>
+            <a:r>
+              <a:rPr lang="en-US" dirty="0"/>
+              <a:t>yes</a:t>
+            </a:r>
+          </a:p>
+        </p:txBody>
+      </p:sp>
+    </p:spTree>
+    <p:extLst>
+      <p:ext uri="{BB962C8B-B14F-4D97-AF65-F5344CB8AC3E}">
+        <p14:creationId xmlns:p14="http://schemas.microsoft.com/office/powerpoint/2010/main" val="3180445787"/>
+      </p:ext>
+    </p:extLst>
+  </p:cSld>
+  <p:clrMapOvr>
+    <a:masterClrMapping/>
+  </p:clrMapOvr>
+</p:sld>
+</file>
+
+<file path=ppt/slides/slide12.xml><?xml version="1.0" encoding="utf-8"?>
+<p:sld xmlns:a="http://schemas.openxmlformats.org/drawingml/2006/main" xmlns:r="http://schemas.openxmlformats.org/officeDocument/2006/relationships" xmlns:p="http://schemas.openxmlformats.org/presentationml/2006/main">
+  <p:cSld>
+    <p:spTree>
+      <p:nvGrpSpPr>
+        <p:cNvPr id="1" name=""/>
+        <p:cNvGrpSpPr/>
+        <p:nvPr/>
+      </p:nvGrpSpPr>
+      <p:grpSpPr>
+        <a:xfrm>
+          <a:off x="0" y="0"/>
+          <a:ext cx="0" cy="0"/>
+          <a:chOff x="0" y="0"/>
+          <a:chExt cx="0" cy="0"/>
+        </a:xfrm>
+      </p:grpSpPr>
+      <p:sp>
+        <p:nvSpPr>
+          <p:cNvPr id="2" name="Title 1">
+            <a:extLst>
+              <a:ext uri="{FF2B5EF4-FFF2-40B4-BE49-F238E27FC236}">
+                <a16:creationId xmlns:a16="http://schemas.microsoft.com/office/drawing/2014/main" id="{BD3FCBA7-FF83-0A40-9B4F-5838C1C33197}"/>
+              </a:ext>
+            </a:extLst>
+          </p:cNvPr>
+          <p:cNvSpPr>
+            <a:spLocks noGrp="1"/>
+          </p:cNvSpPr>
+          <p:nvPr>
+            <p:ph type="title"/>
+          </p:nvPr>
+        </p:nvSpPr>
+        <p:spPr/>
+        <p:txBody>
+          <a:bodyPr/>
+          <a:lstStyle/>
+          <a:p>
+            <a:r>
+              <a:rPr lang="en-US" dirty="0"/>
+              <a:t>Can we </a:t>
+            </a:r>
+            <a:r>
+              <a:rPr lang="en-US" i="1" dirty="0"/>
+              <a:t>interpret</a:t>
+            </a:r>
+            <a:r>
+              <a:rPr lang="en-US" dirty="0"/>
+              <a:t> a deep learning NLP model?</a:t>
+            </a:r>
+          </a:p>
+        </p:txBody>
+      </p:sp>
+      <p:sp>
+        <p:nvSpPr>
+          <p:cNvPr id="6" name="Content Placeholder 2">
+            <a:extLst>
+              <a:ext uri="{FF2B5EF4-FFF2-40B4-BE49-F238E27FC236}">
+                <a16:creationId xmlns:a16="http://schemas.microsoft.com/office/drawing/2014/main" id="{DB9D5CA9-31B4-3FB8-2F3A-49926EB95AEB}"/>
+              </a:ext>
+            </a:extLst>
+          </p:cNvPr>
+          <p:cNvSpPr>
+            <a:spLocks noGrp="1"/>
+          </p:cNvSpPr>
+          <p:nvPr>
+            <p:ph idx="1"/>
+          </p:nvPr>
+        </p:nvSpPr>
+        <p:spPr>
+          <a:xfrm>
+            <a:off x="628650" y="908742"/>
+            <a:ext cx="7886700" cy="3263504"/>
+          </a:xfrm>
+        </p:spPr>
+        <p:txBody>
+          <a:bodyPr/>
+          <a:lstStyle/>
+          <a:p>
+            <a:pPr>
+              <a:buFontTx/>
+              <a:buChar char="-"/>
+            </a:pPr>
+            <a:r>
+              <a:rPr lang="en-US" sz="1600" dirty="0"/>
+              <a:t>Suppose you apply a deep neural network to a sequence of word vectors, and your model predicts that that the SMS you receive is urgent.</a:t>
+            </a:r>
+          </a:p>
+          <a:p>
+            <a:pPr>
+              <a:buFontTx/>
+              <a:buChar char="-"/>
+            </a:pPr>
+            <a:r>
+              <a:rPr lang="en-US" sz="1600" b="1" dirty="0"/>
+              <a:t>Q:</a:t>
+            </a:r>
+            <a:r>
+              <a:rPr lang="en-US" sz="1600" dirty="0"/>
+              <a:t> Is it hard to figure out why it made that prediction?</a:t>
+            </a:r>
+          </a:p>
+        </p:txBody>
+      </p:sp>
+    </p:spTree>
+    <p:extLst>
+      <p:ext uri="{BB962C8B-B14F-4D97-AF65-F5344CB8AC3E}">
+        <p14:creationId xmlns:p14="http://schemas.microsoft.com/office/powerpoint/2010/main" val="1545876856"/>
+      </p:ext>
+    </p:extLst>
+  </p:cSld>
+  <p:clrMapOvr>
+    <a:masterClrMapping/>
+  </p:clrMapOvr>
+</p:sld>
+</file>
+
+<file path=ppt/slides/slide13.xml><?xml version="1.0" encoding="utf-8"?>
+<p:sld xmlns:a="http://schemas.openxmlformats.org/drawingml/2006/main" xmlns:r="http://schemas.openxmlformats.org/officeDocument/2006/relationships" xmlns:p="http://schemas.openxmlformats.org/presentationml/2006/main">
+  <p:cSld>
+    <p:spTree>
+      <p:nvGrpSpPr>
+        <p:cNvPr id="1" name=""/>
+        <p:cNvGrpSpPr/>
+        <p:nvPr/>
+      </p:nvGrpSpPr>
+      <p:grpSpPr>
+        <a:xfrm>
+          <a:off x="0" y="0"/>
+          <a:ext cx="0" cy="0"/>
+          <a:chOff x="0" y="0"/>
+          <a:chExt cx="0" cy="0"/>
+        </a:xfrm>
+      </p:grpSpPr>
+      <p:sp>
+        <p:nvSpPr>
+          <p:cNvPr id="9" name="TextBox 8">
+            <a:extLst>
+              <a:ext uri="{FF2B5EF4-FFF2-40B4-BE49-F238E27FC236}">
+                <a16:creationId xmlns:a16="http://schemas.microsoft.com/office/drawing/2014/main" id="{B0F8ED1D-42C3-9141-AE77-27407422E154}"/>
+              </a:ext>
+            </a:extLst>
+          </p:cNvPr>
+          <p:cNvSpPr txBox="1"/>
+          <p:nvPr/>
+        </p:nvSpPr>
+        <p:spPr>
+          <a:xfrm>
+            <a:off x="1245202" y="4654094"/>
+            <a:ext cx="1297069" cy="415178"/>
+          </a:xfrm>
+          <a:prstGeom prst="rect">
+            <a:avLst/>
+          </a:prstGeom>
+          <a:noFill/>
+        </p:spPr>
+        <p:txBody>
+          <a:bodyPr wrap="square" rtlCol="0">
+            <a:spAutoFit/>
+          </a:bodyPr>
+          <a:lstStyle/>
+          <a:p>
+            <a:pPr algn="ctr"/>
+            <a:r>
+              <a:rPr lang="en-US" sz="2098" dirty="0">
+                <a:latin typeface="Times New Roman" panose="02020603050405020304" pitchFamily="18" charset="0"/>
+                <a:cs typeface="Times New Roman" panose="02020603050405020304" pitchFamily="18" charset="0"/>
+              </a:rPr>
+              <a:t>document</a:t>
+            </a:r>
+          </a:p>
+        </p:txBody>
+      </p:sp>
+      <p:cxnSp>
+        <p:nvCxnSpPr>
+          <p:cNvPr id="16" name="Straight Arrow Connector 15">
+            <a:extLst>
+              <a:ext uri="{FF2B5EF4-FFF2-40B4-BE49-F238E27FC236}">
+                <a16:creationId xmlns:a16="http://schemas.microsoft.com/office/drawing/2014/main" id="{2004C370-95FF-1047-B986-B06FCDF88F5F}"/>
+              </a:ext>
+            </a:extLst>
+          </p:cNvPr>
+          <p:cNvCxnSpPr>
+            <a:cxnSpLocks/>
+          </p:cNvCxnSpPr>
+          <p:nvPr/>
+        </p:nvCxnSpPr>
+        <p:spPr>
+          <a:xfrm>
+            <a:off x="3080823" y="3258893"/>
+            <a:ext cx="654329" cy="0"/>
+          </a:xfrm>
+          <a:prstGeom prst="straightConnector1">
+            <a:avLst/>
+          </a:prstGeom>
+          <a:ln>
+            <a:tailEnd type="triangle"/>
+          </a:ln>
+        </p:spPr>
+        <p:style>
+          <a:lnRef idx="3">
+            <a:schemeClr val="dk1"/>
+          </a:lnRef>
+          <a:fillRef idx="0">
+            <a:schemeClr val="dk1"/>
+          </a:fillRef>
+          <a:effectRef idx="2">
+            <a:schemeClr val="dk1"/>
+          </a:effectRef>
+          <a:fontRef idx="minor">
+            <a:schemeClr val="tx1"/>
+          </a:fontRef>
+        </p:style>
+      </p:cxnSp>
+      <p:cxnSp>
+        <p:nvCxnSpPr>
+          <p:cNvPr id="21" name="Straight Arrow Connector 20">
+            <a:extLst>
+              <a:ext uri="{FF2B5EF4-FFF2-40B4-BE49-F238E27FC236}">
+                <a16:creationId xmlns:a16="http://schemas.microsoft.com/office/drawing/2014/main" id="{F32B0503-A697-0A47-A3DA-5DB2A3779506}"/>
+              </a:ext>
+            </a:extLst>
+          </p:cNvPr>
+          <p:cNvCxnSpPr>
+            <a:cxnSpLocks/>
+          </p:cNvCxnSpPr>
+          <p:nvPr/>
+        </p:nvCxnSpPr>
+        <p:spPr>
+          <a:xfrm>
+            <a:off x="5032221" y="3258893"/>
+            <a:ext cx="808870" cy="0"/>
+          </a:xfrm>
+          <a:prstGeom prst="straightConnector1">
+            <a:avLst/>
+          </a:prstGeom>
+          <a:ln>
+            <a:tailEnd type="triangle"/>
+          </a:ln>
+        </p:spPr>
+        <p:style>
+          <a:lnRef idx="3">
+            <a:schemeClr val="dk1"/>
+          </a:lnRef>
+          <a:fillRef idx="0">
+            <a:schemeClr val="dk1"/>
+          </a:fillRef>
+          <a:effectRef idx="2">
+            <a:schemeClr val="dk1"/>
+          </a:effectRef>
+          <a:fontRef idx="minor">
+            <a:schemeClr val="tx1"/>
+          </a:fontRef>
+        </p:style>
+      </p:cxnSp>
+      <p:graphicFrame>
+        <p:nvGraphicFramePr>
+          <p:cNvPr id="12" name="Table 13">
+            <a:extLst>
+              <a:ext uri="{FF2B5EF4-FFF2-40B4-BE49-F238E27FC236}">
+                <a16:creationId xmlns:a16="http://schemas.microsoft.com/office/drawing/2014/main" id="{66DE0EB4-5271-E145-8A0D-9F253C4AA1EA}"/>
+              </a:ext>
+            </a:extLst>
+          </p:cNvPr>
+          <p:cNvGraphicFramePr>
+            <a:graphicFrameLocks noGrp="1"/>
+          </p:cNvGraphicFramePr>
+          <p:nvPr>
+            <p:extLst>
+              <p:ext uri="{D42A27DB-BD31-4B8C-83A1-F6EECF244321}">
+                <p14:modId xmlns:p14="http://schemas.microsoft.com/office/powerpoint/2010/main" val="735382692"/>
+              </p:ext>
+            </p:extLst>
+          </p:nvPr>
+        </p:nvGraphicFramePr>
+        <p:xfrm>
+          <a:off x="5997057" y="2292083"/>
+          <a:ext cx="332232" cy="1959804"/>
+        </p:xfrm>
+        <a:graphic>
+          <a:graphicData uri="http://schemas.openxmlformats.org/drawingml/2006/table">
+            <a:tbl>
+              <a:tblPr firstRow="1" bandRow="1">
+                <a:tableStyleId>{5C22544A-7EE6-4342-B048-85BDC9FD1C3A}</a:tableStyleId>
+              </a:tblPr>
+              <a:tblGrid>
+                <a:gridCol w="332232">
+                  <a:extLst>
+                    <a:ext uri="{9D8B030D-6E8A-4147-A177-3AD203B41FA5}">
+                      <a16:colId xmlns:a16="http://schemas.microsoft.com/office/drawing/2014/main" val="1738843382"/>
+                    </a:ext>
+                  </a:extLst>
+                </a:gridCol>
+              </a:tblGrid>
+              <a:tr h="326634">
+                <a:tc>
+                  <a:txBody>
+                    <a:bodyPr/>
+                    <a:lstStyle/>
+                    <a:p>
+                      <a:endParaRPr lang="en-US" sz="1000"/>
+                    </a:p>
+                  </a:txBody>
+                  <a:tcPr marL="68580" marR="68580" marT="34290" marB="34290">
+                    <a:lnL w="12700" cap="flat" cmpd="sng" algn="ctr">
+                      <a:solidFill>
+                        <a:schemeClr val="tx1"/>
+                      </a:solidFill>
+                      <a:prstDash val="solid"/>
+                      <a:round/>
+                      <a:headEnd type="none" w="med" len="med"/>
+                      <a:tailEnd type="none" w="med" len="med"/>
+                    </a:lnL>
+                    <a:lnR w="12700" cap="flat" cmpd="sng" algn="ctr">
+                      <a:solidFill>
+                        <a:schemeClr val="tx1"/>
+                      </a:solidFill>
+                      <a:prstDash val="solid"/>
+                      <a:round/>
+                      <a:headEnd type="none" w="med" len="med"/>
+                      <a:tailEnd type="none" w="med" len="med"/>
+                    </a:lnR>
+                    <a:lnT w="12700" cap="flat" cmpd="sng" algn="ctr">
+                      <a:solidFill>
+                        <a:schemeClr val="tx1"/>
+                      </a:solidFill>
+                      <a:prstDash val="solid"/>
+                      <a:round/>
+                      <a:headEnd type="none" w="med" len="med"/>
+                      <a:tailEnd type="none" w="med" len="med"/>
+                    </a:lnT>
+                    <a:lnB w="12700" cap="flat" cmpd="sng" algn="ctr">
+                      <a:solidFill>
+                        <a:schemeClr val="tx1"/>
+                      </a:solidFill>
+                      <a:prstDash val="solid"/>
+                      <a:round/>
+                      <a:headEnd type="none" w="med" len="med"/>
+                      <a:tailEnd type="none" w="med" len="med"/>
+                    </a:lnB>
+                    <a:noFill/>
+                  </a:tcPr>
+                </a:tc>
+                <a:extLst>
+                  <a:ext uri="{0D108BD9-81ED-4DB2-BD59-A6C34878D82A}">
+                    <a16:rowId xmlns:a16="http://schemas.microsoft.com/office/drawing/2014/main" val="1403326735"/>
+                  </a:ext>
+                </a:extLst>
+              </a:tr>
+              <a:tr h="326634">
+                <a:tc>
+                  <a:txBody>
+                    <a:bodyPr/>
+                    <a:lstStyle/>
+                    <a:p>
+                      <a:endParaRPr lang="en-US" sz="1000"/>
+                    </a:p>
+                  </a:txBody>
+                  <a:tcPr marL="68580" marR="68580" marT="34290" marB="34290">
+                    <a:lnL w="12700" cap="flat" cmpd="sng" algn="ctr">
+                      <a:solidFill>
+                        <a:schemeClr val="tx1"/>
+                      </a:solidFill>
+                      <a:prstDash val="solid"/>
+                      <a:round/>
+                      <a:headEnd type="none" w="med" len="med"/>
+                      <a:tailEnd type="none" w="med" len="med"/>
+                    </a:lnL>
+                    <a:lnR w="12700" cap="flat" cmpd="sng" algn="ctr">
+                      <a:solidFill>
+                        <a:schemeClr val="tx1"/>
+                      </a:solidFill>
+                      <a:prstDash val="solid"/>
+                      <a:round/>
+                      <a:headEnd type="none" w="med" len="med"/>
+                      <a:tailEnd type="none" w="med" len="med"/>
+                    </a:lnR>
+                    <a:lnT w="12700" cap="flat" cmpd="sng" algn="ctr">
+                      <a:solidFill>
+                        <a:schemeClr val="tx1"/>
+                      </a:solidFill>
+                      <a:prstDash val="solid"/>
+                      <a:round/>
+                      <a:headEnd type="none" w="med" len="med"/>
+                      <a:tailEnd type="none" w="med" len="med"/>
+                    </a:lnT>
+                    <a:lnB w="12700" cap="flat" cmpd="sng" algn="ctr">
+                      <a:solidFill>
+                        <a:schemeClr val="tx1"/>
+                      </a:solidFill>
+                      <a:prstDash val="solid"/>
+                      <a:round/>
+                      <a:headEnd type="none" w="med" len="med"/>
+                      <a:tailEnd type="none" w="med" len="med"/>
+                    </a:lnB>
+                    <a:noFill/>
+                  </a:tcPr>
+                </a:tc>
+                <a:extLst>
+                  <a:ext uri="{0D108BD9-81ED-4DB2-BD59-A6C34878D82A}">
+                    <a16:rowId xmlns:a16="http://schemas.microsoft.com/office/drawing/2014/main" val="1327615053"/>
+                  </a:ext>
+                </a:extLst>
+              </a:tr>
+              <a:tr h="326634">
+                <a:tc>
+                  <a:txBody>
+                    <a:bodyPr/>
+                    <a:lstStyle/>
+                    <a:p>
+                      <a:endParaRPr lang="en-US" sz="1000"/>
+                    </a:p>
+                  </a:txBody>
+                  <a:tcPr marL="68580" marR="68580" marT="34290" marB="34290">
+                    <a:lnL w="12700" cap="flat" cmpd="sng" algn="ctr">
+                      <a:solidFill>
+                        <a:schemeClr val="tx1"/>
+                      </a:solidFill>
+                      <a:prstDash val="solid"/>
+                      <a:round/>
+                      <a:headEnd type="none" w="med" len="med"/>
+                      <a:tailEnd type="none" w="med" len="med"/>
+                    </a:lnL>
+                    <a:lnR w="12700" cap="flat" cmpd="sng" algn="ctr">
+                      <a:solidFill>
+                        <a:schemeClr val="tx1"/>
+                      </a:solidFill>
+                      <a:prstDash val="solid"/>
+                      <a:round/>
+                      <a:headEnd type="none" w="med" len="med"/>
+                      <a:tailEnd type="none" w="med" len="med"/>
+                    </a:lnR>
+                    <a:lnT w="12700" cap="flat" cmpd="sng" algn="ctr">
+                      <a:solidFill>
+                        <a:schemeClr val="tx1"/>
+                      </a:solidFill>
+                      <a:prstDash val="solid"/>
+                      <a:round/>
+                      <a:headEnd type="none" w="med" len="med"/>
+                      <a:tailEnd type="none" w="med" len="med"/>
+                    </a:lnT>
+                    <a:lnB w="12700" cap="flat" cmpd="sng" algn="ctr">
+                      <a:solidFill>
+                        <a:schemeClr val="tx1"/>
+                      </a:solidFill>
+                      <a:prstDash val="solid"/>
+                      <a:round/>
+                      <a:headEnd type="none" w="med" len="med"/>
+                      <a:tailEnd type="none" w="med" len="med"/>
+                    </a:lnB>
+                    <a:noFill/>
+                  </a:tcPr>
+                </a:tc>
+                <a:extLst>
+                  <a:ext uri="{0D108BD9-81ED-4DB2-BD59-A6C34878D82A}">
+                    <a16:rowId xmlns:a16="http://schemas.microsoft.com/office/drawing/2014/main" val="1734241076"/>
+                  </a:ext>
+                </a:extLst>
+              </a:tr>
+              <a:tr h="326634">
+                <a:tc>
+                  <a:txBody>
+                    <a:bodyPr/>
+                    <a:lstStyle/>
+                    <a:p>
+                      <a:endParaRPr lang="en-US" sz="1000"/>
+                    </a:p>
+                  </a:txBody>
+                  <a:tcPr marL="68580" marR="68580" marT="34290" marB="34290">
+                    <a:lnL w="12700" cap="flat" cmpd="sng" algn="ctr">
+                      <a:solidFill>
+                        <a:schemeClr val="tx1"/>
+                      </a:solidFill>
+                      <a:prstDash val="solid"/>
+                      <a:round/>
+                      <a:headEnd type="none" w="med" len="med"/>
+                      <a:tailEnd type="none" w="med" len="med"/>
+                    </a:lnL>
+                    <a:lnR w="12700" cap="flat" cmpd="sng" algn="ctr">
+                      <a:solidFill>
+                        <a:schemeClr val="tx1"/>
+                      </a:solidFill>
+                      <a:prstDash val="solid"/>
+                      <a:round/>
+                      <a:headEnd type="none" w="med" len="med"/>
+                      <a:tailEnd type="none" w="med" len="med"/>
+                    </a:lnR>
+                    <a:lnT w="12700" cap="flat" cmpd="sng" algn="ctr">
+                      <a:solidFill>
+                        <a:schemeClr val="tx1"/>
+                      </a:solidFill>
+                      <a:prstDash val="solid"/>
+                      <a:round/>
+                      <a:headEnd type="none" w="med" len="med"/>
+                      <a:tailEnd type="none" w="med" len="med"/>
+                    </a:lnT>
+                    <a:lnB w="12700" cap="flat" cmpd="sng" algn="ctr">
+                      <a:solidFill>
+                        <a:schemeClr val="tx1"/>
+                      </a:solidFill>
+                      <a:prstDash val="solid"/>
+                      <a:round/>
+                      <a:headEnd type="none" w="med" len="med"/>
+                      <a:tailEnd type="none" w="med" len="med"/>
+                    </a:lnB>
+                    <a:noFill/>
+                  </a:tcPr>
+                </a:tc>
+                <a:extLst>
+                  <a:ext uri="{0D108BD9-81ED-4DB2-BD59-A6C34878D82A}">
+                    <a16:rowId xmlns:a16="http://schemas.microsoft.com/office/drawing/2014/main" val="1419904516"/>
+                  </a:ext>
+                </a:extLst>
+              </a:tr>
+              <a:tr h="326634">
+                <a:tc>
+                  <a:txBody>
+                    <a:bodyPr/>
+                    <a:lstStyle/>
+                    <a:p>
+                      <a:endParaRPr lang="en-US" sz="1000"/>
+                    </a:p>
+                  </a:txBody>
+                  <a:tcPr marL="68580" marR="68580" marT="34290" marB="34290">
+                    <a:lnL w="12700" cap="flat" cmpd="sng" algn="ctr">
+                      <a:solidFill>
+                        <a:schemeClr val="tx1"/>
+                      </a:solidFill>
+                      <a:prstDash val="solid"/>
+                      <a:round/>
+                      <a:headEnd type="none" w="med" len="med"/>
+                      <a:tailEnd type="none" w="med" len="med"/>
+                    </a:lnL>
+                    <a:lnR w="12700" cap="flat" cmpd="sng" algn="ctr">
+                      <a:solidFill>
+                        <a:schemeClr val="tx1"/>
+                      </a:solidFill>
+                      <a:prstDash val="solid"/>
+                      <a:round/>
+                      <a:headEnd type="none" w="med" len="med"/>
+                      <a:tailEnd type="none" w="med" len="med"/>
+                    </a:lnR>
+                    <a:lnT w="12700" cap="flat" cmpd="sng" algn="ctr">
+                      <a:solidFill>
+                        <a:schemeClr val="tx1"/>
+                      </a:solidFill>
+                      <a:prstDash val="solid"/>
+                      <a:round/>
+                      <a:headEnd type="none" w="med" len="med"/>
+                      <a:tailEnd type="none" w="med" len="med"/>
+                    </a:lnT>
+                    <a:lnB w="12700" cap="flat" cmpd="sng" algn="ctr">
+                      <a:solidFill>
+                        <a:schemeClr val="tx1"/>
+                      </a:solidFill>
+                      <a:prstDash val="solid"/>
+                      <a:round/>
+                      <a:headEnd type="none" w="med" len="med"/>
+                      <a:tailEnd type="none" w="med" len="med"/>
+                    </a:lnB>
+                    <a:noFill/>
+                  </a:tcPr>
+                </a:tc>
+                <a:extLst>
+                  <a:ext uri="{0D108BD9-81ED-4DB2-BD59-A6C34878D82A}">
+                    <a16:rowId xmlns:a16="http://schemas.microsoft.com/office/drawing/2014/main" val="2138723533"/>
+                  </a:ext>
+                </a:extLst>
+              </a:tr>
+              <a:tr h="326634">
+                <a:tc>
+                  <a:txBody>
+                    <a:bodyPr/>
+                    <a:lstStyle/>
+                    <a:p>
+                      <a:endParaRPr lang="en-US" sz="1000" dirty="0"/>
+                    </a:p>
+                  </a:txBody>
+                  <a:tcPr marL="68580" marR="68580" marT="34290" marB="34290">
+                    <a:lnL w="12700" cap="flat" cmpd="sng" algn="ctr">
+                      <a:solidFill>
+                        <a:schemeClr val="tx1"/>
+                      </a:solidFill>
+                      <a:prstDash val="solid"/>
+                      <a:round/>
+                      <a:headEnd type="none" w="med" len="med"/>
+                      <a:tailEnd type="none" w="med" len="med"/>
+                    </a:lnL>
+                    <a:lnR w="12700" cap="flat" cmpd="sng" algn="ctr">
+                      <a:solidFill>
+                        <a:schemeClr val="tx1"/>
+                      </a:solidFill>
+                      <a:prstDash val="solid"/>
+                      <a:round/>
+                      <a:headEnd type="none" w="med" len="med"/>
+                      <a:tailEnd type="none" w="med" len="med"/>
+                    </a:lnR>
+                    <a:lnT w="12700" cap="flat" cmpd="sng" algn="ctr">
+                      <a:solidFill>
+                        <a:schemeClr val="tx1"/>
+                      </a:solidFill>
+                      <a:prstDash val="solid"/>
+                      <a:round/>
+                      <a:headEnd type="none" w="med" len="med"/>
+                      <a:tailEnd type="none" w="med" len="med"/>
+                    </a:lnT>
+                    <a:lnB w="12700" cap="flat" cmpd="sng" algn="ctr">
+                      <a:solidFill>
+                        <a:schemeClr val="tx1"/>
+                      </a:solidFill>
+                      <a:prstDash val="solid"/>
+                      <a:round/>
+                      <a:headEnd type="none" w="med" len="med"/>
+                      <a:tailEnd type="none" w="med" len="med"/>
+                    </a:lnB>
+                    <a:noFill/>
+                  </a:tcPr>
+                </a:tc>
+                <a:extLst>
+                  <a:ext uri="{0D108BD9-81ED-4DB2-BD59-A6C34878D82A}">
+                    <a16:rowId xmlns:a16="http://schemas.microsoft.com/office/drawing/2014/main" val="2457729035"/>
+                  </a:ext>
+                </a:extLst>
+              </a:tr>
+            </a:tbl>
+          </a:graphicData>
+        </a:graphic>
+      </p:graphicFrame>
+      <p:sp>
+        <p:nvSpPr>
+          <p:cNvPr id="30" name="TextBox 29">
+            <a:extLst>
+              <a:ext uri="{FF2B5EF4-FFF2-40B4-BE49-F238E27FC236}">
+                <a16:creationId xmlns:a16="http://schemas.microsoft.com/office/drawing/2014/main" id="{7D47EF31-DD2B-2242-BB8A-C5F5B01D1AAB}"/>
+              </a:ext>
+            </a:extLst>
+          </p:cNvPr>
+          <p:cNvSpPr txBox="1"/>
+          <p:nvPr/>
+        </p:nvSpPr>
+        <p:spPr>
+          <a:xfrm>
+            <a:off x="7423588" y="3692661"/>
+            <a:ext cx="1015808" cy="415178"/>
+          </a:xfrm>
+          <a:prstGeom prst="rect">
+            <a:avLst/>
+          </a:prstGeom>
+          <a:noFill/>
+        </p:spPr>
+        <p:txBody>
+          <a:bodyPr wrap="square" rtlCol="0">
+            <a:spAutoFit/>
+          </a:bodyPr>
+          <a:lstStyle/>
+          <a:p>
+            <a:pPr algn="ctr"/>
+            <a:r>
+              <a:rPr lang="en-US" sz="2098" dirty="0">
+                <a:latin typeface="Times New Roman" panose="02020603050405020304" pitchFamily="18" charset="0"/>
+                <a:cs typeface="Times New Roman" panose="02020603050405020304" pitchFamily="18" charset="0"/>
+              </a:rPr>
+              <a:t>label</a:t>
+            </a:r>
+          </a:p>
+        </p:txBody>
+      </p:sp>
+      <p:graphicFrame>
+        <p:nvGraphicFramePr>
+          <p:cNvPr id="31" name="Table 30">
+            <a:extLst>
+              <a:ext uri="{FF2B5EF4-FFF2-40B4-BE49-F238E27FC236}">
+                <a16:creationId xmlns:a16="http://schemas.microsoft.com/office/drawing/2014/main" id="{118C239F-A05F-DF4A-834B-75B7272EF7B6}"/>
+              </a:ext>
+            </a:extLst>
+          </p:cNvPr>
+          <p:cNvGraphicFramePr>
+            <a:graphicFrameLocks noGrp="1"/>
+          </p:cNvGraphicFramePr>
+          <p:nvPr>
+            <p:extLst>
+              <p:ext uri="{D42A27DB-BD31-4B8C-83A1-F6EECF244321}">
+                <p14:modId xmlns:p14="http://schemas.microsoft.com/office/powerpoint/2010/main" val="4229063859"/>
+              </p:ext>
+            </p:extLst>
+          </p:nvPr>
+        </p:nvGraphicFramePr>
+        <p:xfrm>
+          <a:off x="7124104" y="3006540"/>
+          <a:ext cx="1151337" cy="530890"/>
+        </p:xfrm>
+        <a:graphic>
+          <a:graphicData uri="http://schemas.openxmlformats.org/drawingml/2006/table">
+            <a:tbl>
+              <a:tblPr firstRow="1" bandRow="1">
+                <a:tableStyleId>{5C22544A-7EE6-4342-B048-85BDC9FD1C3A}</a:tableStyleId>
+              </a:tblPr>
+              <a:tblGrid>
+                <a:gridCol w="1151337">
+                  <a:extLst>
+                    <a:ext uri="{9D8B030D-6E8A-4147-A177-3AD203B41FA5}">
+                      <a16:colId xmlns:a16="http://schemas.microsoft.com/office/drawing/2014/main" val="4002730172"/>
+                    </a:ext>
+                  </a:extLst>
+                </a:gridCol>
+              </a:tblGrid>
+              <a:tr h="530890">
+                <a:tc>
+                  <a:txBody>
+                    <a:bodyPr/>
+                    <a:lstStyle/>
+                    <a:p>
+                      <a:pPr algn="ctr"/>
+                      <a:r>
+                        <a:rPr lang="en-US" sz="1000" dirty="0">
+                          <a:solidFill>
+                            <a:schemeClr val="tx1"/>
+                          </a:solidFill>
+                        </a:rPr>
+                        <a:t>pulmonary embolism</a:t>
+                      </a:r>
+                    </a:p>
+                  </a:txBody>
+                  <a:tcPr marL="68580" marR="68580" marT="34290" marB="34290" anchor="ctr">
+                    <a:lnL w="38100" cap="flat" cmpd="sng" algn="ctr">
+                      <a:solidFill>
+                        <a:schemeClr val="tx1"/>
+                      </a:solidFill>
+                      <a:prstDash val="solid"/>
+                      <a:round/>
+                      <a:headEnd type="none" w="med" len="med"/>
+                      <a:tailEnd type="none" w="med" len="med"/>
+                    </a:lnL>
+                    <a:lnR w="38100" cap="flat" cmpd="sng" algn="ctr">
+                      <a:solidFill>
+                        <a:schemeClr val="tx1"/>
+                      </a:solidFill>
+                      <a:prstDash val="solid"/>
+                      <a:round/>
+                      <a:headEnd type="none" w="med" len="med"/>
+                      <a:tailEnd type="none" w="med" len="med"/>
+                    </a:lnR>
+                    <a:lnT w="38100" cap="flat" cmpd="sng" algn="ctr">
+                      <a:solidFill>
+                        <a:schemeClr val="tx1"/>
+                      </a:solidFill>
+                      <a:prstDash val="solid"/>
+                      <a:round/>
+                      <a:headEnd type="none" w="med" len="med"/>
+                      <a:tailEnd type="none" w="med" len="med"/>
+                    </a:lnT>
+                    <a:lnB w="38100" cap="flat" cmpd="sng" algn="ctr">
+                      <a:solidFill>
+                        <a:schemeClr val="tx1"/>
+                      </a:solidFill>
+                      <a:prstDash val="solid"/>
+                      <a:round/>
+                      <a:headEnd type="none" w="med" len="med"/>
+                      <a:tailEnd type="none" w="med" len="med"/>
+                    </a:lnB>
+                    <a:noFill/>
+                  </a:tcPr>
+                </a:tc>
+                <a:extLst>
+                  <a:ext uri="{0D108BD9-81ED-4DB2-BD59-A6C34878D82A}">
+                    <a16:rowId xmlns:a16="http://schemas.microsoft.com/office/drawing/2014/main" val="3775152605"/>
+                  </a:ext>
+                </a:extLst>
+              </a:tr>
+            </a:tbl>
+          </a:graphicData>
+        </a:graphic>
+      </p:graphicFrame>
+      <p:cxnSp>
+        <p:nvCxnSpPr>
+          <p:cNvPr id="32" name="Straight Arrow Connector 31">
+            <a:extLst>
+              <a:ext uri="{FF2B5EF4-FFF2-40B4-BE49-F238E27FC236}">
+                <a16:creationId xmlns:a16="http://schemas.microsoft.com/office/drawing/2014/main" id="{AE1D92D3-E56B-A746-824F-E5BE7353B5A0}"/>
+              </a:ext>
+            </a:extLst>
+          </p:cNvPr>
+          <p:cNvCxnSpPr>
+            <a:cxnSpLocks/>
+          </p:cNvCxnSpPr>
+          <p:nvPr/>
+        </p:nvCxnSpPr>
+        <p:spPr>
+          <a:xfrm flipV="1">
+            <a:off x="6485257" y="3271985"/>
+            <a:ext cx="517892" cy="1096"/>
+          </a:xfrm>
+          <a:prstGeom prst="straightConnector1">
+            <a:avLst/>
+          </a:prstGeom>
+          <a:ln>
+            <a:tailEnd type="triangle"/>
+          </a:ln>
+        </p:spPr>
+        <p:style>
+          <a:lnRef idx="3">
+            <a:schemeClr val="dk1"/>
+          </a:lnRef>
+          <a:fillRef idx="0">
+            <a:schemeClr val="dk1"/>
+          </a:fillRef>
+          <a:effectRef idx="2">
+            <a:schemeClr val="dk1"/>
+          </a:effectRef>
+          <a:fontRef idx="minor">
+            <a:schemeClr val="tx1"/>
+          </a:fontRef>
+        </p:style>
+      </p:cxnSp>
+      <p:sp>
+        <p:nvSpPr>
+          <p:cNvPr id="35" name="TextBox 34">
+            <a:extLst>
+              <a:ext uri="{FF2B5EF4-FFF2-40B4-BE49-F238E27FC236}">
+                <a16:creationId xmlns:a16="http://schemas.microsoft.com/office/drawing/2014/main" id="{4D512111-B34C-D745-96B1-4A83D0CAAA5D}"/>
+              </a:ext>
+            </a:extLst>
+          </p:cNvPr>
+          <p:cNvSpPr txBox="1"/>
+          <p:nvPr/>
+        </p:nvSpPr>
+        <p:spPr>
+          <a:xfrm>
+            <a:off x="4371307" y="4296641"/>
+            <a:ext cx="3583733" cy="738023"/>
+          </a:xfrm>
+          <a:prstGeom prst="rect">
+            <a:avLst/>
+          </a:prstGeom>
+          <a:noFill/>
+        </p:spPr>
+        <p:txBody>
+          <a:bodyPr wrap="square" rtlCol="0">
+            <a:spAutoFit/>
+          </a:bodyPr>
+          <a:lstStyle/>
+          <a:p>
+            <a:pPr algn="ctr"/>
+            <a:r>
+              <a:rPr lang="en-US" sz="2098" dirty="0">
+                <a:latin typeface="Times New Roman" panose="02020603050405020304" pitchFamily="18" charset="0"/>
+                <a:cs typeface="Times New Roman" panose="02020603050405020304" pitchFamily="18" charset="0"/>
+              </a:rPr>
+              <a:t>vector of</a:t>
+            </a:r>
+          </a:p>
+          <a:p>
+            <a:pPr algn="ctr"/>
+            <a:r>
+              <a:rPr lang="en-US" sz="2098" dirty="0">
+                <a:latin typeface="Times New Roman" panose="02020603050405020304" pitchFamily="18" charset="0"/>
+                <a:cs typeface="Times New Roman" panose="02020603050405020304" pitchFamily="18" charset="0"/>
+              </a:rPr>
+              <a:t>document attributes</a:t>
+            </a:r>
+          </a:p>
+        </p:txBody>
+      </p:sp>
+      <p:sp>
+        <p:nvSpPr>
+          <p:cNvPr id="14" name="TextBox 13">
+            <a:extLst>
+              <a:ext uri="{FF2B5EF4-FFF2-40B4-BE49-F238E27FC236}">
+                <a16:creationId xmlns:a16="http://schemas.microsoft.com/office/drawing/2014/main" id="{ADB07BE4-C006-D347-A2C3-BD834F0C57A5}"/>
+              </a:ext>
+            </a:extLst>
+          </p:cNvPr>
+          <p:cNvSpPr txBox="1"/>
+          <p:nvPr/>
+        </p:nvSpPr>
+        <p:spPr>
+          <a:xfrm>
+            <a:off x="6235588" y="3275739"/>
+            <a:ext cx="1017227" cy="369332"/>
+          </a:xfrm>
+          <a:prstGeom prst="rect">
+            <a:avLst/>
+          </a:prstGeom>
+          <a:noFill/>
+        </p:spPr>
+        <p:txBody>
+          <a:bodyPr wrap="square" rtlCol="0">
+            <a:spAutoFit/>
+          </a:bodyPr>
+          <a:lstStyle/>
+          <a:p>
+            <a:pPr algn="ctr"/>
+            <a:r>
+              <a:rPr lang="en-US" sz="900" dirty="0">
+                <a:latin typeface="Times New Roman" panose="02020603050405020304" pitchFamily="18" charset="0"/>
+                <a:cs typeface="Times New Roman" panose="02020603050405020304" pitchFamily="18" charset="0"/>
+              </a:rPr>
+              <a:t>logistic</a:t>
+            </a:r>
+          </a:p>
+          <a:p>
+            <a:pPr algn="ctr"/>
+            <a:r>
+              <a:rPr lang="en-US" sz="900" dirty="0">
+                <a:latin typeface="Times New Roman" panose="02020603050405020304" pitchFamily="18" charset="0"/>
+                <a:cs typeface="Times New Roman" panose="02020603050405020304" pitchFamily="18" charset="0"/>
+              </a:rPr>
+              <a:t>regression</a:t>
+            </a:r>
+          </a:p>
+        </p:txBody>
+      </p:sp>
+      <p:pic>
+        <p:nvPicPr>
+          <p:cNvPr id="15" name="Picture 14">
+            <a:extLst>
+              <a:ext uri="{FF2B5EF4-FFF2-40B4-BE49-F238E27FC236}">
+                <a16:creationId xmlns:a16="http://schemas.microsoft.com/office/drawing/2014/main" id="{8B1173DC-64A2-004E-8A9D-D35675648E48}"/>
+              </a:ext>
+            </a:extLst>
+          </p:cNvPr>
+          <p:cNvPicPr>
+            <a:picLocks noChangeAspect="1"/>
+          </p:cNvPicPr>
+          <p:nvPr/>
+        </p:nvPicPr>
+        <p:blipFill rotWithShape="1">
+          <a:blip r:embed="rId3"/>
+          <a:srcRect l="11976" t="10927" r="11177" b="12059"/>
+          <a:stretch/>
+        </p:blipFill>
+        <p:spPr>
+          <a:xfrm>
+            <a:off x="847136" y="1901537"/>
+            <a:ext cx="2093201" cy="2714711"/>
+          </a:xfrm>
+          <a:prstGeom prst="rect">
+            <a:avLst/>
+          </a:prstGeom>
+          <a:ln>
+            <a:solidFill>
+              <a:schemeClr val="tx1"/>
+            </a:solidFill>
+          </a:ln>
+        </p:spPr>
+      </p:pic>
+      <p:sp>
+        <p:nvSpPr>
+          <p:cNvPr id="18" name="Rounded Rectangle 17">
+            <a:extLst>
+              <a:ext uri="{FF2B5EF4-FFF2-40B4-BE49-F238E27FC236}">
+                <a16:creationId xmlns:a16="http://schemas.microsoft.com/office/drawing/2014/main" id="{749F2FB6-3F78-DD43-9479-942F29CA0DD3}"/>
+              </a:ext>
+            </a:extLst>
+          </p:cNvPr>
+          <p:cNvSpPr/>
+          <p:nvPr/>
+        </p:nvSpPr>
+        <p:spPr>
+          <a:xfrm>
+            <a:off x="3735152" y="2901405"/>
+            <a:ext cx="1297069" cy="706057"/>
+          </a:xfrm>
+          <a:prstGeom prst="roundRect">
+            <a:avLst/>
+          </a:prstGeom>
+        </p:spPr>
+        <p:style>
+          <a:lnRef idx="2">
+            <a:schemeClr val="accent2">
+              <a:shade val="50000"/>
+            </a:schemeClr>
+          </a:lnRef>
+          <a:fillRef idx="1">
+            <a:schemeClr val="accent2"/>
+          </a:fillRef>
+          <a:effectRef idx="0">
+            <a:schemeClr val="accent2"/>
+          </a:effectRef>
+          <a:fontRef idx="minor">
+            <a:schemeClr val="lt1"/>
+          </a:fontRef>
+        </p:style>
+        <p:txBody>
+          <a:bodyPr rtlCol="0" anchor="ctr"/>
+          <a:lstStyle/>
+          <a:p>
+            <a:pPr algn="ctr"/>
+            <a:r>
+              <a:rPr lang="en-US" sz="1350" dirty="0"/>
+              <a:t>NLP</a:t>
+            </a:r>
+          </a:p>
+          <a:p>
+            <a:pPr algn="ctr"/>
+            <a:r>
+              <a:rPr lang="en-US" sz="1350" dirty="0"/>
+              <a:t>Encoder</a:t>
+            </a:r>
+          </a:p>
+        </p:txBody>
+      </p:sp>
+      <p:sp>
+        <p:nvSpPr>
+          <p:cNvPr id="17" name="Title 1">
+            <a:extLst>
+              <a:ext uri="{FF2B5EF4-FFF2-40B4-BE49-F238E27FC236}">
+                <a16:creationId xmlns:a16="http://schemas.microsoft.com/office/drawing/2014/main" id="{DBCAC474-9F99-E3BC-8F21-4895CAEFF4D9}"/>
+              </a:ext>
+            </a:extLst>
+          </p:cNvPr>
+          <p:cNvSpPr>
+            <a:spLocks noGrp="1"/>
+          </p:cNvSpPr>
+          <p:nvPr>
+            <p:ph type="title"/>
+          </p:nvPr>
+        </p:nvSpPr>
+        <p:spPr>
+          <a:xfrm>
+            <a:off x="628650" y="273844"/>
+            <a:ext cx="7886700" cy="994172"/>
+          </a:xfrm>
+        </p:spPr>
+        <p:txBody>
+          <a:bodyPr/>
+          <a:lstStyle/>
+          <a:p>
+            <a:r>
+              <a:rPr lang="en-US" dirty="0"/>
+              <a:t>Can we </a:t>
+            </a:r>
+            <a:r>
+              <a:rPr lang="en-US" i="1" dirty="0"/>
+              <a:t>interpret</a:t>
+            </a:r>
+            <a:r>
+              <a:rPr lang="en-US" dirty="0"/>
+              <a:t> a deep learning NLP model?</a:t>
+            </a:r>
+          </a:p>
+        </p:txBody>
+      </p:sp>
+      <p:sp>
+        <p:nvSpPr>
+          <p:cNvPr id="20" name="Content Placeholder 2">
+            <a:extLst>
+              <a:ext uri="{FF2B5EF4-FFF2-40B4-BE49-F238E27FC236}">
+                <a16:creationId xmlns:a16="http://schemas.microsoft.com/office/drawing/2014/main" id="{F5406529-1B70-155C-73A2-A97DE83D4478}"/>
+              </a:ext>
+            </a:extLst>
+          </p:cNvPr>
+          <p:cNvSpPr>
+            <a:spLocks noGrp="1"/>
+          </p:cNvSpPr>
+          <p:nvPr>
+            <p:ph idx="1"/>
+          </p:nvPr>
+        </p:nvSpPr>
+        <p:spPr>
+          <a:xfrm>
+            <a:off x="628650" y="908742"/>
+            <a:ext cx="7886700" cy="3263504"/>
+          </a:xfrm>
+        </p:spPr>
+        <p:txBody>
+          <a:bodyPr/>
+          <a:lstStyle/>
+          <a:p>
+            <a:pPr>
+              <a:buFontTx/>
+              <a:buChar char="-"/>
+            </a:pPr>
+            <a:r>
+              <a:rPr lang="en-US" sz="1600" dirty="0"/>
+              <a:t>Suppose you apply a deep neural network to a clinical note, and your model predicts it is describing a pulmonary embolism.</a:t>
+            </a:r>
+          </a:p>
+          <a:p>
+            <a:pPr>
+              <a:buFontTx/>
+              <a:buChar char="-"/>
+            </a:pPr>
+            <a:r>
+              <a:rPr lang="en-US" sz="1600" b="1" dirty="0"/>
+              <a:t>Q:</a:t>
+            </a:r>
+            <a:r>
+              <a:rPr lang="en-US" sz="1600" dirty="0"/>
+              <a:t> Is it hard to figure out why it made that prediction?</a:t>
+            </a:r>
+          </a:p>
+        </p:txBody>
+      </p:sp>
+    </p:spTree>
+    <p:extLst>
+      <p:ext uri="{BB962C8B-B14F-4D97-AF65-F5344CB8AC3E}">
+        <p14:creationId xmlns:p14="http://schemas.microsoft.com/office/powerpoint/2010/main" val="3340579981"/>
+      </p:ext>
+    </p:extLst>
+  </p:cSld>
+  <p:clrMapOvr>
+    <a:masterClrMapping/>
+  </p:clrMapOvr>
+  <mc:AlternateContent xmlns:mc="http://schemas.openxmlformats.org/markup-compatibility/2006" xmlns:p14="http://schemas.microsoft.com/office/powerpoint/2010/main">
+    <mc:Choice Requires="p14">
+      <p:transition spd="slow" p14:dur="2000" advTm="18792"/>
+    </mc:Choice>
+    <mc:Fallback xmlns="">
+      <p:transition spd="slow" advTm="18792"/>
+    </mc:Fallback>
+  </mc:AlternateContent>
+</p:sld>
+</file>
+
+<file path=ppt/slides/slide14.xml><?xml version="1.0" encoding="utf-8"?>
+<p:sld xmlns:a="http://schemas.openxmlformats.org/drawingml/2006/main" xmlns:r="http://schemas.openxmlformats.org/officeDocument/2006/relationships" xmlns:p="http://schemas.openxmlformats.org/presentationml/2006/main">
+  <p:cSld>
+    <p:spTree>
+      <p:nvGrpSpPr>
+        <p:cNvPr id="1" name=""/>
+        <p:cNvGrpSpPr/>
+        <p:nvPr/>
+      </p:nvGrpSpPr>
+      <p:grpSpPr>
+        <a:xfrm>
+          <a:off x="0" y="0"/>
+          <a:ext cx="0" cy="0"/>
+          <a:chOff x="0" y="0"/>
+          <a:chExt cx="0" cy="0"/>
+        </a:xfrm>
+      </p:grpSpPr>
+      <p:sp>
+        <p:nvSpPr>
+          <p:cNvPr id="2" name="Title 1">
+            <a:extLst>
+              <a:ext uri="{FF2B5EF4-FFF2-40B4-BE49-F238E27FC236}">
+                <a16:creationId xmlns:a16="http://schemas.microsoft.com/office/drawing/2014/main" id="{BD3FCBA7-FF83-0A40-9B4F-5838C1C33197}"/>
+              </a:ext>
+            </a:extLst>
+          </p:cNvPr>
+          <p:cNvSpPr>
+            <a:spLocks noGrp="1"/>
+          </p:cNvSpPr>
+          <p:nvPr>
+            <p:ph type="title"/>
+          </p:nvPr>
+        </p:nvSpPr>
+        <p:spPr/>
+        <p:txBody>
+          <a:bodyPr/>
+          <a:lstStyle/>
+          <a:p>
+            <a:r>
+              <a:rPr lang="en-US" dirty="0"/>
+              <a:t>Can we </a:t>
+            </a:r>
+            <a:r>
+              <a:rPr lang="en-US" i="1" dirty="0"/>
+              <a:t>interpret</a:t>
+            </a:r>
+            <a:r>
+              <a:rPr lang="en-US" dirty="0"/>
+              <a:t> a deep learning NLP model?</a:t>
+            </a:r>
+          </a:p>
+        </p:txBody>
+      </p:sp>
+      <p:sp>
+        <p:nvSpPr>
+          <p:cNvPr id="6" name="Content Placeholder 2">
+            <a:extLst>
+              <a:ext uri="{FF2B5EF4-FFF2-40B4-BE49-F238E27FC236}">
+                <a16:creationId xmlns:a16="http://schemas.microsoft.com/office/drawing/2014/main" id="{DB9D5CA9-31B4-3FB8-2F3A-49926EB95AEB}"/>
+              </a:ext>
+            </a:extLst>
+          </p:cNvPr>
+          <p:cNvSpPr>
+            <a:spLocks noGrp="1"/>
+          </p:cNvSpPr>
+          <p:nvPr>
+            <p:ph idx="1"/>
+          </p:nvPr>
+        </p:nvSpPr>
+        <p:spPr>
+          <a:xfrm>
+            <a:off x="628650" y="908742"/>
+            <a:ext cx="7886700" cy="3263504"/>
+          </a:xfrm>
+        </p:spPr>
+        <p:txBody>
+          <a:bodyPr/>
+          <a:lstStyle/>
+          <a:p>
+            <a:pPr>
+              <a:buFontTx/>
+              <a:buChar char="-"/>
+            </a:pPr>
+            <a:r>
+              <a:rPr lang="en-US" sz="1600" dirty="0"/>
+              <a:t>Suppose you apply a deep neural network to a sequence of word vectors, and your model predicts that that the SMS you receive is urgent.</a:t>
+            </a:r>
+          </a:p>
+          <a:p>
+            <a:pPr>
+              <a:buFontTx/>
+              <a:buChar char="-"/>
+            </a:pPr>
+            <a:r>
+              <a:rPr lang="en-US" sz="1600" b="1" dirty="0"/>
+              <a:t>Q:</a:t>
+            </a:r>
+            <a:r>
+              <a:rPr lang="en-US" sz="1600" dirty="0"/>
+              <a:t> Is it hard to figure out why it made that prediction?</a:t>
+            </a:r>
+          </a:p>
+          <a:p>
+            <a:pPr>
+              <a:buFontTx/>
+              <a:buChar char="-"/>
+            </a:pPr>
+            <a:r>
+              <a:rPr lang="en-US" sz="1600" b="1" dirty="0"/>
+              <a:t>A:</a:t>
+            </a:r>
+            <a:r>
+              <a:rPr lang="en-US" sz="1600" dirty="0"/>
+              <a:t> Yes, it’s hard to figure out, because the effect of a given word on model predictions depends on the rest of the document.</a:t>
+            </a:r>
+          </a:p>
+          <a:p>
+            <a:pPr>
+              <a:buFontTx/>
+              <a:buChar char="-"/>
+            </a:pPr>
+            <a:endParaRPr lang="en-US" sz="1600" dirty="0"/>
+          </a:p>
+          <a:p>
+            <a:pPr>
+              <a:buFontTx/>
+              <a:buChar char="-"/>
+            </a:pPr>
+            <a:r>
+              <a:rPr lang="en-US" sz="1600" dirty="0"/>
+              <a:t>So, we can’t directly interpret the model’s predictions.</a:t>
+            </a:r>
+          </a:p>
+          <a:p>
+            <a:pPr>
+              <a:buFontTx/>
+              <a:buChar char="-"/>
+            </a:pPr>
+            <a:r>
+              <a:rPr lang="en-US" sz="1600" b="1" dirty="0"/>
+              <a:t>However, we have ways of asking the model to explain itself.</a:t>
+            </a:r>
+          </a:p>
+        </p:txBody>
+      </p:sp>
+    </p:spTree>
+    <p:extLst>
+      <p:ext uri="{BB962C8B-B14F-4D97-AF65-F5344CB8AC3E}">
+        <p14:creationId xmlns:p14="http://schemas.microsoft.com/office/powerpoint/2010/main" val="1448633783"/>
+      </p:ext>
+    </p:extLst>
+  </p:cSld>
+  <p:clrMapOvr>
+    <a:masterClrMapping/>
+  </p:clrMapOvr>
+</p:sld>
+</file>
+
+<file path=ppt/slides/slide15.xml><?xml version="1.0" encoding="utf-8"?>
+<p:sld xmlns:a="http://schemas.openxmlformats.org/drawingml/2006/main" xmlns:r="http://schemas.openxmlformats.org/officeDocument/2006/relationships" xmlns:p="http://schemas.openxmlformats.org/presentationml/2006/main">
+  <p:cSld>
+    <p:spTree>
+      <p:nvGrpSpPr>
+        <p:cNvPr id="1" name=""/>
+        <p:cNvGrpSpPr/>
+        <p:nvPr/>
+      </p:nvGrpSpPr>
+      <p:grpSpPr>
+        <a:xfrm>
+          <a:off x="0" y="0"/>
+          <a:ext cx="0" cy="0"/>
+          <a:chOff x="0" y="0"/>
+          <a:chExt cx="0" cy="0"/>
+        </a:xfrm>
+      </p:grpSpPr>
+      <p:sp>
+        <p:nvSpPr>
+          <p:cNvPr id="2" name="Title 1">
+            <a:extLst>
+              <a:ext uri="{FF2B5EF4-FFF2-40B4-BE49-F238E27FC236}">
+                <a16:creationId xmlns:a16="http://schemas.microsoft.com/office/drawing/2014/main" id="{11C9DC29-2CEB-2CC0-9008-75AD1355B245}"/>
+              </a:ext>
+            </a:extLst>
+          </p:cNvPr>
+          <p:cNvSpPr>
+            <a:spLocks noGrp="1"/>
+          </p:cNvSpPr>
+          <p:nvPr>
+            <p:ph type="title"/>
+          </p:nvPr>
+        </p:nvSpPr>
+        <p:spPr/>
+        <p:txBody>
+          <a:bodyPr/>
+          <a:lstStyle/>
+          <a:p>
+            <a:r>
+              <a:rPr lang="en-US" dirty="0"/>
+              <a:t>Feature importance in complex models</a:t>
+            </a:r>
+          </a:p>
+        </p:txBody>
+      </p:sp>
+      <p:sp>
+        <p:nvSpPr>
+          <p:cNvPr id="3" name="Content Placeholder 2">
+            <a:extLst>
+              <a:ext uri="{FF2B5EF4-FFF2-40B4-BE49-F238E27FC236}">
+                <a16:creationId xmlns:a16="http://schemas.microsoft.com/office/drawing/2014/main" id="{8BE2BF05-79AE-31FA-7690-8E9B3C2F9495}"/>
+              </a:ext>
+            </a:extLst>
+          </p:cNvPr>
+          <p:cNvSpPr>
+            <a:spLocks noGrp="1"/>
+          </p:cNvSpPr>
+          <p:nvPr>
+            <p:ph idx="1"/>
+          </p:nvPr>
+        </p:nvSpPr>
+        <p:spPr>
+          <a:xfrm>
+            <a:off x="628649" y="1057932"/>
+            <a:ext cx="8077605" cy="3263504"/>
+          </a:xfrm>
+        </p:spPr>
+        <p:txBody>
+          <a:bodyPr/>
+          <a:lstStyle/>
+          <a:p>
+            <a:r>
+              <a:rPr lang="en-US" dirty="0"/>
+              <a:t>Permutation importance</a:t>
+            </a:r>
+          </a:p>
+          <a:p>
+            <a:pPr marL="342900" lvl="1" indent="0">
+              <a:buNone/>
+            </a:pPr>
+            <a:r>
+              <a:rPr lang="en-US" i="1" dirty="0"/>
+              <a:t>If I shuffle around the patients’ ages, how much do model predictions change?</a:t>
+            </a:r>
+          </a:p>
+          <a:p>
+            <a:pPr marL="342900" lvl="1" indent="0">
+              <a:buNone/>
+            </a:pPr>
+            <a:endParaRPr lang="en-US" i="1" dirty="0"/>
+          </a:p>
+          <a:p>
+            <a:r>
+              <a:rPr lang="en-US" dirty="0"/>
+              <a:t>Gradient-based methods</a:t>
+            </a:r>
+          </a:p>
+          <a:p>
+            <a:pPr marL="342900" lvl="1" indent="0">
+              <a:buNone/>
+            </a:pPr>
+            <a:r>
+              <a:rPr lang="en-US" i="1" dirty="0"/>
+              <a:t>As I slowly change the patients’ ages, how quickly do model predictions change?</a:t>
+            </a:r>
+          </a:p>
+          <a:p>
+            <a:pPr marL="342900" lvl="1" indent="0">
+              <a:buNone/>
+            </a:pPr>
+            <a:r>
+              <a:rPr lang="en-US" dirty="0"/>
+              <a:t>(saliency maps)</a:t>
+            </a:r>
+          </a:p>
+          <a:p>
+            <a:pPr marL="342900" lvl="1" indent="0">
+              <a:buNone/>
+            </a:pPr>
+            <a:r>
+              <a:rPr lang="en-US" i="1" dirty="0"/>
+              <a:t>As I change the patient’s age to a </a:t>
+            </a:r>
+            <a:r>
+              <a:rPr lang="en-US" i="1" u="sng" dirty="0"/>
+              <a:t>baseline</a:t>
+            </a:r>
+            <a:r>
+              <a:rPr lang="en-US" i="1" dirty="0"/>
+              <a:t> value, how much do model predictions change?</a:t>
+            </a:r>
+          </a:p>
+          <a:p>
+            <a:pPr marL="342900" lvl="1" indent="0">
+              <a:buNone/>
+            </a:pPr>
+            <a:r>
+              <a:rPr lang="en-US" dirty="0"/>
+              <a:t>(integrated gradients)</a:t>
+            </a:r>
+          </a:p>
+          <a:p>
+            <a:pPr marL="342900" lvl="1" indent="0">
+              <a:buNone/>
+            </a:pPr>
+            <a:endParaRPr lang="en-US" dirty="0"/>
+          </a:p>
+          <a:p>
+            <a:r>
+              <a:rPr lang="en-US" dirty="0"/>
+              <a:t>SHAP Values</a:t>
+            </a:r>
+          </a:p>
+          <a:p>
+            <a:pPr marL="342900" lvl="1" indent="0">
+              <a:buNone/>
+            </a:pPr>
+            <a:r>
+              <a:rPr lang="en-US" i="1" dirty="0"/>
+              <a:t>If I excluded age from the model, how much would the prediction change?</a:t>
+            </a:r>
+          </a:p>
+        </p:txBody>
+      </p:sp>
+    </p:spTree>
+    <p:extLst>
+      <p:ext uri="{BB962C8B-B14F-4D97-AF65-F5344CB8AC3E}">
+        <p14:creationId xmlns:p14="http://schemas.microsoft.com/office/powerpoint/2010/main" val="3396939017"/>
+      </p:ext>
+    </p:extLst>
+  </p:cSld>
+  <p:clrMapOvr>
+    <a:masterClrMapping/>
+  </p:clrMapOvr>
+</p:sld>
+</file>
+
+<file path=ppt/slides/slide16.xml><?xml version="1.0" encoding="utf-8"?>
+<p:sld xmlns:a="http://schemas.openxmlformats.org/drawingml/2006/main" xmlns:r="http://schemas.openxmlformats.org/officeDocument/2006/relationships" xmlns:p="http://schemas.openxmlformats.org/presentationml/2006/main">
+  <p:cSld>
+    <p:spTree>
+      <p:nvGrpSpPr>
+        <p:cNvPr id="1" name=""/>
+        <p:cNvGrpSpPr/>
+        <p:nvPr/>
+      </p:nvGrpSpPr>
+      <p:grpSpPr>
+        <a:xfrm>
+          <a:off x="0" y="0"/>
+          <a:ext cx="0" cy="0"/>
+          <a:chOff x="0" y="0"/>
+          <a:chExt cx="0" cy="0"/>
+        </a:xfrm>
+      </p:grpSpPr>
+      <p:sp>
+        <p:nvSpPr>
+          <p:cNvPr id="2" name="Title 1">
+            <a:extLst>
+              <a:ext uri="{FF2B5EF4-FFF2-40B4-BE49-F238E27FC236}">
+                <a16:creationId xmlns:a16="http://schemas.microsoft.com/office/drawing/2014/main" id="{A4A8E3DB-A09B-A205-B0F4-B44A3B673E68}"/>
+              </a:ext>
+            </a:extLst>
+          </p:cNvPr>
+          <p:cNvSpPr>
+            <a:spLocks noGrp="1"/>
+          </p:cNvSpPr>
+          <p:nvPr>
+            <p:ph type="title"/>
+          </p:nvPr>
+        </p:nvSpPr>
+        <p:spPr/>
+        <p:txBody>
+          <a:bodyPr/>
+          <a:lstStyle/>
+          <a:p>
+            <a:r>
+              <a:rPr lang="en-US" dirty="0"/>
+              <a:t>Most common: SHAP Values</a:t>
+            </a:r>
+          </a:p>
+        </p:txBody>
+      </p:sp>
+      <p:pic>
+        <p:nvPicPr>
+          <p:cNvPr id="3074" name="Picture 2" descr="Welcome to the SHAP documentation — SHAP latest documentation">
+            <a:extLst>
+              <a:ext uri="{FF2B5EF4-FFF2-40B4-BE49-F238E27FC236}">
+                <a16:creationId xmlns:a16="http://schemas.microsoft.com/office/drawing/2014/main" id="{6F55F621-A6BC-FB9D-3FA8-4B1985B958EA}"/>
+              </a:ext>
+            </a:extLst>
+          </p:cNvPr>
+          <p:cNvPicPr>
+            <a:picLocks noChangeAspect="1" noChangeArrowheads="1"/>
+          </p:cNvPicPr>
+          <p:nvPr/>
+        </p:nvPicPr>
+        <p:blipFill>
+          <a:blip r:embed="rId2">
+            <a:extLst>
+              <a:ext uri="{28A0092B-C50C-407E-A947-70E740481C1C}">
+                <a14:useLocalDpi xmlns:a14="http://schemas.microsoft.com/office/drawing/2010/main" val="0"/>
+              </a:ext>
+            </a:extLst>
+          </a:blip>
+          <a:srcRect/>
+          <a:stretch>
+            <a:fillRect/>
+          </a:stretch>
+        </p:blipFill>
+        <p:spPr bwMode="auto">
+          <a:xfrm>
+            <a:off x="2227416" y="1268016"/>
+            <a:ext cx="6571254" cy="3601640"/>
+          </a:xfrm>
+          <a:prstGeom prst="rect">
+            <a:avLst/>
+          </a:prstGeom>
+          <a:noFill/>
+          <a:extLst>
+            <a:ext uri="{909E8E84-426E-40DD-AFC4-6F175D3DCCD1}">
+              <a14:hiddenFill xmlns:a14="http://schemas.microsoft.com/office/drawing/2010/main">
+                <a:solidFill>
+                  <a:srgbClr val="FFFFFF"/>
+                </a:solidFill>
+              </a14:hiddenFill>
+            </a:ext>
+          </a:extLst>
+        </p:spPr>
+      </p:pic>
+      <p:sp>
+        <p:nvSpPr>
+          <p:cNvPr id="3" name="Content Placeholder 2">
+            <a:extLst>
+              <a:ext uri="{FF2B5EF4-FFF2-40B4-BE49-F238E27FC236}">
+                <a16:creationId xmlns:a16="http://schemas.microsoft.com/office/drawing/2014/main" id="{8D559D96-B0B4-93A6-2FDD-72D80D41FEB4}"/>
+              </a:ext>
+            </a:extLst>
+          </p:cNvPr>
+          <p:cNvSpPr>
+            <a:spLocks noGrp="1"/>
+          </p:cNvSpPr>
+          <p:nvPr>
+            <p:ph idx="1"/>
+          </p:nvPr>
+        </p:nvSpPr>
+        <p:spPr>
+          <a:xfrm>
+            <a:off x="628650" y="1142843"/>
+            <a:ext cx="4167086" cy="3263504"/>
+          </a:xfrm>
+        </p:spPr>
+        <p:txBody>
+          <a:bodyPr/>
+          <a:lstStyle/>
+          <a:p>
+            <a:pPr marL="0" indent="0">
+              <a:buNone/>
+            </a:pPr>
+            <a:r>
+              <a:rPr lang="en-US" sz="1800" b="1" dirty="0"/>
+              <a:t>Key differences compared to interpretation:</a:t>
+            </a:r>
+          </a:p>
+          <a:p>
+            <a:pPr marL="457200" indent="-457200">
+              <a:buFont typeface="+mj-lt"/>
+              <a:buAutoNum type="arabicPeriod"/>
+            </a:pPr>
+            <a:r>
+              <a:rPr lang="en-US" sz="1800" dirty="0"/>
+              <a:t>Explanations apply to </a:t>
+            </a:r>
+            <a:r>
+              <a:rPr lang="en-US" sz="1800" u="sng" dirty="0"/>
+              <a:t>individual predictions</a:t>
+            </a:r>
+            <a:r>
+              <a:rPr lang="en-US" sz="1800" dirty="0"/>
+              <a:t>, not the model as a whole</a:t>
+            </a:r>
+          </a:p>
+          <a:p>
+            <a:pPr marL="457200" indent="-457200">
+              <a:buFont typeface="+mj-lt"/>
+              <a:buAutoNum type="arabicPeriod"/>
+            </a:pPr>
+            <a:r>
+              <a:rPr lang="en-US" sz="1800" dirty="0"/>
+              <a:t>Computing them can be computationally expensive</a:t>
+            </a:r>
+          </a:p>
+        </p:txBody>
+      </p:sp>
+    </p:spTree>
+    <p:extLst>
+      <p:ext uri="{BB962C8B-B14F-4D97-AF65-F5344CB8AC3E}">
+        <p14:creationId xmlns:p14="http://schemas.microsoft.com/office/powerpoint/2010/main" val="4172263734"/>
+      </p:ext>
+    </p:extLst>
+  </p:cSld>
+  <p:clrMapOvr>
+    <a:masterClrMapping/>
+  </p:clrMapOvr>
+</p:sld>
+</file>
+
+<file path=ppt/slides/slide17.xml><?xml version="1.0" encoding="utf-8"?>
+<p:sld xmlns:a="http://schemas.openxmlformats.org/drawingml/2006/main" xmlns:r="http://schemas.openxmlformats.org/officeDocument/2006/relationships" xmlns:p="http://schemas.openxmlformats.org/presentationml/2006/main">
+  <p:cSld>
+    <p:spTree>
+      <p:nvGrpSpPr>
+        <p:cNvPr id="1" name=""/>
+        <p:cNvGrpSpPr/>
+        <p:nvPr/>
+      </p:nvGrpSpPr>
+      <p:grpSpPr>
+        <a:xfrm>
+          <a:off x="0" y="0"/>
+          <a:ext cx="0" cy="0"/>
+          <a:chOff x="0" y="0"/>
+          <a:chExt cx="0" cy="0"/>
+        </a:xfrm>
+      </p:grpSpPr>
+      <p:sp>
+        <p:nvSpPr>
+          <p:cNvPr id="2" name="Title 1">
+            <a:extLst>
+              <a:ext uri="{FF2B5EF4-FFF2-40B4-BE49-F238E27FC236}">
+                <a16:creationId xmlns:a16="http://schemas.microsoft.com/office/drawing/2014/main" id="{B8F2161F-52FE-2E2E-44B6-BF673A6105CA}"/>
+              </a:ext>
+            </a:extLst>
+          </p:cNvPr>
+          <p:cNvSpPr>
+            <a:spLocks noGrp="1"/>
+          </p:cNvSpPr>
+          <p:nvPr>
+            <p:ph type="title"/>
+          </p:nvPr>
+        </p:nvSpPr>
+        <p:spPr/>
+        <p:txBody>
+          <a:bodyPr/>
+          <a:lstStyle/>
+          <a:p>
+            <a:r>
+              <a:rPr lang="en-US" dirty="0"/>
+              <a:t>SHAP Values</a:t>
+            </a:r>
+          </a:p>
+        </p:txBody>
+      </p:sp>
+      <p:pic>
+        <p:nvPicPr>
+          <p:cNvPr id="2050" name="Picture 2">
+            <a:extLst>
+              <a:ext uri="{FF2B5EF4-FFF2-40B4-BE49-F238E27FC236}">
+                <a16:creationId xmlns:a16="http://schemas.microsoft.com/office/drawing/2014/main" id="{DBA71F50-7FA2-9DFB-0177-37EEFD7DC632}"/>
+              </a:ext>
+            </a:extLst>
+          </p:cNvPr>
+          <p:cNvPicPr>
+            <a:picLocks noChangeAspect="1" noChangeArrowheads="1"/>
+          </p:cNvPicPr>
+          <p:nvPr/>
+        </p:nvPicPr>
+        <p:blipFill>
+          <a:blip r:embed="rId2">
+            <a:extLst>
+              <a:ext uri="{28A0092B-C50C-407E-A947-70E740481C1C}">
+                <a14:useLocalDpi xmlns:a14="http://schemas.microsoft.com/office/drawing/2010/main" val="0"/>
+              </a:ext>
+            </a:extLst>
+          </a:blip>
+          <a:srcRect/>
+          <a:stretch>
+            <a:fillRect/>
+          </a:stretch>
+        </p:blipFill>
+        <p:spPr bwMode="auto">
+          <a:xfrm>
+            <a:off x="4187637" y="1811574"/>
+            <a:ext cx="4712931" cy="2678929"/>
+          </a:xfrm>
+          <a:prstGeom prst="rect">
+            <a:avLst/>
+          </a:prstGeom>
+          <a:noFill/>
+          <a:extLst>
+            <a:ext uri="{909E8E84-426E-40DD-AFC4-6F175D3DCCD1}">
+              <a14:hiddenFill xmlns:a14="http://schemas.microsoft.com/office/drawing/2010/main">
+                <a:solidFill>
+                  <a:srgbClr val="FFFFFF"/>
+                </a:solidFill>
+              </a14:hiddenFill>
+            </a:ext>
+          </a:extLst>
+        </p:spPr>
+      </p:pic>
+      <p:sp>
+        <p:nvSpPr>
+          <p:cNvPr id="7" name="TextBox 6">
+            <a:extLst>
+              <a:ext uri="{FF2B5EF4-FFF2-40B4-BE49-F238E27FC236}">
+                <a16:creationId xmlns:a16="http://schemas.microsoft.com/office/drawing/2014/main" id="{4E94BEC6-8CE3-AC15-CC98-4F29CB7041E1}"/>
+              </a:ext>
+            </a:extLst>
+          </p:cNvPr>
+          <p:cNvSpPr txBox="1"/>
+          <p:nvPr/>
+        </p:nvSpPr>
+        <p:spPr>
+          <a:xfrm>
+            <a:off x="2286000" y="4866501"/>
+            <a:ext cx="4572000" cy="276999"/>
+          </a:xfrm>
+          <a:prstGeom prst="rect">
+            <a:avLst/>
+          </a:prstGeom>
+          <a:noFill/>
+        </p:spPr>
+        <p:txBody>
+          <a:bodyPr wrap="square">
+            <a:spAutoFit/>
+          </a:bodyPr>
+          <a:lstStyle/>
+          <a:p>
+            <a:pPr algn="ctr"/>
+            <a:r>
+              <a:rPr lang="en-US" sz="1200" dirty="0"/>
+              <a:t>https://</a:t>
+            </a:r>
+            <a:r>
+              <a:rPr lang="en-US" sz="1200" dirty="0" err="1"/>
+              <a:t>github.com</a:t>
+            </a:r>
+            <a:r>
+              <a:rPr lang="en-US" sz="1200" dirty="0"/>
+              <a:t>/</a:t>
+            </a:r>
+            <a:r>
+              <a:rPr lang="en-US" sz="1200" dirty="0" err="1"/>
+              <a:t>slundberg</a:t>
+            </a:r>
+            <a:r>
+              <a:rPr lang="en-US" sz="1200" dirty="0"/>
+              <a:t>/</a:t>
+            </a:r>
+            <a:r>
+              <a:rPr lang="en-US" sz="1200" dirty="0" err="1"/>
+              <a:t>shap</a:t>
+            </a:r>
+            <a:endParaRPr lang="en-US" sz="1200" dirty="0"/>
+          </a:p>
+        </p:txBody>
+      </p:sp>
+      <p:pic>
+        <p:nvPicPr>
+          <p:cNvPr id="2052" name="Picture 4">
+            <a:extLst>
+              <a:ext uri="{FF2B5EF4-FFF2-40B4-BE49-F238E27FC236}">
+                <a16:creationId xmlns:a16="http://schemas.microsoft.com/office/drawing/2014/main" id="{2E23C03D-411D-BE33-609F-4A67CBCB183D}"/>
+              </a:ext>
+            </a:extLst>
+          </p:cNvPr>
+          <p:cNvPicPr>
+            <a:picLocks noChangeAspect="1" noChangeArrowheads="1"/>
+          </p:cNvPicPr>
+          <p:nvPr/>
+        </p:nvPicPr>
+        <p:blipFill>
+          <a:blip r:embed="rId3">
+            <a:extLst>
+              <a:ext uri="{28A0092B-C50C-407E-A947-70E740481C1C}">
+                <a14:useLocalDpi xmlns:a14="http://schemas.microsoft.com/office/drawing/2010/main" val="0"/>
+              </a:ext>
+            </a:extLst>
+          </a:blip>
+          <a:srcRect/>
+          <a:stretch>
+            <a:fillRect/>
+          </a:stretch>
+        </p:blipFill>
+        <p:spPr bwMode="auto">
+          <a:xfrm>
+            <a:off x="136627" y="1811574"/>
+            <a:ext cx="3910079" cy="2678929"/>
+          </a:xfrm>
+          <a:prstGeom prst="rect">
+            <a:avLst/>
+          </a:prstGeom>
+          <a:noFill/>
+          <a:extLst>
+            <a:ext uri="{909E8E84-426E-40DD-AFC4-6F175D3DCCD1}">
+              <a14:hiddenFill xmlns:a14="http://schemas.microsoft.com/office/drawing/2010/main">
+                <a:solidFill>
+                  <a:srgbClr val="FFFFFF"/>
+                </a:solidFill>
+              </a14:hiddenFill>
+            </a:ext>
+          </a:extLst>
+        </p:spPr>
+      </p:pic>
+      <p:sp>
+        <p:nvSpPr>
+          <p:cNvPr id="9" name="Content Placeholder 2">
+            <a:extLst>
+              <a:ext uri="{FF2B5EF4-FFF2-40B4-BE49-F238E27FC236}">
+                <a16:creationId xmlns:a16="http://schemas.microsoft.com/office/drawing/2014/main" id="{DB64C15C-81C6-A02A-0BB0-DBD1A72C23A3}"/>
+              </a:ext>
+            </a:extLst>
+          </p:cNvPr>
+          <p:cNvSpPr>
+            <a:spLocks noGrp="1"/>
+          </p:cNvSpPr>
+          <p:nvPr>
+            <p:ph idx="1"/>
+          </p:nvPr>
+        </p:nvSpPr>
+        <p:spPr>
+          <a:xfrm>
+            <a:off x="1120673" y="1464377"/>
+            <a:ext cx="7886700" cy="359274"/>
+          </a:xfrm>
+        </p:spPr>
+        <p:txBody>
+          <a:bodyPr/>
+          <a:lstStyle/>
+          <a:p>
+            <a:pPr marL="0" indent="0">
+              <a:buNone/>
+            </a:pPr>
+            <a:r>
+              <a:rPr lang="en-US" sz="1600" b="1" dirty="0"/>
+              <a:t>For one prediction					For all predictions</a:t>
+            </a:r>
+          </a:p>
+        </p:txBody>
+      </p:sp>
+    </p:spTree>
+    <p:extLst>
+      <p:ext uri="{BB962C8B-B14F-4D97-AF65-F5344CB8AC3E}">
+        <p14:creationId xmlns:p14="http://schemas.microsoft.com/office/powerpoint/2010/main" val="345539799"/>
+      </p:ext>
+    </p:extLst>
+  </p:cSld>
+  <p:clrMapOvr>
+    <a:masterClrMapping/>
+  </p:clrMapOvr>
+</p:sld>
+</file>
+
+<file path=ppt/slides/slide18.xml><?xml version="1.0" encoding="utf-8"?>
+<p:sld xmlns:a="http://schemas.openxmlformats.org/drawingml/2006/main" xmlns:r="http://schemas.openxmlformats.org/officeDocument/2006/relationships" xmlns:p="http://schemas.openxmlformats.org/presentationml/2006/main">
+  <p:cSld>
+    <p:spTree>
+      <p:nvGrpSpPr>
+        <p:cNvPr id="1" name=""/>
+        <p:cNvGrpSpPr/>
+        <p:nvPr/>
+      </p:nvGrpSpPr>
+      <p:grpSpPr>
+        <a:xfrm>
+          <a:off x="0" y="0"/>
+          <a:ext cx="0" cy="0"/>
+          <a:chOff x="0" y="0"/>
+          <a:chExt cx="0" cy="0"/>
+        </a:xfrm>
+      </p:grpSpPr>
+      <p:sp>
+        <p:nvSpPr>
+          <p:cNvPr id="6" name="Content Placeholder 2">
+            <a:extLst>
+              <a:ext uri="{FF2B5EF4-FFF2-40B4-BE49-F238E27FC236}">
+                <a16:creationId xmlns:a16="http://schemas.microsoft.com/office/drawing/2014/main" id="{DB9D5CA9-31B4-3FB8-2F3A-49926EB95AEB}"/>
+              </a:ext>
+            </a:extLst>
+          </p:cNvPr>
+          <p:cNvSpPr>
+            <a:spLocks noGrp="1"/>
+          </p:cNvSpPr>
+          <p:nvPr>
+            <p:ph idx="1"/>
+          </p:nvPr>
+        </p:nvSpPr>
+        <p:spPr>
+          <a:xfrm>
+            <a:off x="628650" y="908742"/>
+            <a:ext cx="7886700" cy="1390705"/>
+          </a:xfrm>
+        </p:spPr>
+        <p:txBody>
+          <a:bodyPr/>
+          <a:lstStyle/>
+          <a:p>
+            <a:pPr>
+              <a:buFontTx/>
+              <a:buChar char="-"/>
+            </a:pPr>
+            <a:r>
+              <a:rPr lang="en-US" sz="1600" dirty="0"/>
+              <a:t>Suppose you apply a CNN to images of animals, and the model predicts that an animal is a meerkat.</a:t>
+            </a:r>
+          </a:p>
+          <a:p>
+            <a:pPr>
+              <a:buFontTx/>
+              <a:buChar char="-"/>
+            </a:pPr>
+            <a:r>
+              <a:rPr lang="en-US" sz="1600" b="1" dirty="0"/>
+              <a:t>Q:</a:t>
+            </a:r>
+            <a:r>
+              <a:rPr lang="en-US" sz="1600" dirty="0"/>
+              <a:t> Is it hard to figure out why it made that prediction?</a:t>
+            </a:r>
+          </a:p>
+          <a:p>
+            <a:pPr>
+              <a:buFontTx/>
+              <a:buChar char="-"/>
+            </a:pPr>
+            <a:r>
+              <a:rPr lang="en-US" sz="1600" b="1" dirty="0"/>
+              <a:t>A:</a:t>
+            </a:r>
+            <a:r>
+              <a:rPr lang="en-US" sz="1600" dirty="0"/>
+              <a:t> Yes, an explanation can be provided:</a:t>
+            </a:r>
+          </a:p>
+        </p:txBody>
+      </p:sp>
+      <p:pic>
+        <p:nvPicPr>
+          <p:cNvPr id="1026" name="Picture 2">
+            <a:extLst>
+              <a:ext uri="{FF2B5EF4-FFF2-40B4-BE49-F238E27FC236}">
+                <a16:creationId xmlns:a16="http://schemas.microsoft.com/office/drawing/2014/main" id="{486117AE-62B9-463B-8C53-A1E09E6D435A}"/>
+              </a:ext>
+            </a:extLst>
+          </p:cNvPr>
+          <p:cNvPicPr>
+            <a:picLocks noChangeAspect="1" noChangeArrowheads="1"/>
+          </p:cNvPicPr>
+          <p:nvPr/>
+        </p:nvPicPr>
+        <p:blipFill>
+          <a:blip r:embed="rId2">
+            <a:extLst>
+              <a:ext uri="{28A0092B-C50C-407E-A947-70E740481C1C}">
+                <a14:useLocalDpi xmlns:a14="http://schemas.microsoft.com/office/drawing/2010/main" val="0"/>
+              </a:ext>
+            </a:extLst>
+          </a:blip>
+          <a:srcRect/>
+          <a:stretch>
+            <a:fillRect/>
+          </a:stretch>
+        </p:blipFill>
+        <p:spPr bwMode="auto">
+          <a:xfrm>
+            <a:off x="628650" y="2151529"/>
+            <a:ext cx="3673986" cy="2864224"/>
+          </a:xfrm>
+          <a:prstGeom prst="rect">
+            <a:avLst/>
+          </a:prstGeom>
+          <a:noFill/>
+          <a:extLst>
+            <a:ext uri="{909E8E84-426E-40DD-AFC4-6F175D3DCCD1}">
+              <a14:hiddenFill xmlns:a14="http://schemas.microsoft.com/office/drawing/2010/main">
+                <a:solidFill>
+                  <a:srgbClr val="FFFFFF"/>
+                </a:solidFill>
+              </a14:hiddenFill>
+            </a:ext>
+          </a:extLst>
+        </p:spPr>
+      </p:pic>
+      <p:sp>
+        <p:nvSpPr>
+          <p:cNvPr id="5" name="Content Placeholder 2">
+            <a:extLst>
+              <a:ext uri="{FF2B5EF4-FFF2-40B4-BE49-F238E27FC236}">
+                <a16:creationId xmlns:a16="http://schemas.microsoft.com/office/drawing/2014/main" id="{7E9825C7-CD20-5AEB-5237-6800AC64F3B6}"/>
+              </a:ext>
+            </a:extLst>
+          </p:cNvPr>
+          <p:cNvSpPr txBox="1">
+            <a:spLocks/>
+          </p:cNvSpPr>
+          <p:nvPr/>
+        </p:nvSpPr>
+        <p:spPr>
+          <a:xfrm>
+            <a:off x="4753960" y="2151529"/>
+            <a:ext cx="4047140" cy="2810436"/>
+          </a:xfrm>
+          <a:prstGeom prst="rect">
+            <a:avLst/>
+          </a:prstGeom>
+        </p:spPr>
+        <p:txBody>
+          <a:bodyPr/>
+          <a:lstStyle>
+            <a:lvl1pPr marL="171450" indent="-171450" algn="l" defTabSz="685800" rtl="0" eaLnBrk="1" latinLnBrk="0" hangingPunct="1">
+              <a:lnSpc>
+                <a:spcPct val="90000"/>
+              </a:lnSpc>
+              <a:spcBef>
+                <a:spcPts val="750"/>
+              </a:spcBef>
+              <a:buFont typeface="Arial" panose="020B0604020202020204" pitchFamily="34" charset="0"/>
+              <a:buChar char="•"/>
+              <a:defRPr sz="2100" kern="1200">
+                <a:solidFill>
+                  <a:schemeClr val="tx1"/>
+                </a:solidFill>
+                <a:latin typeface="+mn-lt"/>
+                <a:ea typeface="+mn-ea"/>
+                <a:cs typeface="+mn-cs"/>
+              </a:defRPr>
+            </a:lvl1pPr>
+            <a:lvl2pPr marL="514350" indent="-171450" algn="l" defTabSz="685800" rtl="0" eaLnBrk="1" latinLnBrk="0" hangingPunct="1">
+              <a:lnSpc>
+                <a:spcPct val="90000"/>
+              </a:lnSpc>
+              <a:spcBef>
+                <a:spcPts val="375"/>
+              </a:spcBef>
+              <a:buFont typeface="Arial" panose="020B0604020202020204" pitchFamily="34" charset="0"/>
+              <a:buChar char="•"/>
+              <a:defRPr sz="1800" kern="1200">
+                <a:solidFill>
+                  <a:schemeClr val="tx1"/>
+                </a:solidFill>
+                <a:latin typeface="+mn-lt"/>
+                <a:ea typeface="+mn-ea"/>
+                <a:cs typeface="+mn-cs"/>
+              </a:defRPr>
+            </a:lvl2pPr>
+            <a:lvl3pPr marL="857250" indent="-171450" algn="l" defTabSz="685800" rtl="0" eaLnBrk="1" latinLnBrk="0" hangingPunct="1">
+              <a:lnSpc>
+                <a:spcPct val="90000"/>
+              </a:lnSpc>
+              <a:spcBef>
+                <a:spcPts val="375"/>
+              </a:spcBef>
+              <a:buFont typeface="Arial" panose="020B0604020202020204" pitchFamily="34" charset="0"/>
+              <a:buChar char="•"/>
+              <a:defRPr sz="1500" kern="1200">
+                <a:solidFill>
+                  <a:schemeClr val="tx1"/>
+                </a:solidFill>
+                <a:latin typeface="+mn-lt"/>
+                <a:ea typeface="+mn-ea"/>
+                <a:cs typeface="+mn-cs"/>
+              </a:defRPr>
+            </a:lvl3pPr>
+            <a:lvl4pPr marL="1200150" indent="-171450" algn="l" defTabSz="685800" rtl="0" eaLnBrk="1" latinLnBrk="0" hangingPunct="1">
+              <a:lnSpc>
+                <a:spcPct val="90000"/>
+              </a:lnSpc>
+              <a:spcBef>
+                <a:spcPts val="375"/>
+              </a:spcBef>
+              <a:buFont typeface="Arial" panose="020B0604020202020204" pitchFamily="34" charset="0"/>
+              <a:buChar char="•"/>
+              <a:defRPr sz="1350" kern="1200">
+                <a:solidFill>
+                  <a:schemeClr val="tx1"/>
+                </a:solidFill>
+                <a:latin typeface="+mn-lt"/>
+                <a:ea typeface="+mn-ea"/>
+                <a:cs typeface="+mn-cs"/>
+              </a:defRPr>
+            </a:lvl4pPr>
+            <a:lvl5pPr marL="1543050" indent="-171450" algn="l" defTabSz="685800" rtl="0" eaLnBrk="1" latinLnBrk="0" hangingPunct="1">
+              <a:lnSpc>
+                <a:spcPct val="90000"/>
+              </a:lnSpc>
+              <a:spcBef>
+                <a:spcPts val="375"/>
+              </a:spcBef>
+              <a:buFont typeface="Arial" panose="020B0604020202020204" pitchFamily="34" charset="0"/>
+              <a:buChar char="•"/>
+              <a:defRPr sz="1350" kern="1200">
+                <a:solidFill>
+                  <a:schemeClr val="tx1"/>
+                </a:solidFill>
+                <a:latin typeface="+mn-lt"/>
+                <a:ea typeface="+mn-ea"/>
+                <a:cs typeface="+mn-cs"/>
+              </a:defRPr>
+            </a:lvl5pPr>
+            <a:lvl6pPr marL="1885950" indent="-171450" algn="l" defTabSz="685800" rtl="0" eaLnBrk="1" latinLnBrk="0" hangingPunct="1">
+              <a:lnSpc>
+                <a:spcPct val="90000"/>
+              </a:lnSpc>
+              <a:spcBef>
+                <a:spcPts val="375"/>
+              </a:spcBef>
+              <a:buFont typeface="Arial" panose="020B0604020202020204" pitchFamily="34" charset="0"/>
+              <a:buChar char="•"/>
+              <a:defRPr sz="1350" kern="1200">
+                <a:solidFill>
+                  <a:schemeClr val="tx1"/>
+                </a:solidFill>
+                <a:latin typeface="+mn-lt"/>
+                <a:ea typeface="+mn-ea"/>
+                <a:cs typeface="+mn-cs"/>
+              </a:defRPr>
+            </a:lvl6pPr>
+            <a:lvl7pPr marL="2228850" indent="-171450" algn="l" defTabSz="685800" rtl="0" eaLnBrk="1" latinLnBrk="0" hangingPunct="1">
+              <a:lnSpc>
+                <a:spcPct val="90000"/>
+              </a:lnSpc>
+              <a:spcBef>
+                <a:spcPts val="375"/>
+              </a:spcBef>
+              <a:buFont typeface="Arial" panose="020B0604020202020204" pitchFamily="34" charset="0"/>
+              <a:buChar char="•"/>
+              <a:defRPr sz="1350" kern="1200">
+                <a:solidFill>
+                  <a:schemeClr val="tx1"/>
+                </a:solidFill>
+                <a:latin typeface="+mn-lt"/>
+                <a:ea typeface="+mn-ea"/>
+                <a:cs typeface="+mn-cs"/>
+              </a:defRPr>
+            </a:lvl7pPr>
+            <a:lvl8pPr marL="2571750" indent="-171450" algn="l" defTabSz="685800" rtl="0" eaLnBrk="1" latinLnBrk="0" hangingPunct="1">
+              <a:lnSpc>
+                <a:spcPct val="90000"/>
+              </a:lnSpc>
+              <a:spcBef>
+                <a:spcPts val="375"/>
+              </a:spcBef>
+              <a:buFont typeface="Arial" panose="020B0604020202020204" pitchFamily="34" charset="0"/>
+              <a:buChar char="•"/>
+              <a:defRPr sz="1350" kern="1200">
+                <a:solidFill>
+                  <a:schemeClr val="tx1"/>
+                </a:solidFill>
+                <a:latin typeface="+mn-lt"/>
+                <a:ea typeface="+mn-ea"/>
+                <a:cs typeface="+mn-cs"/>
+              </a:defRPr>
+            </a:lvl8pPr>
+            <a:lvl9pPr marL="2914650" indent="-171450" algn="l" defTabSz="685800" rtl="0" eaLnBrk="1" latinLnBrk="0" hangingPunct="1">
+              <a:lnSpc>
+                <a:spcPct val="90000"/>
+              </a:lnSpc>
+              <a:spcBef>
+                <a:spcPts val="375"/>
+              </a:spcBef>
+              <a:buFont typeface="Arial" panose="020B0604020202020204" pitchFamily="34" charset="0"/>
+              <a:buChar char="•"/>
+              <a:defRPr sz="1350" kern="1200">
+                <a:solidFill>
+                  <a:schemeClr val="tx1"/>
+                </a:solidFill>
+                <a:latin typeface="+mn-lt"/>
+                <a:ea typeface="+mn-ea"/>
+                <a:cs typeface="+mn-cs"/>
+              </a:defRPr>
+            </a:lvl9pPr>
+          </a:lstStyle>
+          <a:p>
+            <a:pPr>
+              <a:buFontTx/>
+              <a:buChar char="-"/>
+            </a:pPr>
+            <a:r>
+              <a:rPr lang="en-US" sz="1600" dirty="0"/>
+              <a:t>Similarly, we can identify passages within a text document that would change predictions most if they were removed.</a:t>
+            </a:r>
+          </a:p>
+          <a:p>
+            <a:pPr>
+              <a:buFontTx/>
+              <a:buChar char="-"/>
+            </a:pPr>
+            <a:endParaRPr lang="en-US" sz="1600" dirty="0"/>
+          </a:p>
+          <a:p>
+            <a:pPr marL="0" indent="0">
+              <a:buNone/>
+            </a:pPr>
+            <a:r>
+              <a:rPr lang="en-US" sz="1600" u="sng" dirty="0"/>
+              <a:t>Caveats</a:t>
+            </a:r>
+            <a:r>
+              <a:rPr lang="en-US" sz="1600" dirty="0"/>
+              <a:t>:</a:t>
+            </a:r>
+          </a:p>
+          <a:p>
+            <a:pPr>
+              <a:buFontTx/>
+              <a:buChar char="-"/>
+            </a:pPr>
+            <a:r>
+              <a:rPr lang="en-US" sz="1600" dirty="0"/>
+              <a:t>This is for a single example; </a:t>
+            </a:r>
+            <a:r>
+              <a:rPr lang="en-US" sz="1600" u="sng" dirty="0"/>
+              <a:t>not clear how to summarize across all examples for images and text</a:t>
+            </a:r>
+          </a:p>
+          <a:p>
+            <a:pPr>
+              <a:buFontTx/>
+              <a:buChar char="-"/>
+            </a:pPr>
+            <a:r>
+              <a:rPr lang="en-US" sz="1600" dirty="0"/>
+              <a:t>Can be very computationally expensive</a:t>
+            </a:r>
+          </a:p>
+        </p:txBody>
+      </p:sp>
+      <p:sp>
+        <p:nvSpPr>
+          <p:cNvPr id="8" name="Title 1">
+            <a:extLst>
+              <a:ext uri="{FF2B5EF4-FFF2-40B4-BE49-F238E27FC236}">
+                <a16:creationId xmlns:a16="http://schemas.microsoft.com/office/drawing/2014/main" id="{3EA3D22B-75D7-CC47-9175-7E9C5A7D947C}"/>
+              </a:ext>
+            </a:extLst>
+          </p:cNvPr>
+          <p:cNvSpPr>
+            <a:spLocks noGrp="1"/>
+          </p:cNvSpPr>
+          <p:nvPr>
+            <p:ph type="title"/>
+          </p:nvPr>
+        </p:nvSpPr>
+        <p:spPr>
+          <a:xfrm>
+            <a:off x="628650" y="273844"/>
+            <a:ext cx="7886700" cy="994172"/>
+          </a:xfrm>
+        </p:spPr>
+        <p:txBody>
+          <a:bodyPr/>
+          <a:lstStyle/>
+          <a:p>
+            <a:r>
+              <a:rPr lang="en-US" dirty="0"/>
+              <a:t>We can </a:t>
+            </a:r>
+            <a:r>
+              <a:rPr lang="en-US" i="1" dirty="0"/>
+              <a:t>explain</a:t>
+            </a:r>
+            <a:r>
+              <a:rPr lang="en-US" dirty="0"/>
+              <a:t> a CNN’s predictions</a:t>
+            </a:r>
+          </a:p>
+        </p:txBody>
+      </p:sp>
+    </p:spTree>
+    <p:extLst>
+      <p:ext uri="{BB962C8B-B14F-4D97-AF65-F5344CB8AC3E}">
+        <p14:creationId xmlns:p14="http://schemas.microsoft.com/office/powerpoint/2010/main" val="38798789"/>
+      </p:ext>
+    </p:extLst>
+  </p:cSld>
+  <p:clrMapOvr>
+    <a:masterClrMapping/>
+  </p:clrMapOvr>
+</p:sld>
+</file>
+
+<file path=ppt/slides/slide19.xml><?xml version="1.0" encoding="utf-8"?>
+<p:sld xmlns:a="http://schemas.openxmlformats.org/drawingml/2006/main" xmlns:r="http://schemas.openxmlformats.org/officeDocument/2006/relationships" xmlns:p="http://schemas.openxmlformats.org/presentationml/2006/main">
+  <p:cSld>
+    <p:spTree>
+      <p:nvGrpSpPr>
+        <p:cNvPr id="1" name=""/>
+        <p:cNvGrpSpPr/>
+        <p:nvPr/>
+      </p:nvGrpSpPr>
+      <p:grpSpPr>
+        <a:xfrm>
+          <a:off x="0" y="0"/>
+          <a:ext cx="0" cy="0"/>
+          <a:chOff x="0" y="0"/>
+          <a:chExt cx="0" cy="0"/>
+        </a:xfrm>
+      </p:grpSpPr>
+      <p:pic>
+        <p:nvPicPr>
+          <p:cNvPr id="8" name="Picture 7">
+            <a:extLst>
+              <a:ext uri="{FF2B5EF4-FFF2-40B4-BE49-F238E27FC236}">
+                <a16:creationId xmlns:a16="http://schemas.microsoft.com/office/drawing/2014/main" id="{8BE78A4E-811B-7243-8810-33253FD9B4D5}"/>
+              </a:ext>
+            </a:extLst>
+          </p:cNvPr>
+          <p:cNvPicPr>
+            <a:picLocks noChangeAspect="1"/>
+          </p:cNvPicPr>
+          <p:nvPr/>
+        </p:nvPicPr>
+        <p:blipFill>
+          <a:blip r:embed="rId2" cstate="screen">
+            <a:extLst>
+              <a:ext uri="{28A0092B-C50C-407E-A947-70E740481C1C}">
+                <a14:useLocalDpi xmlns:a14="http://schemas.microsoft.com/office/drawing/2010/main"/>
+              </a:ext>
+            </a:extLst>
+          </a:blip>
+          <a:stretch>
+            <a:fillRect/>
+          </a:stretch>
+        </p:blipFill>
+        <p:spPr>
+          <a:xfrm>
+            <a:off x="122465" y="1098987"/>
+            <a:ext cx="5698091" cy="3962870"/>
+          </a:xfrm>
+          <a:prstGeom prst="rect">
+            <a:avLst/>
+          </a:prstGeom>
+        </p:spPr>
+      </p:pic>
+      <p:sp>
+        <p:nvSpPr>
+          <p:cNvPr id="9" name="Title 1">
+            <a:extLst>
+              <a:ext uri="{FF2B5EF4-FFF2-40B4-BE49-F238E27FC236}">
+                <a16:creationId xmlns:a16="http://schemas.microsoft.com/office/drawing/2014/main" id="{6FBD8344-EEDA-ED4B-92D1-431BD5747210}"/>
+              </a:ext>
+            </a:extLst>
+          </p:cNvPr>
+          <p:cNvSpPr>
+            <a:spLocks noGrp="1"/>
+          </p:cNvSpPr>
+          <p:nvPr>
+            <p:ph type="title"/>
+          </p:nvPr>
+        </p:nvSpPr>
+        <p:spPr>
+          <a:xfrm>
+            <a:off x="0" y="143541"/>
+            <a:ext cx="9144000" cy="850632"/>
+          </a:xfrm>
+        </p:spPr>
+        <p:txBody>
+          <a:bodyPr>
+            <a:normAutofit/>
+          </a:bodyPr>
+          <a:lstStyle/>
+          <a:p>
+            <a:pPr algn="ctr"/>
+            <a:r>
+              <a:rPr lang="en-US" sz="2700" dirty="0"/>
+              <a:t>Natural Language Processing: Which Text is Predictive?</a:t>
+            </a:r>
+          </a:p>
+        </p:txBody>
+      </p:sp>
+      <p:sp>
+        <p:nvSpPr>
+          <p:cNvPr id="10" name="TextBox 9">
+            <a:extLst>
+              <a:ext uri="{FF2B5EF4-FFF2-40B4-BE49-F238E27FC236}">
+                <a16:creationId xmlns:a16="http://schemas.microsoft.com/office/drawing/2014/main" id="{AEBD2AF0-B061-5E42-AB14-941087B32752}"/>
+              </a:ext>
+            </a:extLst>
+          </p:cNvPr>
+          <p:cNvSpPr txBox="1"/>
+          <p:nvPr/>
+        </p:nvSpPr>
+        <p:spPr>
+          <a:xfrm>
+            <a:off x="212272" y="1105279"/>
+            <a:ext cx="5608284" cy="300082"/>
+          </a:xfrm>
+          <a:prstGeom prst="rect">
+            <a:avLst/>
+          </a:prstGeom>
+          <a:solidFill>
+            <a:schemeClr val="bg1"/>
+          </a:solidFill>
+        </p:spPr>
+        <p:txBody>
+          <a:bodyPr wrap="square" rtlCol="0">
+            <a:spAutoFit/>
+          </a:bodyPr>
+          <a:lstStyle/>
+          <a:p>
+            <a:r>
+              <a:rPr lang="en-US" sz="1350" b="1" dirty="0"/>
+              <a:t>Passage (from note)	      |  Change in predicted autism dx log-odds</a:t>
+            </a:r>
+          </a:p>
+        </p:txBody>
+      </p:sp>
+      <p:cxnSp>
+        <p:nvCxnSpPr>
+          <p:cNvPr id="12" name="Straight Arrow Connector 11">
+            <a:extLst>
+              <a:ext uri="{FF2B5EF4-FFF2-40B4-BE49-F238E27FC236}">
+                <a16:creationId xmlns:a16="http://schemas.microsoft.com/office/drawing/2014/main" id="{3DD85CA6-A9B4-CD4C-A2DB-C352B39B8FE1}"/>
+              </a:ext>
+            </a:extLst>
+          </p:cNvPr>
+          <p:cNvCxnSpPr>
+            <a:cxnSpLocks/>
+          </p:cNvCxnSpPr>
+          <p:nvPr/>
+        </p:nvCxnSpPr>
+        <p:spPr>
+          <a:xfrm flipH="1">
+            <a:off x="5348834" y="2457450"/>
+            <a:ext cx="545781" cy="0"/>
+          </a:xfrm>
+          <a:prstGeom prst="straightConnector1">
+            <a:avLst/>
+          </a:prstGeom>
+          <a:ln w="38100">
+            <a:headEnd type="none" w="med" len="med"/>
+            <a:tailEnd type="arrow" w="med" len="med"/>
+          </a:ln>
+        </p:spPr>
+        <p:style>
+          <a:lnRef idx="3">
+            <a:schemeClr val="accent2"/>
+          </a:lnRef>
+          <a:fillRef idx="0">
+            <a:schemeClr val="accent2"/>
+          </a:fillRef>
+          <a:effectRef idx="2">
+            <a:schemeClr val="accent2"/>
+          </a:effectRef>
+          <a:fontRef idx="minor">
+            <a:schemeClr val="tx1"/>
+          </a:fontRef>
+        </p:style>
+      </p:cxnSp>
+      <p:sp>
+        <p:nvSpPr>
+          <p:cNvPr id="13" name="TextBox 12">
+            <a:extLst>
+              <a:ext uri="{FF2B5EF4-FFF2-40B4-BE49-F238E27FC236}">
+                <a16:creationId xmlns:a16="http://schemas.microsoft.com/office/drawing/2014/main" id="{566F242A-AEEF-B349-99B1-0A06AAD734A6}"/>
+              </a:ext>
+            </a:extLst>
+          </p:cNvPr>
+          <p:cNvSpPr txBox="1"/>
+          <p:nvPr/>
+        </p:nvSpPr>
+        <p:spPr>
+          <a:xfrm>
+            <a:off x="6020959" y="2215076"/>
+            <a:ext cx="2453570" cy="507831"/>
+          </a:xfrm>
+          <a:prstGeom prst="rect">
+            <a:avLst/>
+          </a:prstGeom>
+          <a:noFill/>
+        </p:spPr>
+        <p:txBody>
+          <a:bodyPr wrap="square" rtlCol="0">
+            <a:spAutoFit/>
+          </a:bodyPr>
+          <a:lstStyle/>
+          <a:p>
+            <a:r>
+              <a:rPr lang="en-US" sz="1350" dirty="0">
+                <a:solidFill>
+                  <a:schemeClr val="accent2"/>
+                </a:solidFill>
+              </a:rPr>
+              <a:t>Developmental and behavioral concerns are highly predictive</a:t>
+            </a:r>
+          </a:p>
+        </p:txBody>
+      </p:sp>
+      <p:cxnSp>
+        <p:nvCxnSpPr>
+          <p:cNvPr id="16" name="Straight Arrow Connector 15">
+            <a:extLst>
+              <a:ext uri="{FF2B5EF4-FFF2-40B4-BE49-F238E27FC236}">
+                <a16:creationId xmlns:a16="http://schemas.microsoft.com/office/drawing/2014/main" id="{5F7B0C7E-7E4D-674E-B117-171B0136FB4D}"/>
+              </a:ext>
+            </a:extLst>
+          </p:cNvPr>
+          <p:cNvCxnSpPr>
+            <a:cxnSpLocks/>
+          </p:cNvCxnSpPr>
+          <p:nvPr/>
+        </p:nvCxnSpPr>
+        <p:spPr>
+          <a:xfrm flipH="1">
+            <a:off x="5348834" y="3920727"/>
+            <a:ext cx="545781" cy="0"/>
+          </a:xfrm>
+          <a:prstGeom prst="straightConnector1">
+            <a:avLst/>
+          </a:prstGeom>
+          <a:ln w="38100">
+            <a:headEnd type="none" w="med" len="med"/>
+            <a:tailEnd type="arrow" w="med" len="med"/>
+          </a:ln>
+        </p:spPr>
+        <p:style>
+          <a:lnRef idx="3">
+            <a:schemeClr val="accent2"/>
+          </a:lnRef>
+          <a:fillRef idx="0">
+            <a:schemeClr val="accent2"/>
+          </a:fillRef>
+          <a:effectRef idx="2">
+            <a:schemeClr val="accent2"/>
+          </a:effectRef>
+          <a:fontRef idx="minor">
+            <a:schemeClr val="tx1"/>
+          </a:fontRef>
+        </p:style>
+      </p:cxnSp>
+      <p:sp>
+        <p:nvSpPr>
+          <p:cNvPr id="17" name="TextBox 16">
+            <a:extLst>
+              <a:ext uri="{FF2B5EF4-FFF2-40B4-BE49-F238E27FC236}">
+                <a16:creationId xmlns:a16="http://schemas.microsoft.com/office/drawing/2014/main" id="{D170D481-4899-6344-B58B-3ACA98E0680B}"/>
+              </a:ext>
+            </a:extLst>
+          </p:cNvPr>
+          <p:cNvSpPr txBox="1"/>
+          <p:nvPr/>
+        </p:nvSpPr>
+        <p:spPr>
+          <a:xfrm>
+            <a:off x="6020958" y="3678353"/>
+            <a:ext cx="3000578" cy="507831"/>
+          </a:xfrm>
+          <a:prstGeom prst="rect">
+            <a:avLst/>
+          </a:prstGeom>
+          <a:noFill/>
+        </p:spPr>
+        <p:txBody>
+          <a:bodyPr wrap="square" rtlCol="0">
+            <a:spAutoFit/>
+          </a:bodyPr>
+          <a:lstStyle/>
+          <a:p>
+            <a:r>
+              <a:rPr lang="en-US" sz="1350" b="1" u="sng" dirty="0">
+                <a:solidFill>
+                  <a:schemeClr val="accent2"/>
+                </a:solidFill>
+              </a:rPr>
+              <a:t>Premature birth and perinatal complications are also highly predictive</a:t>
+            </a:r>
+          </a:p>
+        </p:txBody>
+      </p:sp>
+      <p:sp>
+        <p:nvSpPr>
+          <p:cNvPr id="11" name="Rectangle 10">
+            <a:extLst>
+              <a:ext uri="{FF2B5EF4-FFF2-40B4-BE49-F238E27FC236}">
+                <a16:creationId xmlns:a16="http://schemas.microsoft.com/office/drawing/2014/main" id="{D4F60705-53EB-F944-B40F-EB2E833428FA}"/>
+              </a:ext>
+            </a:extLst>
+          </p:cNvPr>
+          <p:cNvSpPr/>
+          <p:nvPr/>
+        </p:nvSpPr>
+        <p:spPr>
+          <a:xfrm>
+            <a:off x="6806046" y="4646358"/>
+            <a:ext cx="2337955" cy="438582"/>
+          </a:xfrm>
+          <a:prstGeom prst="rect">
+            <a:avLst/>
+          </a:prstGeom>
+        </p:spPr>
+        <p:txBody>
+          <a:bodyPr wrap="square">
+            <a:spAutoFit/>
+          </a:bodyPr>
+          <a:lstStyle/>
+          <a:p>
+            <a:r>
+              <a:rPr lang="en-US" sz="750" dirty="0">
+                <a:solidFill>
+                  <a:srgbClr val="000000"/>
+                </a:solidFill>
+                <a:latin typeface="Calibri" panose="020F0502020204030204" pitchFamily="34" charset="0"/>
+              </a:rPr>
+              <a:t>Subramanian V, Engelhard MM, </a:t>
+            </a:r>
+            <a:r>
+              <a:rPr lang="en-US" sz="750" dirty="0" err="1">
+                <a:solidFill>
+                  <a:srgbClr val="000000"/>
+                </a:solidFill>
+                <a:latin typeface="Calibri" panose="020F0502020204030204" pitchFamily="34" charset="0"/>
+              </a:rPr>
+              <a:t>Berchuck</a:t>
+            </a:r>
+            <a:r>
+              <a:rPr lang="en-US" sz="750" dirty="0">
+                <a:solidFill>
+                  <a:srgbClr val="000000"/>
+                </a:solidFill>
+                <a:latin typeface="Calibri" panose="020F0502020204030204" pitchFamily="34" charset="0"/>
+              </a:rPr>
+              <a:t> SI, Chen L, Carin L. </a:t>
+            </a:r>
+            <a:r>
+              <a:rPr lang="en-US" sz="750" dirty="0" err="1">
+                <a:solidFill>
+                  <a:srgbClr val="000000"/>
+                </a:solidFill>
+                <a:latin typeface="Calibri" panose="020F0502020204030204" pitchFamily="34" charset="0"/>
+              </a:rPr>
+              <a:t>SpanPredict</a:t>
+            </a:r>
+            <a:r>
+              <a:rPr lang="en-US" sz="750" dirty="0">
+                <a:solidFill>
+                  <a:srgbClr val="000000"/>
+                </a:solidFill>
+                <a:latin typeface="Calibri" panose="020F0502020204030204" pitchFamily="34" charset="0"/>
+              </a:rPr>
+              <a:t>: Extraction of Predictive Document Spans with Neural Attention. NAACL 2021</a:t>
+            </a:r>
+            <a:endParaRPr lang="en-US" sz="750" dirty="0"/>
+          </a:p>
+        </p:txBody>
+      </p:sp>
+    </p:spTree>
+    <p:extLst>
+      <p:ext uri="{BB962C8B-B14F-4D97-AF65-F5344CB8AC3E}">
+        <p14:creationId xmlns:p14="http://schemas.microsoft.com/office/powerpoint/2010/main" val="1127215148"/>
+      </p:ext>
+    </p:extLst>
+  </p:cSld>
+  <p:clrMapOvr>
+    <a:masterClrMapping/>
+  </p:clrMapOvr>
+</p:sld>
+</file>
+
+<file path=ppt/slides/slide2.xml><?xml version="1.0" encoding="utf-8"?>
+<p:sld xmlns:a="http://schemas.openxmlformats.org/drawingml/2006/main" xmlns:r="http://schemas.openxmlformats.org/officeDocument/2006/relationships" xmlns:p="http://schemas.openxmlformats.org/presentationml/2006/main">
+  <p:cSld>
+    <p:spTree>
+      <p:nvGrpSpPr>
+        <p:cNvPr id="1" name=""/>
+        <p:cNvGrpSpPr/>
+        <p:nvPr/>
+      </p:nvGrpSpPr>
+      <p:grpSpPr>
+        <a:xfrm>
+          <a:off x="0" y="0"/>
+          <a:ext cx="0" cy="0"/>
+          <a:chOff x="0" y="0"/>
+          <a:chExt cx="0" cy="0"/>
+        </a:xfrm>
+      </p:grpSpPr>
+      <p:sp>
+        <p:nvSpPr>
+          <p:cNvPr id="2" name="Title 1">
+            <a:extLst>
+              <a:ext uri="{FF2B5EF4-FFF2-40B4-BE49-F238E27FC236}">
+                <a16:creationId xmlns:a16="http://schemas.microsoft.com/office/drawing/2014/main" id="{0193A1B6-F416-293D-7248-AD72472AEEE2}"/>
+              </a:ext>
+            </a:extLst>
+          </p:cNvPr>
+          <p:cNvSpPr>
+            <a:spLocks noGrp="1"/>
+          </p:cNvSpPr>
+          <p:nvPr>
+            <p:ph type="title"/>
+          </p:nvPr>
+        </p:nvSpPr>
+        <p:spPr/>
+        <p:txBody>
+          <a:bodyPr/>
+          <a:lstStyle/>
+          <a:p>
+            <a:r>
+              <a:rPr lang="en-US" dirty="0"/>
+              <a:t>Interpretable versus Explainable</a:t>
+            </a:r>
+          </a:p>
+        </p:txBody>
+      </p:sp>
+      <p:sp>
+        <p:nvSpPr>
+          <p:cNvPr id="3" name="Text Placeholder 2">
+            <a:extLst>
+              <a:ext uri="{FF2B5EF4-FFF2-40B4-BE49-F238E27FC236}">
+                <a16:creationId xmlns:a16="http://schemas.microsoft.com/office/drawing/2014/main" id="{333DB9D0-0D7A-0F88-3A8A-A2A60A2E324E}"/>
+              </a:ext>
+            </a:extLst>
+          </p:cNvPr>
+          <p:cNvSpPr>
+            <a:spLocks noGrp="1"/>
+          </p:cNvSpPr>
+          <p:nvPr>
+            <p:ph type="body" idx="1"/>
+          </p:nvPr>
+        </p:nvSpPr>
+        <p:spPr/>
+        <p:txBody>
+          <a:bodyPr/>
+          <a:lstStyle/>
+          <a:p>
+            <a:endParaRPr lang="en-US"/>
+          </a:p>
+        </p:txBody>
+      </p:sp>
+    </p:spTree>
+    <p:extLst>
+      <p:ext uri="{BB962C8B-B14F-4D97-AF65-F5344CB8AC3E}">
+        <p14:creationId xmlns:p14="http://schemas.microsoft.com/office/powerpoint/2010/main" val="1704899066"/>
+      </p:ext>
+    </p:extLst>
+  </p:cSld>
+  <p:clrMapOvr>
+    <a:masterClrMapping/>
+  </p:clrMapOvr>
+</p:sld>
+</file>
+
+<file path=ppt/slides/slide20.xml><?xml version="1.0" encoding="utf-8"?>
+<p:sld xmlns:a="http://schemas.openxmlformats.org/drawingml/2006/main" xmlns:r="http://schemas.openxmlformats.org/officeDocument/2006/relationships" xmlns:p="http://schemas.openxmlformats.org/presentationml/2006/main">
+  <p:cSld>
+    <p:spTree>
+      <p:nvGrpSpPr>
+        <p:cNvPr id="1" name=""/>
+        <p:cNvGrpSpPr/>
+        <p:nvPr/>
+      </p:nvGrpSpPr>
+      <p:grpSpPr>
+        <a:xfrm>
+          <a:off x="0" y="0"/>
+          <a:ext cx="0" cy="0"/>
+          <a:chOff x="0" y="0"/>
+          <a:chExt cx="0" cy="0"/>
+        </a:xfrm>
+      </p:grpSpPr>
+      <p:sp>
+        <p:nvSpPr>
+          <p:cNvPr id="2" name="Title 1">
+            <a:extLst>
+              <a:ext uri="{FF2B5EF4-FFF2-40B4-BE49-F238E27FC236}">
+                <a16:creationId xmlns:a16="http://schemas.microsoft.com/office/drawing/2014/main" id="{7EC6DA74-9C2C-FE40-B9F2-3E1A1AC45E85}"/>
+              </a:ext>
+            </a:extLst>
+          </p:cNvPr>
+          <p:cNvSpPr>
+            <a:spLocks noGrp="1"/>
+          </p:cNvSpPr>
+          <p:nvPr>
+            <p:ph type="title"/>
+          </p:nvPr>
+        </p:nvSpPr>
+        <p:spPr>
+          <a:xfrm>
+            <a:off x="275490" y="243192"/>
+            <a:ext cx="9144000" cy="857250"/>
+          </a:xfrm>
+        </p:spPr>
+        <p:txBody>
+          <a:bodyPr>
+            <a:normAutofit/>
+          </a:bodyPr>
+          <a:lstStyle/>
+          <a:p>
+            <a:r>
+              <a:rPr lang="en-US" i="1" dirty="0"/>
+              <a:t>Saliency maps </a:t>
+            </a:r>
+            <a:r>
+              <a:rPr lang="en-US" dirty="0"/>
+              <a:t>from </a:t>
+            </a:r>
+            <a:r>
+              <a:rPr lang="en-US" dirty="0" err="1"/>
+              <a:t>Esteva</a:t>
+            </a:r>
+            <a:r>
+              <a:rPr lang="en-US" dirty="0"/>
+              <a:t> et al.</a:t>
+            </a:r>
+          </a:p>
+        </p:txBody>
+      </p:sp>
+      <p:sp>
+        <p:nvSpPr>
+          <p:cNvPr id="5" name="TextBox 4">
+            <a:extLst>
+              <a:ext uri="{FF2B5EF4-FFF2-40B4-BE49-F238E27FC236}">
+                <a16:creationId xmlns:a16="http://schemas.microsoft.com/office/drawing/2014/main" id="{3B0A3853-23D2-BC4F-920D-1BB0041E31A9}"/>
+              </a:ext>
+            </a:extLst>
+          </p:cNvPr>
+          <p:cNvSpPr txBox="1"/>
+          <p:nvPr/>
+        </p:nvSpPr>
+        <p:spPr>
+          <a:xfrm>
+            <a:off x="6387739" y="1229464"/>
+            <a:ext cx="2233748" cy="1338828"/>
+          </a:xfrm>
+          <a:prstGeom prst="rect">
+            <a:avLst/>
+          </a:prstGeom>
+          <a:noFill/>
+        </p:spPr>
+        <p:txBody>
+          <a:bodyPr wrap="square" rtlCol="0">
+            <a:spAutoFit/>
+          </a:bodyPr>
+          <a:lstStyle/>
+          <a:p>
+            <a:r>
+              <a:rPr lang="en-US" sz="1350" dirty="0"/>
+              <a:t>Saliency maps show gradients for each pixel with respect to the CNN’s loss function. Darker pixels represent those with more influence.</a:t>
+            </a:r>
+          </a:p>
+        </p:txBody>
+      </p:sp>
+      <p:sp>
+        <p:nvSpPr>
+          <p:cNvPr id="6" name="TextBox 5">
+            <a:extLst>
+              <a:ext uri="{FF2B5EF4-FFF2-40B4-BE49-F238E27FC236}">
+                <a16:creationId xmlns:a16="http://schemas.microsoft.com/office/drawing/2014/main" id="{69775B09-475B-AF41-90D2-DA74203C3D18}"/>
+              </a:ext>
+            </a:extLst>
+          </p:cNvPr>
+          <p:cNvSpPr txBox="1"/>
+          <p:nvPr/>
+        </p:nvSpPr>
+        <p:spPr>
+          <a:xfrm>
+            <a:off x="6387739" y="3297561"/>
+            <a:ext cx="2233748" cy="1200329"/>
+          </a:xfrm>
+          <a:prstGeom prst="rect">
+            <a:avLst/>
+          </a:prstGeom>
+          <a:noFill/>
+        </p:spPr>
+        <p:txBody>
+          <a:bodyPr wrap="square" rtlCol="0">
+            <a:spAutoFit/>
+          </a:bodyPr>
+          <a:lstStyle/>
+          <a:p>
+            <a:r>
+              <a:rPr lang="en-US" b="1" dirty="0"/>
+              <a:t>How would this compare to a dermatologist’s explanation?</a:t>
+            </a:r>
+          </a:p>
+        </p:txBody>
+      </p:sp>
+      <p:pic>
+        <p:nvPicPr>
+          <p:cNvPr id="7" name="Picture 6">
+            <a:extLst>
+              <a:ext uri="{FF2B5EF4-FFF2-40B4-BE49-F238E27FC236}">
+                <a16:creationId xmlns:a16="http://schemas.microsoft.com/office/drawing/2014/main" id="{0989F997-13D9-9A44-81D2-442CACACE084}"/>
+              </a:ext>
+            </a:extLst>
+          </p:cNvPr>
+          <p:cNvPicPr>
+            <a:picLocks noChangeAspect="1"/>
+          </p:cNvPicPr>
+          <p:nvPr/>
+        </p:nvPicPr>
+        <p:blipFill>
+          <a:blip r:embed="rId3"/>
+          <a:stretch>
+            <a:fillRect/>
+          </a:stretch>
+        </p:blipFill>
+        <p:spPr>
+          <a:xfrm>
+            <a:off x="382494" y="1277987"/>
+            <a:ext cx="5644202" cy="2991427"/>
+          </a:xfrm>
+          <a:prstGeom prst="rect">
+            <a:avLst/>
+          </a:prstGeom>
+        </p:spPr>
+      </p:pic>
+    </p:spTree>
+    <p:extLst>
+      <p:ext uri="{BB962C8B-B14F-4D97-AF65-F5344CB8AC3E}">
+        <p14:creationId xmlns:p14="http://schemas.microsoft.com/office/powerpoint/2010/main" val="2369162996"/>
+      </p:ext>
+    </p:extLst>
+  </p:cSld>
+  <p:clrMapOvr>
+    <a:masterClrMapping/>
+  </p:clrMapOvr>
+</p:sld>
+</file>
+
+<file path=ppt/slides/slide21.xml><?xml version="1.0" encoding="utf-8"?>
+<p:sld xmlns:a="http://schemas.openxmlformats.org/drawingml/2006/main" xmlns:r="http://schemas.openxmlformats.org/officeDocument/2006/relationships" xmlns:p="http://schemas.openxmlformats.org/presentationml/2006/main">
+  <p:cSld>
+    <p:spTree>
+      <p:nvGrpSpPr>
+        <p:cNvPr id="1" name=""/>
+        <p:cNvGrpSpPr/>
+        <p:nvPr/>
+      </p:nvGrpSpPr>
+      <p:grpSpPr>
+        <a:xfrm>
+          <a:off x="0" y="0"/>
+          <a:ext cx="0" cy="0"/>
+          <a:chOff x="0" y="0"/>
+          <a:chExt cx="0" cy="0"/>
+        </a:xfrm>
+      </p:grpSpPr>
+      <p:pic>
+        <p:nvPicPr>
+          <p:cNvPr id="1026" name="Picture 2" descr="Co-op Cycles REV 16 Kids' Bike | REI Co-op">
+            <a:extLst>
+              <a:ext uri="{FF2B5EF4-FFF2-40B4-BE49-F238E27FC236}">
+                <a16:creationId xmlns:a16="http://schemas.microsoft.com/office/drawing/2014/main" id="{8C77C95D-F264-EBF5-BD36-9D85BCBA3353}"/>
+              </a:ext>
+            </a:extLst>
+          </p:cNvPr>
+          <p:cNvPicPr>
+            <a:picLocks noChangeAspect="1" noChangeArrowheads="1"/>
+          </p:cNvPicPr>
+          <p:nvPr/>
+        </p:nvPicPr>
+        <p:blipFill>
+          <a:blip r:embed="rId3">
+            <a:extLst>
+              <a:ext uri="{28A0092B-C50C-407E-A947-70E740481C1C}">
+                <a14:useLocalDpi xmlns:a14="http://schemas.microsoft.com/office/drawing/2010/main" val="0"/>
+              </a:ext>
+            </a:extLst>
+          </a:blip>
+          <a:srcRect/>
+          <a:stretch>
+            <a:fillRect/>
+          </a:stretch>
+        </p:blipFill>
+        <p:spPr bwMode="auto">
+          <a:xfrm>
+            <a:off x="628650" y="2571750"/>
+            <a:ext cx="2725809" cy="1870710"/>
+          </a:xfrm>
+          <a:prstGeom prst="rect">
+            <a:avLst/>
+          </a:prstGeom>
+          <a:noFill/>
+          <a:extLst>
+            <a:ext uri="{909E8E84-426E-40DD-AFC4-6F175D3DCCD1}">
+              <a14:hiddenFill xmlns:a14="http://schemas.microsoft.com/office/drawing/2010/main">
+                <a:solidFill>
+                  <a:srgbClr val="FFFFFF"/>
+                </a:solidFill>
+              </a14:hiddenFill>
+            </a:ext>
+          </a:extLst>
+        </p:spPr>
+      </p:pic>
+      <p:pic>
+        <p:nvPicPr>
+          <p:cNvPr id="1028" name="Picture 4" descr="2005 Acura RSX Specs, Price, MPG &amp; Reviews | Cars.com">
+            <a:extLst>
+              <a:ext uri="{FF2B5EF4-FFF2-40B4-BE49-F238E27FC236}">
+                <a16:creationId xmlns:a16="http://schemas.microsoft.com/office/drawing/2014/main" id="{3A798C6C-7633-6950-3538-4266F4609972}"/>
+              </a:ext>
+            </a:extLst>
+          </p:cNvPr>
+          <p:cNvPicPr>
+            <a:picLocks noChangeAspect="1" noChangeArrowheads="1"/>
+          </p:cNvPicPr>
+          <p:nvPr/>
+        </p:nvPicPr>
+        <p:blipFill>
+          <a:blip r:embed="rId4">
+            <a:extLst>
+              <a:ext uri="{28A0092B-C50C-407E-A947-70E740481C1C}">
+                <a14:useLocalDpi xmlns:a14="http://schemas.microsoft.com/office/drawing/2010/main" val="0"/>
+              </a:ext>
+            </a:extLst>
+          </a:blip>
+          <a:srcRect/>
+          <a:stretch>
+            <a:fillRect/>
+          </a:stretch>
+        </p:blipFill>
+        <p:spPr bwMode="auto">
+          <a:xfrm flipH="1">
+            <a:off x="3932236" y="997720"/>
+            <a:ext cx="5211764" cy="3444740"/>
+          </a:xfrm>
+          <a:prstGeom prst="rect">
+            <a:avLst/>
+          </a:prstGeom>
+          <a:noFill/>
+          <a:extLst>
+            <a:ext uri="{909E8E84-426E-40DD-AFC4-6F175D3DCCD1}">
+              <a14:hiddenFill xmlns:a14="http://schemas.microsoft.com/office/drawing/2010/main">
+                <a:solidFill>
+                  <a:srgbClr val="FFFFFF"/>
+                </a:solidFill>
+              </a14:hiddenFill>
+            </a:ext>
+          </a:extLst>
+        </p:spPr>
+      </p:pic>
+      <p:pic>
+        <p:nvPicPr>
+          <p:cNvPr id="1030" name="Picture 6">
+            <a:extLst>
+              <a:ext uri="{FF2B5EF4-FFF2-40B4-BE49-F238E27FC236}">
+                <a16:creationId xmlns:a16="http://schemas.microsoft.com/office/drawing/2014/main" id="{3FCC40DE-934C-8C20-82C1-984BAD5FB7B6}"/>
+              </a:ext>
+            </a:extLst>
+          </p:cNvPr>
+          <p:cNvPicPr>
+            <a:picLocks noChangeAspect="1" noChangeArrowheads="1"/>
+          </p:cNvPicPr>
+          <p:nvPr/>
+        </p:nvPicPr>
+        <p:blipFill>
+          <a:blip r:embed="rId5">
+            <a:extLst>
+              <a:ext uri="{28A0092B-C50C-407E-A947-70E740481C1C}">
+                <a14:useLocalDpi xmlns:a14="http://schemas.microsoft.com/office/drawing/2010/main" val="0"/>
+              </a:ext>
+            </a:extLst>
+          </a:blip>
+          <a:srcRect/>
+          <a:stretch>
+            <a:fillRect/>
+          </a:stretch>
+        </p:blipFill>
+        <p:spPr bwMode="auto">
+          <a:xfrm>
+            <a:off x="3064213" y="1456551"/>
+            <a:ext cx="2268130" cy="2527078"/>
+          </a:xfrm>
+          <a:prstGeom prst="rect">
+            <a:avLst/>
+          </a:prstGeom>
+          <a:noFill/>
+          <a:extLst>
+            <a:ext uri="{909E8E84-426E-40DD-AFC4-6F175D3DCCD1}">
+              <a14:hiddenFill xmlns:a14="http://schemas.microsoft.com/office/drawing/2010/main">
+                <a:solidFill>
+                  <a:srgbClr val="FFFFFF"/>
+                </a:solidFill>
+              </a14:hiddenFill>
+            </a:ext>
+          </a:extLst>
+        </p:spPr>
+      </p:pic>
+      <p:sp>
+        <p:nvSpPr>
+          <p:cNvPr id="2" name="Title 1">
+            <a:extLst>
+              <a:ext uri="{FF2B5EF4-FFF2-40B4-BE49-F238E27FC236}">
+                <a16:creationId xmlns:a16="http://schemas.microsoft.com/office/drawing/2014/main" id="{3F08AB00-4ED8-139E-2D84-87CF84F6D6D5}"/>
+              </a:ext>
+            </a:extLst>
+          </p:cNvPr>
+          <p:cNvSpPr>
+            <a:spLocks noGrp="1"/>
+          </p:cNvSpPr>
+          <p:nvPr>
+            <p:ph type="title"/>
+          </p:nvPr>
+        </p:nvSpPr>
+        <p:spPr/>
+        <p:txBody>
+          <a:bodyPr/>
+          <a:lstStyle/>
+          <a:p>
+            <a:r>
+              <a:rPr lang="en-US" dirty="0"/>
+              <a:t>Interpretable		?		Explainable</a:t>
+            </a:r>
+            <a:br>
+              <a:rPr lang="en-US" dirty="0"/>
+            </a:br>
+            <a:r>
+              <a:rPr lang="en-US" sz="2400" i="1" dirty="0"/>
+              <a:t>where does clinician decision-making fall on this spectrum?</a:t>
+            </a:r>
+            <a:endParaRPr lang="en-US" i="1" dirty="0"/>
+          </a:p>
+        </p:txBody>
+      </p:sp>
+    </p:spTree>
+    <p:extLst>
+      <p:ext uri="{BB962C8B-B14F-4D97-AF65-F5344CB8AC3E}">
+        <p14:creationId xmlns:p14="http://schemas.microsoft.com/office/powerpoint/2010/main" val="672703381"/>
+      </p:ext>
+    </p:extLst>
+  </p:cSld>
+  <p:clrMapOvr>
+    <a:masterClrMapping/>
+  </p:clrMapOvr>
+</p:sld>
+</file>
+
+<file path=ppt/slides/slide22.xml><?xml version="1.0" encoding="utf-8"?>
+<p:sld xmlns:a="http://schemas.openxmlformats.org/drawingml/2006/main" xmlns:r="http://schemas.openxmlformats.org/officeDocument/2006/relationships" xmlns:p="http://schemas.openxmlformats.org/presentationml/2006/main">
+  <p:cSld>
+    <p:spTree>
+      <p:nvGrpSpPr>
+        <p:cNvPr id="1" name=""/>
+        <p:cNvGrpSpPr/>
+        <p:nvPr/>
+      </p:nvGrpSpPr>
+      <p:grpSpPr>
+        <a:xfrm>
+          <a:off x="0" y="0"/>
+          <a:ext cx="0" cy="0"/>
+          <a:chOff x="0" y="0"/>
+          <a:chExt cx="0" cy="0"/>
+        </a:xfrm>
+      </p:grpSpPr>
+      <p:sp>
+        <p:nvSpPr>
+          <p:cNvPr id="2" name="Title 1">
+            <a:extLst>
+              <a:ext uri="{FF2B5EF4-FFF2-40B4-BE49-F238E27FC236}">
+                <a16:creationId xmlns:a16="http://schemas.microsoft.com/office/drawing/2014/main" id="{0193A1B6-F416-293D-7248-AD72472AEEE2}"/>
+              </a:ext>
+            </a:extLst>
+          </p:cNvPr>
+          <p:cNvSpPr>
+            <a:spLocks noGrp="1"/>
+          </p:cNvSpPr>
+          <p:nvPr>
+            <p:ph type="title"/>
+          </p:nvPr>
+        </p:nvSpPr>
+        <p:spPr/>
+        <p:txBody>
+          <a:bodyPr/>
+          <a:lstStyle/>
+          <a:p>
+            <a:r>
+              <a:rPr lang="en-US" dirty="0"/>
+              <a:t>Perspectives on Interpretability</a:t>
+            </a:r>
+          </a:p>
+        </p:txBody>
+      </p:sp>
+      <p:sp>
+        <p:nvSpPr>
+          <p:cNvPr id="3" name="Text Placeholder 2">
+            <a:extLst>
+              <a:ext uri="{FF2B5EF4-FFF2-40B4-BE49-F238E27FC236}">
+                <a16:creationId xmlns:a16="http://schemas.microsoft.com/office/drawing/2014/main" id="{333DB9D0-0D7A-0F88-3A8A-A2A60A2E324E}"/>
+              </a:ext>
+            </a:extLst>
+          </p:cNvPr>
+          <p:cNvSpPr>
+            <a:spLocks noGrp="1"/>
+          </p:cNvSpPr>
+          <p:nvPr>
+            <p:ph type="body" idx="1"/>
+          </p:nvPr>
+        </p:nvSpPr>
+        <p:spPr/>
+        <p:txBody>
+          <a:bodyPr/>
+          <a:lstStyle/>
+          <a:p>
+            <a:endParaRPr lang="en-US"/>
+          </a:p>
+        </p:txBody>
+      </p:sp>
+    </p:spTree>
+    <p:extLst>
+      <p:ext uri="{BB962C8B-B14F-4D97-AF65-F5344CB8AC3E}">
+        <p14:creationId xmlns:p14="http://schemas.microsoft.com/office/powerpoint/2010/main" val="4075044112"/>
+      </p:ext>
+    </p:extLst>
+  </p:cSld>
+  <p:clrMapOvr>
+    <a:masterClrMapping/>
+  </p:clrMapOvr>
+</p:sld>
+</file>
+
+<file path=ppt/slides/slide23.xml><?xml version="1.0" encoding="utf-8"?>
+<p:sld xmlns:a="http://schemas.openxmlformats.org/drawingml/2006/main" xmlns:r="http://schemas.openxmlformats.org/officeDocument/2006/relationships" xmlns:p="http://schemas.openxmlformats.org/presentationml/2006/main">
+  <p:cSld>
+    <p:spTree>
+      <p:nvGrpSpPr>
+        <p:cNvPr id="1" name=""/>
+        <p:cNvGrpSpPr/>
+        <p:nvPr/>
+      </p:nvGrpSpPr>
+      <p:grpSpPr>
+        <a:xfrm>
+          <a:off x="0" y="0"/>
+          <a:ext cx="0" cy="0"/>
+          <a:chOff x="0" y="0"/>
+          <a:chExt cx="0" cy="0"/>
+        </a:xfrm>
+      </p:grpSpPr>
+      <p:sp>
+        <p:nvSpPr>
+          <p:cNvPr id="5" name="Cube 4"/>
+          <p:cNvSpPr/>
+          <p:nvPr/>
+        </p:nvSpPr>
+        <p:spPr>
+          <a:xfrm>
+            <a:off x="2868769" y="1844897"/>
+            <a:ext cx="3776729" cy="2453426"/>
+          </a:xfrm>
+          <a:prstGeom prst="cube">
+            <a:avLst/>
+          </a:prstGeom>
+        </p:spPr>
+        <p:style>
+          <a:lnRef idx="3">
+            <a:schemeClr val="lt1"/>
+          </a:lnRef>
+          <a:fillRef idx="1">
+            <a:schemeClr val="dk1"/>
+          </a:fillRef>
+          <a:effectRef idx="1">
+            <a:schemeClr val="dk1"/>
+          </a:effectRef>
+          <a:fontRef idx="minor">
+            <a:schemeClr val="lt1"/>
+          </a:fontRef>
+        </p:style>
+        <p:txBody>
+          <a:bodyPr rtlCol="0" anchor="ctr"/>
+          <a:lstStyle/>
+          <a:p>
+            <a:pPr algn="ctr"/>
+            <a:endParaRPr lang="en-US" sz="1350"/>
+          </a:p>
+        </p:txBody>
+      </p:sp>
+      <p:pic>
+        <p:nvPicPr>
+          <p:cNvPr id="8" name="Picture 7"/>
+          <p:cNvPicPr>
+            <a:picLocks noChangeAspect="1"/>
+          </p:cNvPicPr>
+          <p:nvPr/>
+        </p:nvPicPr>
+        <p:blipFill>
+          <a:blip r:embed="rId3" cstate="screen">
+            <a:extLst>
+              <a:ext uri="{28A0092B-C50C-407E-A947-70E740481C1C}">
+                <a14:useLocalDpi xmlns:a14="http://schemas.microsoft.com/office/drawing/2010/main"/>
+              </a:ext>
+            </a:extLst>
+          </a:blip>
+          <a:stretch>
+            <a:fillRect/>
+          </a:stretch>
+        </p:blipFill>
+        <p:spPr>
+          <a:xfrm>
+            <a:off x="243779" y="2260240"/>
+            <a:ext cx="1605980" cy="1622738"/>
+          </a:xfrm>
+          <a:prstGeom prst="rect">
+            <a:avLst/>
+          </a:prstGeom>
+        </p:spPr>
+      </p:pic>
+      <p:cxnSp>
+        <p:nvCxnSpPr>
+          <p:cNvPr id="10" name="Straight Arrow Connector 9"/>
+          <p:cNvCxnSpPr/>
+          <p:nvPr/>
+        </p:nvCxnSpPr>
+        <p:spPr>
+          <a:xfrm flipV="1">
+            <a:off x="1849759" y="3071610"/>
+            <a:ext cx="1019009" cy="1"/>
+          </a:xfrm>
+          <a:prstGeom prst="straightConnector1">
+            <a:avLst/>
+          </a:prstGeom>
+          <a:ln>
+            <a:tailEnd type="triangle"/>
+          </a:ln>
+        </p:spPr>
+        <p:style>
+          <a:lnRef idx="3">
+            <a:schemeClr val="accent2"/>
+          </a:lnRef>
+          <a:fillRef idx="0">
+            <a:schemeClr val="accent2"/>
+          </a:fillRef>
+          <a:effectRef idx="2">
+            <a:schemeClr val="accent2"/>
+          </a:effectRef>
+          <a:fontRef idx="minor">
+            <a:schemeClr val="tx1"/>
+          </a:fontRef>
+        </p:style>
+      </p:cxnSp>
+      <p:cxnSp>
+        <p:nvCxnSpPr>
+          <p:cNvPr id="11" name="Straight Arrow Connector 10"/>
+          <p:cNvCxnSpPr/>
+          <p:nvPr/>
+        </p:nvCxnSpPr>
+        <p:spPr>
+          <a:xfrm flipV="1">
+            <a:off x="6394360" y="3071610"/>
+            <a:ext cx="1019009" cy="1"/>
+          </a:xfrm>
+          <a:prstGeom prst="straightConnector1">
+            <a:avLst/>
+          </a:prstGeom>
+          <a:ln>
+            <a:tailEnd type="triangle"/>
+          </a:ln>
+        </p:spPr>
+        <p:style>
+          <a:lnRef idx="3">
+            <a:schemeClr val="accent2"/>
+          </a:lnRef>
+          <a:fillRef idx="0">
+            <a:schemeClr val="accent2"/>
+          </a:fillRef>
+          <a:effectRef idx="2">
+            <a:schemeClr val="accent2"/>
+          </a:effectRef>
+          <a:fontRef idx="minor">
+            <a:schemeClr val="tx1"/>
+          </a:fontRef>
+        </p:style>
+      </p:cxnSp>
+      <p:sp>
+        <p:nvSpPr>
+          <p:cNvPr id="12" name="Title 8"/>
+          <p:cNvSpPr>
+            <a:spLocks noGrp="1"/>
+          </p:cNvSpPr>
+          <p:nvPr>
+            <p:ph type="title"/>
+          </p:nvPr>
+        </p:nvSpPr>
+        <p:spPr>
+          <a:xfrm>
+            <a:off x="457200" y="361009"/>
+            <a:ext cx="8229600" cy="857250"/>
+          </a:xfrm>
+        </p:spPr>
+        <p:txBody>
+          <a:bodyPr>
+            <a:normAutofit fontScale="90000"/>
+          </a:bodyPr>
+          <a:lstStyle/>
+          <a:p>
+            <a:r>
+              <a:rPr lang="en-US" dirty="0"/>
+              <a:t>Compared to simpler models, DNNs are a black box.</a:t>
+            </a:r>
+            <a:br>
+              <a:rPr lang="en-US" dirty="0"/>
+            </a:br>
+            <a:r>
+              <a:rPr lang="en-US" sz="2700" i="1" dirty="0"/>
+              <a:t>We can explain model predictions, but it’s case by case.</a:t>
+            </a:r>
+            <a:endParaRPr lang="en-US" i="1" dirty="0"/>
+          </a:p>
+        </p:txBody>
+      </p:sp>
+      <p:graphicFrame>
+        <p:nvGraphicFramePr>
+          <p:cNvPr id="13" name="Table 12">
+            <a:extLst>
+              <a:ext uri="{FF2B5EF4-FFF2-40B4-BE49-F238E27FC236}">
+                <a16:creationId xmlns:a16="http://schemas.microsoft.com/office/drawing/2014/main" id="{6DD45568-F134-054B-AB85-EA1DBA682FCD}"/>
+              </a:ext>
+            </a:extLst>
+          </p:cNvPr>
+          <p:cNvGraphicFramePr>
+            <a:graphicFrameLocks noGrp="1"/>
+          </p:cNvGraphicFramePr>
+          <p:nvPr/>
+        </p:nvGraphicFramePr>
+        <p:xfrm>
+          <a:off x="7413370" y="2762999"/>
+          <a:ext cx="1579304" cy="530890"/>
+        </p:xfrm>
+        <a:graphic>
+          <a:graphicData uri="http://schemas.openxmlformats.org/drawingml/2006/table">
+            <a:tbl>
+              <a:tblPr firstRow="1" bandRow="1">
+                <a:tableStyleId>{5C22544A-7EE6-4342-B048-85BDC9FD1C3A}</a:tableStyleId>
+              </a:tblPr>
+              <a:tblGrid>
+                <a:gridCol w="1579304">
+                  <a:extLst>
+                    <a:ext uri="{9D8B030D-6E8A-4147-A177-3AD203B41FA5}">
+                      <a16:colId xmlns:a16="http://schemas.microsoft.com/office/drawing/2014/main" val="4002730172"/>
+                    </a:ext>
+                  </a:extLst>
+                </a:gridCol>
+              </a:tblGrid>
+              <a:tr h="530890">
+                <a:tc>
+                  <a:txBody>
+                    <a:bodyPr/>
+                    <a:lstStyle/>
+                    <a:p>
+                      <a:pPr algn="ctr"/>
+                      <a:r>
+                        <a:rPr lang="en-US" sz="1000" dirty="0">
+                          <a:solidFill>
+                            <a:schemeClr val="tx1"/>
+                          </a:solidFill>
+                        </a:rPr>
+                        <a:t>Retinopathy?</a:t>
+                      </a:r>
+                      <a:r>
+                        <a:rPr lang="en-US" sz="1000" baseline="0" dirty="0">
+                          <a:solidFill>
+                            <a:schemeClr val="tx1"/>
+                          </a:solidFill>
+                        </a:rPr>
+                        <a:t> </a:t>
+                      </a:r>
+                    </a:p>
+                    <a:p>
+                      <a:pPr algn="ctr"/>
+                      <a:r>
+                        <a:rPr lang="en-US" sz="1000" baseline="0" dirty="0">
+                          <a:solidFill>
+                            <a:schemeClr val="tx1"/>
+                          </a:solidFill>
+                        </a:rPr>
+                        <a:t>Yes/No</a:t>
+                      </a:r>
+                      <a:endParaRPr lang="en-US" sz="1000" dirty="0">
+                        <a:solidFill>
+                          <a:schemeClr val="tx1"/>
+                        </a:solidFill>
+                      </a:endParaRPr>
+                    </a:p>
+                  </a:txBody>
+                  <a:tcPr marL="68580" marR="68580" marT="34290" marB="34290" anchor="ctr">
+                    <a:lnL w="38100" cap="flat" cmpd="sng" algn="ctr">
+                      <a:solidFill>
+                        <a:schemeClr val="tx1"/>
+                      </a:solidFill>
+                      <a:prstDash val="solid"/>
+                      <a:round/>
+                      <a:headEnd type="none" w="med" len="med"/>
+                      <a:tailEnd type="none" w="med" len="med"/>
+                    </a:lnL>
+                    <a:lnR w="38100" cap="flat" cmpd="sng" algn="ctr">
+                      <a:solidFill>
+                        <a:schemeClr val="tx1"/>
+                      </a:solidFill>
+                      <a:prstDash val="solid"/>
+                      <a:round/>
+                      <a:headEnd type="none" w="med" len="med"/>
+                      <a:tailEnd type="none" w="med" len="med"/>
+                    </a:lnR>
+                    <a:lnT w="38100" cap="flat" cmpd="sng" algn="ctr">
+                      <a:solidFill>
+                        <a:schemeClr val="tx1"/>
+                      </a:solidFill>
+                      <a:prstDash val="solid"/>
+                      <a:round/>
+                      <a:headEnd type="none" w="med" len="med"/>
+                      <a:tailEnd type="none" w="med" len="med"/>
+                    </a:lnT>
+                    <a:lnB w="38100" cap="flat" cmpd="sng" algn="ctr">
+                      <a:solidFill>
+                        <a:schemeClr val="tx1"/>
+                      </a:solidFill>
+                      <a:prstDash val="solid"/>
+                      <a:round/>
+                      <a:headEnd type="none" w="med" len="med"/>
+                      <a:tailEnd type="none" w="med" len="med"/>
+                    </a:lnB>
+                    <a:noFill/>
+                  </a:tcPr>
+                </a:tc>
+                <a:extLst>
+                  <a:ext uri="{0D108BD9-81ED-4DB2-BD59-A6C34878D82A}">
+                    <a16:rowId xmlns:a16="http://schemas.microsoft.com/office/drawing/2014/main" val="3775152605"/>
+                  </a:ext>
+                </a:extLst>
+              </a:tr>
+            </a:tbl>
+          </a:graphicData>
+        </a:graphic>
+      </p:graphicFrame>
+    </p:spTree>
+    <p:extLst>
+      <p:ext uri="{BB962C8B-B14F-4D97-AF65-F5344CB8AC3E}">
+        <p14:creationId xmlns:p14="http://schemas.microsoft.com/office/powerpoint/2010/main" val="234381688"/>
+      </p:ext>
+    </p:extLst>
+  </p:cSld>
+  <p:clrMapOvr>
+    <a:masterClrMapping/>
+  </p:clrMapOvr>
+</p:sld>
+</file>
+
+<file path=ppt/slides/slide24.xml><?xml version="1.0" encoding="utf-8"?>
+<p:sld xmlns:a="http://schemas.openxmlformats.org/drawingml/2006/main" xmlns:r="http://schemas.openxmlformats.org/officeDocument/2006/relationships" xmlns:p="http://schemas.openxmlformats.org/presentationml/2006/main">
+  <p:cSld>
+    <p:spTree>
+      <p:nvGrpSpPr>
+        <p:cNvPr id="1" name=""/>
+        <p:cNvGrpSpPr/>
+        <p:nvPr/>
+      </p:nvGrpSpPr>
+      <p:grpSpPr>
+        <a:xfrm>
+          <a:off x="0" y="0"/>
+          <a:ext cx="0" cy="0"/>
+          <a:chOff x="0" y="0"/>
+          <a:chExt cx="0" cy="0"/>
+        </a:xfrm>
+      </p:grpSpPr>
+      <p:sp>
+        <p:nvSpPr>
           <p:cNvPr id="5" name="Cube 4"/>
           <p:cNvSpPr/>
           <p:nvPr/>
@@ -6229,13 +11179,13 @@
         </p:spPr>
         <p:txBody>
           <a:bodyPr>
-            <a:normAutofit fontScale="90000"/>
+            <a:normAutofit/>
           </a:bodyPr>
           <a:lstStyle/>
           <a:p>
             <a:r>
               <a:rPr lang="en-US" dirty="0"/>
-              <a:t>Prostate-specific antigen measurement: A Black Box?</a:t>
+              <a:t>Is PSA measurement a black box?</a:t>
             </a:r>
           </a:p>
         </p:txBody>
@@ -6392,7 +11342,351 @@
 </p:sld>
 </file>
 
-<file path=ppt/slides/slide11.xml><?xml version="1.0" encoding="utf-8"?>
+<file path=ppt/slides/slide25.xml><?xml version="1.0" encoding="utf-8"?>
+<p:sld xmlns:a="http://schemas.openxmlformats.org/drawingml/2006/main" xmlns:r="http://schemas.openxmlformats.org/officeDocument/2006/relationships" xmlns:p="http://schemas.openxmlformats.org/presentationml/2006/main">
+  <p:cSld>
+    <p:spTree>
+      <p:nvGrpSpPr>
+        <p:cNvPr id="1" name=""/>
+        <p:cNvGrpSpPr/>
+        <p:nvPr/>
+      </p:nvGrpSpPr>
+      <p:grpSpPr>
+        <a:xfrm>
+          <a:off x="0" y="0"/>
+          <a:ext cx="0" cy="0"/>
+          <a:chOff x="0" y="0"/>
+          <a:chExt cx="0" cy="0"/>
+        </a:xfrm>
+      </p:grpSpPr>
+      <p:pic>
+        <p:nvPicPr>
+          <p:cNvPr id="1030" name="Picture 6">
+            <a:extLst>
+              <a:ext uri="{FF2B5EF4-FFF2-40B4-BE49-F238E27FC236}">
+                <a16:creationId xmlns:a16="http://schemas.microsoft.com/office/drawing/2014/main" id="{3FCC40DE-934C-8C20-82C1-984BAD5FB7B6}"/>
+              </a:ext>
+            </a:extLst>
+          </p:cNvPr>
+          <p:cNvPicPr>
+            <a:picLocks noChangeAspect="1" noChangeArrowheads="1"/>
+          </p:cNvPicPr>
+          <p:nvPr/>
+        </p:nvPicPr>
+        <p:blipFill>
+          <a:blip r:embed="rId3">
+            <a:extLst>
+              <a:ext uri="{28A0092B-C50C-407E-A947-70E740481C1C}">
+                <a14:useLocalDpi xmlns:a14="http://schemas.microsoft.com/office/drawing/2010/main" val="0"/>
+              </a:ext>
+            </a:extLst>
+          </a:blip>
+          <a:srcRect/>
+          <a:stretch>
+            <a:fillRect/>
+          </a:stretch>
+        </p:blipFill>
+        <p:spPr bwMode="auto">
+          <a:xfrm>
+            <a:off x="2898640" y="837379"/>
+            <a:ext cx="3456606" cy="3851240"/>
+          </a:xfrm>
+          <a:prstGeom prst="rect">
+            <a:avLst/>
+          </a:prstGeom>
+          <a:noFill/>
+          <a:extLst>
+            <a:ext uri="{909E8E84-426E-40DD-AFC4-6F175D3DCCD1}">
+              <a14:hiddenFill xmlns:a14="http://schemas.microsoft.com/office/drawing/2010/main">
+                <a:solidFill>
+                  <a:srgbClr val="FFFFFF"/>
+                </a:solidFill>
+              </a14:hiddenFill>
+            </a:ext>
+          </a:extLst>
+        </p:spPr>
+      </p:pic>
+      <p:sp>
+        <p:nvSpPr>
+          <p:cNvPr id="2" name="Title 1">
+            <a:extLst>
+              <a:ext uri="{FF2B5EF4-FFF2-40B4-BE49-F238E27FC236}">
+                <a16:creationId xmlns:a16="http://schemas.microsoft.com/office/drawing/2014/main" id="{3F08AB00-4ED8-139E-2D84-87CF84F6D6D5}"/>
+              </a:ext>
+            </a:extLst>
+          </p:cNvPr>
+          <p:cNvSpPr>
+            <a:spLocks noGrp="1"/>
+          </p:cNvSpPr>
+          <p:nvPr>
+            <p:ph type="title"/>
+          </p:nvPr>
+        </p:nvSpPr>
+        <p:spPr/>
+        <p:txBody>
+          <a:bodyPr/>
+          <a:lstStyle/>
+          <a:p>
+            <a:r>
+              <a:rPr lang="en-US" dirty="0"/>
+              <a:t>Is clinician decision-making a black box?</a:t>
+            </a:r>
+            <a:endParaRPr lang="en-US" i="1" dirty="0"/>
+          </a:p>
+        </p:txBody>
+      </p:sp>
+      <p:pic>
+        <p:nvPicPr>
+          <p:cNvPr id="6" name="Picture 5">
+            <a:extLst>
+              <a:ext uri="{FF2B5EF4-FFF2-40B4-BE49-F238E27FC236}">
+                <a16:creationId xmlns:a16="http://schemas.microsoft.com/office/drawing/2014/main" id="{5E2783BB-EFF0-9FF5-B7A3-E6E3B167E8A8}"/>
+              </a:ext>
+            </a:extLst>
+          </p:cNvPr>
+          <p:cNvPicPr>
+            <a:picLocks noChangeAspect="1"/>
+          </p:cNvPicPr>
+          <p:nvPr/>
+        </p:nvPicPr>
+        <p:blipFill>
+          <a:blip r:embed="rId4" cstate="screen">
+            <a:extLst>
+              <a:ext uri="{28A0092B-C50C-407E-A947-70E740481C1C}">
+                <a14:useLocalDpi xmlns:a14="http://schemas.microsoft.com/office/drawing/2010/main"/>
+              </a:ext>
+            </a:extLst>
+          </a:blip>
+          <a:stretch>
+            <a:fillRect/>
+          </a:stretch>
+        </p:blipFill>
+        <p:spPr>
+          <a:xfrm>
+            <a:off x="243779" y="2260240"/>
+            <a:ext cx="1605980" cy="1622738"/>
+          </a:xfrm>
+          <a:prstGeom prst="rect">
+            <a:avLst/>
+          </a:prstGeom>
+        </p:spPr>
+      </p:pic>
+      <p:cxnSp>
+        <p:nvCxnSpPr>
+          <p:cNvPr id="7" name="Straight Arrow Connector 6">
+            <a:extLst>
+              <a:ext uri="{FF2B5EF4-FFF2-40B4-BE49-F238E27FC236}">
+                <a16:creationId xmlns:a16="http://schemas.microsoft.com/office/drawing/2014/main" id="{74CB7618-24E7-D2B2-5664-54963DFF3CB0}"/>
+              </a:ext>
+            </a:extLst>
+          </p:cNvPr>
+          <p:cNvCxnSpPr/>
+          <p:nvPr/>
+        </p:nvCxnSpPr>
+        <p:spPr>
+          <a:xfrm flipV="1">
+            <a:off x="1849759" y="3071610"/>
+            <a:ext cx="1019009" cy="1"/>
+          </a:xfrm>
+          <a:prstGeom prst="straightConnector1">
+            <a:avLst/>
+          </a:prstGeom>
+          <a:ln>
+            <a:tailEnd type="triangle"/>
+          </a:ln>
+        </p:spPr>
+        <p:style>
+          <a:lnRef idx="3">
+            <a:schemeClr val="accent2"/>
+          </a:lnRef>
+          <a:fillRef idx="0">
+            <a:schemeClr val="accent2"/>
+          </a:fillRef>
+          <a:effectRef idx="2">
+            <a:schemeClr val="accent2"/>
+          </a:effectRef>
+          <a:fontRef idx="minor">
+            <a:schemeClr val="tx1"/>
+          </a:fontRef>
+        </p:style>
+      </p:cxnSp>
+      <p:cxnSp>
+        <p:nvCxnSpPr>
+          <p:cNvPr id="8" name="Straight Arrow Connector 7">
+            <a:extLst>
+              <a:ext uri="{FF2B5EF4-FFF2-40B4-BE49-F238E27FC236}">
+                <a16:creationId xmlns:a16="http://schemas.microsoft.com/office/drawing/2014/main" id="{CBB22D1C-D697-E561-D3BA-1197D8741C34}"/>
+              </a:ext>
+            </a:extLst>
+          </p:cNvPr>
+          <p:cNvCxnSpPr/>
+          <p:nvPr/>
+        </p:nvCxnSpPr>
+        <p:spPr>
+          <a:xfrm flipV="1">
+            <a:off x="6394360" y="3071610"/>
+            <a:ext cx="1019009" cy="1"/>
+          </a:xfrm>
+          <a:prstGeom prst="straightConnector1">
+            <a:avLst/>
+          </a:prstGeom>
+          <a:ln>
+            <a:tailEnd type="triangle"/>
+          </a:ln>
+        </p:spPr>
+        <p:style>
+          <a:lnRef idx="3">
+            <a:schemeClr val="accent2"/>
+          </a:lnRef>
+          <a:fillRef idx="0">
+            <a:schemeClr val="accent2"/>
+          </a:fillRef>
+          <a:effectRef idx="2">
+            <a:schemeClr val="accent2"/>
+          </a:effectRef>
+          <a:fontRef idx="minor">
+            <a:schemeClr val="tx1"/>
+          </a:fontRef>
+        </p:style>
+      </p:cxnSp>
+      <p:graphicFrame>
+        <p:nvGraphicFramePr>
+          <p:cNvPr id="9" name="Table 8">
+            <a:extLst>
+              <a:ext uri="{FF2B5EF4-FFF2-40B4-BE49-F238E27FC236}">
+                <a16:creationId xmlns:a16="http://schemas.microsoft.com/office/drawing/2014/main" id="{3715FDED-799B-2872-9149-1EC2DD786936}"/>
+              </a:ext>
+            </a:extLst>
+          </p:cNvPr>
+          <p:cNvGraphicFramePr>
+            <a:graphicFrameLocks noGrp="1"/>
+          </p:cNvGraphicFramePr>
+          <p:nvPr/>
+        </p:nvGraphicFramePr>
+        <p:xfrm>
+          <a:off x="7413370" y="2762999"/>
+          <a:ext cx="1579304" cy="530890"/>
+        </p:xfrm>
+        <a:graphic>
+          <a:graphicData uri="http://schemas.openxmlformats.org/drawingml/2006/table">
+            <a:tbl>
+              <a:tblPr firstRow="1" bandRow="1">
+                <a:tableStyleId>{5C22544A-7EE6-4342-B048-85BDC9FD1C3A}</a:tableStyleId>
+              </a:tblPr>
+              <a:tblGrid>
+                <a:gridCol w="1579304">
+                  <a:extLst>
+                    <a:ext uri="{9D8B030D-6E8A-4147-A177-3AD203B41FA5}">
+                      <a16:colId xmlns:a16="http://schemas.microsoft.com/office/drawing/2014/main" val="4002730172"/>
+                    </a:ext>
+                  </a:extLst>
+                </a:gridCol>
+              </a:tblGrid>
+              <a:tr h="530890">
+                <a:tc>
+                  <a:txBody>
+                    <a:bodyPr/>
+                    <a:lstStyle/>
+                    <a:p>
+                      <a:pPr algn="ctr"/>
+                      <a:r>
+                        <a:rPr lang="en-US" sz="1000" dirty="0">
+                          <a:solidFill>
+                            <a:schemeClr val="tx1"/>
+                          </a:solidFill>
+                        </a:rPr>
+                        <a:t>Retinopathy?</a:t>
+                      </a:r>
+                      <a:r>
+                        <a:rPr lang="en-US" sz="1000" baseline="0" dirty="0">
+                          <a:solidFill>
+                            <a:schemeClr val="tx1"/>
+                          </a:solidFill>
+                        </a:rPr>
+                        <a:t> </a:t>
+                      </a:r>
+                    </a:p>
+                    <a:p>
+                      <a:pPr algn="ctr"/>
+                      <a:r>
+                        <a:rPr lang="en-US" sz="1000" baseline="0" dirty="0">
+                          <a:solidFill>
+                            <a:schemeClr val="tx1"/>
+                          </a:solidFill>
+                        </a:rPr>
+                        <a:t>Yes/No</a:t>
+                      </a:r>
+                      <a:endParaRPr lang="en-US" sz="1000" dirty="0">
+                        <a:solidFill>
+                          <a:schemeClr val="tx1"/>
+                        </a:solidFill>
+                      </a:endParaRPr>
+                    </a:p>
+                  </a:txBody>
+                  <a:tcPr marL="68580" marR="68580" marT="34290" marB="34290" anchor="ctr">
+                    <a:lnL w="38100" cap="flat" cmpd="sng" algn="ctr">
+                      <a:solidFill>
+                        <a:schemeClr val="tx1"/>
+                      </a:solidFill>
+                      <a:prstDash val="solid"/>
+                      <a:round/>
+                      <a:headEnd type="none" w="med" len="med"/>
+                      <a:tailEnd type="none" w="med" len="med"/>
+                    </a:lnL>
+                    <a:lnR w="38100" cap="flat" cmpd="sng" algn="ctr">
+                      <a:solidFill>
+                        <a:schemeClr val="tx1"/>
+                      </a:solidFill>
+                      <a:prstDash val="solid"/>
+                      <a:round/>
+                      <a:headEnd type="none" w="med" len="med"/>
+                      <a:tailEnd type="none" w="med" len="med"/>
+                    </a:lnR>
+                    <a:lnT w="38100" cap="flat" cmpd="sng" algn="ctr">
+                      <a:solidFill>
+                        <a:schemeClr val="tx1"/>
+                      </a:solidFill>
+                      <a:prstDash val="solid"/>
+                      <a:round/>
+                      <a:headEnd type="none" w="med" len="med"/>
+                      <a:tailEnd type="none" w="med" len="med"/>
+                    </a:lnT>
+                    <a:lnB w="38100" cap="flat" cmpd="sng" algn="ctr">
+                      <a:solidFill>
+                        <a:schemeClr val="tx1"/>
+                      </a:solidFill>
+                      <a:prstDash val="solid"/>
+                      <a:round/>
+                      <a:headEnd type="none" w="med" len="med"/>
+                      <a:tailEnd type="none" w="med" len="med"/>
+                    </a:lnB>
+                    <a:noFill/>
+                  </a:tcPr>
+                </a:tc>
+                <a:extLst>
+                  <a:ext uri="{0D108BD9-81ED-4DB2-BD59-A6C34878D82A}">
+                    <a16:rowId xmlns:a16="http://schemas.microsoft.com/office/drawing/2014/main" val="3775152605"/>
+                  </a:ext>
+                </a:extLst>
+              </a:tr>
+            </a:tbl>
+          </a:graphicData>
+        </a:graphic>
+      </p:graphicFrame>
+    </p:spTree>
+    <p:extLst>
+      <p:ext uri="{BB962C8B-B14F-4D97-AF65-F5344CB8AC3E}">
+        <p14:creationId xmlns:p14="http://schemas.microsoft.com/office/powerpoint/2010/main" val="1938658721"/>
+      </p:ext>
+    </p:extLst>
+  </p:cSld>
+  <p:clrMapOvr>
+    <a:masterClrMapping/>
+  </p:clrMapOvr>
+</p:sld>
+</file>
+
+<file path=ppt/slides/slide26.xml><?xml version="1.0" encoding="utf-8"?>
 <p:sld xmlns:a="http://schemas.openxmlformats.org/drawingml/2006/main" xmlns:r="http://schemas.openxmlformats.org/officeDocument/2006/relationships" xmlns:p="http://schemas.openxmlformats.org/presentationml/2006/main">
   <p:cSld>
     <p:spTree>
@@ -6752,7 +12046,7 @@
 </p:sld>
 </file>
 
-<file path=ppt/slides/slide12.xml><?xml version="1.0" encoding="utf-8"?>
+<file path=ppt/slides/slide27.xml><?xml version="1.0" encoding="utf-8"?>
 <p:sld xmlns:a="http://schemas.openxmlformats.org/drawingml/2006/main" xmlns:r="http://schemas.openxmlformats.org/officeDocument/2006/relationships" xmlns:p="http://schemas.openxmlformats.org/presentationml/2006/main">
   <p:cSld>
     <p:spTree>
@@ -6809,21 +12103,21 @@
         </p:spPr>
         <p:txBody>
           <a:bodyPr>
-            <a:normAutofit fontScale="85000" lnSpcReduction="20000"/>
+            <a:normAutofit lnSpcReduction="10000"/>
           </a:bodyPr>
           <a:lstStyle/>
           <a:p>
             <a:r>
               <a:rPr lang="en-US" dirty="0"/>
-              <a:t>Text data are central to clinical medicine, so the potential for NLP impact is high (but </a:t>
+              <a:t>A predictive model is </a:t>
             </a:r>
             <a:r>
               <a:rPr lang="en-US" i="1" dirty="0"/>
-              <a:t>not yet realized</a:t>
+              <a:t>interpretable</a:t>
             </a:r>
             <a:r>
               <a:rPr lang="en-US" dirty="0"/>
-              <a:t>)</a:t>
+              <a:t> if it’s easy to understand how it works – in other words, the effect of features on model predictions</a:t>
             </a:r>
           </a:p>
           <a:p>
@@ -6832,50 +12126,15 @@
           <a:p>
             <a:r>
               <a:rPr lang="en-US" dirty="0"/>
-              <a:t>Simple, count-based NLP models are surprisingly effective in most clinical applications.</a:t>
-            </a:r>
-          </a:p>
-          <a:p>
-            <a:endParaRPr lang="en-US" dirty="0"/>
-          </a:p>
-          <a:p>
+              <a:t>Neural networks are not </a:t>
+            </a:r>
+            <a:r>
+              <a:rPr lang="en-US" i="1" dirty="0"/>
+              <a:t>interpretable</a:t>
+            </a:r>
             <a:r>
               <a:rPr lang="en-US" dirty="0"/>
-              <a:t>Complex, deep learning NLP models have exceeded human performance. In these models, words are converted to vectors of semantic attributes, and increasingly complex, </a:t>
-            </a:r>
-            <a:r>
-              <a:rPr lang="en-US" dirty="0" err="1"/>
-              <a:t>heirarchical</a:t>
-            </a:r>
-            <a:r>
-              <a:rPr lang="en-US" dirty="0"/>
-              <a:t> semantic features are then extracted.</a:t>
-            </a:r>
-          </a:p>
-          <a:p>
-            <a:endParaRPr lang="en-US" dirty="0"/>
-          </a:p>
-          <a:p>
-            <a:r>
-              <a:rPr lang="en-US" dirty="0"/>
-              <a:t>Similar to image processing, we can take advantage of complex NLP models by repurposing them for a specific clinical task via fine-tuning of parameters.</a:t>
-            </a:r>
-          </a:p>
-          <a:p>
-            <a:endParaRPr lang="en-US" dirty="0"/>
-          </a:p>
-          <a:p>
-            <a:r>
-              <a:rPr lang="en-US" dirty="0"/>
-              <a:t>It is easy for us to </a:t>
-            </a:r>
-            <a:r>
-              <a:rPr lang="en-US" i="1" dirty="0"/>
-              <a:t>interpret</a:t>
-            </a:r>
-            <a:r>
-              <a:rPr lang="en-US" dirty="0"/>
-              <a:t> simple, count-based models. However, it is also possible to </a:t>
+              <a:t>, but we have techniques that can quantify the effect of features on each individual prediction – in other words, </a:t>
             </a:r>
             <a:r>
               <a:rPr lang="en-US" i="1" dirty="0"/>
@@ -6883,7 +12142,16 @@
             </a:r>
             <a:r>
               <a:rPr lang="en-US" dirty="0"/>
-              <a:t> the predictions of deep learning models. Interpretability and </a:t>
+              <a:t> the prediction</a:t>
+            </a:r>
+          </a:p>
+          <a:p>
+            <a:endParaRPr lang="en-US" dirty="0"/>
+          </a:p>
+          <a:p>
+            <a:r>
+              <a:rPr lang="en-US" dirty="0"/>
+              <a:t>There are a wide range of perspectives on the importance of interpretability and </a:t>
             </a:r>
             <a:r>
               <a:rPr lang="en-US" dirty="0" err="1"/>
@@ -6891,8 +12159,26 @@
             </a:r>
             <a:r>
               <a:rPr lang="en-US" dirty="0"/>
-              <a:t> are likely to be important going forward, particularly from a regulatory perspective.</a:t>
-            </a:r>
+              <a:t>. However, it appears the FDA regulation of clinical decision support will turn on whether the tool is interpretable.</a:t>
+            </a:r>
+          </a:p>
+          <a:p>
+            <a:endParaRPr lang="en-US" dirty="0"/>
+          </a:p>
+          <a:p>
+            <a:r>
+              <a:rPr lang="en-US" dirty="0"/>
+              <a:t>Interpretable models still </a:t>
+            </a:r>
+            <a:r>
+              <a:rPr lang="en-US" u="sng" dirty="0"/>
+              <a:t>do not tell us anything about causation</a:t>
+            </a:r>
+            <a:r>
+              <a:rPr lang="en-US" i="1" dirty="0"/>
+              <a:t>.</a:t>
+            </a:r>
+            <a:endParaRPr lang="en-US" dirty="0"/>
           </a:p>
         </p:txBody>
       </p:sp>
@@ -6900,149 +12186,6 @@
     <p:extLst>
       <p:ext uri="{BB962C8B-B14F-4D97-AF65-F5344CB8AC3E}">
         <p14:creationId xmlns:p14="http://schemas.microsoft.com/office/powerpoint/2010/main" val="753098016"/>
-      </p:ext>
-    </p:extLst>
-  </p:cSld>
-  <p:clrMapOvr>
-    <a:masterClrMapping/>
-  </p:clrMapOvr>
-</p:sld>
-</file>
-
-<file path=ppt/slides/slide2.xml><?xml version="1.0" encoding="utf-8"?>
-<p:sld xmlns:a="http://schemas.openxmlformats.org/drawingml/2006/main" xmlns:r="http://schemas.openxmlformats.org/officeDocument/2006/relationships" xmlns:p="http://schemas.openxmlformats.org/presentationml/2006/main">
-  <p:cSld>
-    <p:spTree>
-      <p:nvGrpSpPr>
-        <p:cNvPr id="1" name=""/>
-        <p:cNvGrpSpPr/>
-        <p:nvPr/>
-      </p:nvGrpSpPr>
-      <p:grpSpPr>
-        <a:xfrm>
-          <a:off x="0" y="0"/>
-          <a:ext cx="0" cy="0"/>
-          <a:chOff x="0" y="0"/>
-          <a:chExt cx="0" cy="0"/>
-        </a:xfrm>
-      </p:grpSpPr>
-      <p:sp>
-        <p:nvSpPr>
-          <p:cNvPr id="2" name="Title 1">
-            <a:extLst>
-              <a:ext uri="{FF2B5EF4-FFF2-40B4-BE49-F238E27FC236}">
-                <a16:creationId xmlns:a16="http://schemas.microsoft.com/office/drawing/2014/main" id="{05D4BF34-AC38-4F1F-DE51-B30214C4CC35}"/>
-              </a:ext>
-            </a:extLst>
-          </p:cNvPr>
-          <p:cNvSpPr>
-            <a:spLocks noGrp="1"/>
-          </p:cNvSpPr>
-          <p:nvPr>
-            <p:ph type="title"/>
-          </p:nvPr>
-        </p:nvSpPr>
-        <p:spPr/>
-        <p:txBody>
-          <a:bodyPr/>
-          <a:lstStyle/>
-          <a:p>
-            <a:r>
-              <a:rPr lang="en-US" dirty="0"/>
-              <a:t>Interpretable versus Explainable</a:t>
-            </a:r>
-          </a:p>
-        </p:txBody>
-      </p:sp>
-      <p:sp>
-        <p:nvSpPr>
-          <p:cNvPr id="3" name="Content Placeholder 2">
-            <a:extLst>
-              <a:ext uri="{FF2B5EF4-FFF2-40B4-BE49-F238E27FC236}">
-                <a16:creationId xmlns:a16="http://schemas.microsoft.com/office/drawing/2014/main" id="{1893CA31-4C17-7F66-827C-BDC10317FF78}"/>
-              </a:ext>
-            </a:extLst>
-          </p:cNvPr>
-          <p:cNvSpPr>
-            <a:spLocks noGrp="1"/>
-          </p:cNvSpPr>
-          <p:nvPr>
-            <p:ph idx="1"/>
-          </p:nvPr>
-        </p:nvSpPr>
-        <p:spPr/>
-        <p:txBody>
-          <a:bodyPr/>
-          <a:lstStyle/>
-          <a:p>
-            <a:pPr marL="0" indent="0">
-              <a:buNone/>
-            </a:pPr>
-            <a:r>
-              <a:rPr lang="en-US" u="sng" dirty="0"/>
-              <a:t>An </a:t>
-            </a:r>
-            <a:r>
-              <a:rPr lang="en-US" i="1" u="sng" dirty="0"/>
-              <a:t>interpretable</a:t>
-            </a:r>
-            <a:r>
-              <a:rPr lang="en-US" u="sng" dirty="0"/>
-              <a:t> model</a:t>
-            </a:r>
-            <a:r>
-              <a:rPr lang="en-US" dirty="0"/>
-              <a:t>:</a:t>
-            </a:r>
-          </a:p>
-          <a:p>
-            <a:pPr marL="0" indent="0">
-              <a:buNone/>
-            </a:pPr>
-            <a:r>
-              <a:rPr lang="en-US" dirty="0"/>
-              <a:t>It is easy to for us to understand why the model makes the predictions that it makes.</a:t>
-            </a:r>
-          </a:p>
-          <a:p>
-            <a:endParaRPr lang="en-US" dirty="0"/>
-          </a:p>
-          <a:p>
-            <a:pPr marL="0" indent="0">
-              <a:buNone/>
-            </a:pPr>
-            <a:r>
-              <a:rPr lang="en-US" u="sng" dirty="0"/>
-              <a:t>An </a:t>
-            </a:r>
-            <a:r>
-              <a:rPr lang="en-US" i="1" u="sng" dirty="0"/>
-              <a:t>explainable</a:t>
-            </a:r>
-            <a:r>
-              <a:rPr lang="en-US" u="sng" dirty="0"/>
-              <a:t> model</a:t>
-            </a:r>
-            <a:r>
-              <a:rPr lang="en-US" dirty="0"/>
-              <a:t>:</a:t>
-            </a:r>
-          </a:p>
-          <a:p>
-            <a:pPr marL="0" indent="0">
-              <a:buNone/>
-            </a:pPr>
-            <a:r>
-              <a:rPr lang="en-US" dirty="0"/>
-              <a:t>One or more techniques can be used to provide a human-friendly explanation for each model prediction.</a:t>
-            </a:r>
-          </a:p>
-        </p:txBody>
-      </p:sp>
-    </p:spTree>
-    <p:extLst>
-      <p:ext uri="{BB962C8B-B14F-4D97-AF65-F5344CB8AC3E}">
-        <p14:creationId xmlns:p14="http://schemas.microsoft.com/office/powerpoint/2010/main" val="3220980066"/>
       </p:ext>
     </p:extLst>
   </p:cSld>
@@ -7074,7 +12217,7 @@
           <p:cNvPr id="2" name="Title 1">
             <a:extLst>
               <a:ext uri="{FF2B5EF4-FFF2-40B4-BE49-F238E27FC236}">
-                <a16:creationId xmlns:a16="http://schemas.microsoft.com/office/drawing/2014/main" id="{3F08AB00-4ED8-139E-2D84-87CF84F6D6D5}"/>
+                <a16:creationId xmlns:a16="http://schemas.microsoft.com/office/drawing/2014/main" id="{05D4BF34-AC38-4F1F-DE51-B30214C4CC35}"/>
               </a:ext>
             </a:extLst>
           </p:cNvPr>
@@ -7092,6 +12235,149 @@
           <a:p>
             <a:r>
               <a:rPr lang="en-US" dirty="0"/>
+              <a:t>Interpretable versus Explainable</a:t>
+            </a:r>
+          </a:p>
+        </p:txBody>
+      </p:sp>
+      <p:sp>
+        <p:nvSpPr>
+          <p:cNvPr id="3" name="Content Placeholder 2">
+            <a:extLst>
+              <a:ext uri="{FF2B5EF4-FFF2-40B4-BE49-F238E27FC236}">
+                <a16:creationId xmlns:a16="http://schemas.microsoft.com/office/drawing/2014/main" id="{1893CA31-4C17-7F66-827C-BDC10317FF78}"/>
+              </a:ext>
+            </a:extLst>
+          </p:cNvPr>
+          <p:cNvSpPr>
+            <a:spLocks noGrp="1"/>
+          </p:cNvSpPr>
+          <p:nvPr>
+            <p:ph idx="1"/>
+          </p:nvPr>
+        </p:nvSpPr>
+        <p:spPr/>
+        <p:txBody>
+          <a:bodyPr/>
+          <a:lstStyle/>
+          <a:p>
+            <a:pPr marL="0" indent="0">
+              <a:buNone/>
+            </a:pPr>
+            <a:r>
+              <a:rPr lang="en-US" u="sng" dirty="0"/>
+              <a:t>An </a:t>
+            </a:r>
+            <a:r>
+              <a:rPr lang="en-US" i="1" u="sng" dirty="0"/>
+              <a:t>interpretable</a:t>
+            </a:r>
+            <a:r>
+              <a:rPr lang="en-US" u="sng" dirty="0"/>
+              <a:t> model</a:t>
+            </a:r>
+            <a:r>
+              <a:rPr lang="en-US" dirty="0"/>
+              <a:t>:</a:t>
+            </a:r>
+          </a:p>
+          <a:p>
+            <a:pPr marL="0" indent="0">
+              <a:buNone/>
+            </a:pPr>
+            <a:r>
+              <a:rPr lang="en-US" dirty="0"/>
+              <a:t>It is easy to for us to understand why the model makes the predictions that it makes.</a:t>
+            </a:r>
+          </a:p>
+          <a:p>
+            <a:endParaRPr lang="en-US" dirty="0"/>
+          </a:p>
+          <a:p>
+            <a:pPr marL="0" indent="0">
+              <a:buNone/>
+            </a:pPr>
+            <a:r>
+              <a:rPr lang="en-US" u="sng" dirty="0"/>
+              <a:t>An </a:t>
+            </a:r>
+            <a:r>
+              <a:rPr lang="en-US" i="1" u="sng" dirty="0"/>
+              <a:t>explainable</a:t>
+            </a:r>
+            <a:r>
+              <a:rPr lang="en-US" u="sng" dirty="0"/>
+              <a:t> model</a:t>
+            </a:r>
+            <a:r>
+              <a:rPr lang="en-US" dirty="0"/>
+              <a:t>:</a:t>
+            </a:r>
+          </a:p>
+          <a:p>
+            <a:pPr marL="0" indent="0">
+              <a:buNone/>
+            </a:pPr>
+            <a:r>
+              <a:rPr lang="en-US" dirty="0"/>
+              <a:t>One or more techniques can be used to provide a human-friendly explanation for each model prediction.</a:t>
+            </a:r>
+          </a:p>
+        </p:txBody>
+      </p:sp>
+    </p:spTree>
+    <p:extLst>
+      <p:ext uri="{BB962C8B-B14F-4D97-AF65-F5344CB8AC3E}">
+        <p14:creationId xmlns:p14="http://schemas.microsoft.com/office/powerpoint/2010/main" val="3220980066"/>
+      </p:ext>
+    </p:extLst>
+  </p:cSld>
+  <p:clrMapOvr>
+    <a:masterClrMapping/>
+  </p:clrMapOvr>
+</p:sld>
+</file>
+
+<file path=ppt/slides/slide4.xml><?xml version="1.0" encoding="utf-8"?>
+<p:sld xmlns:a="http://schemas.openxmlformats.org/drawingml/2006/main" xmlns:r="http://schemas.openxmlformats.org/officeDocument/2006/relationships" xmlns:p="http://schemas.openxmlformats.org/presentationml/2006/main">
+  <p:cSld>
+    <p:spTree>
+      <p:nvGrpSpPr>
+        <p:cNvPr id="1" name=""/>
+        <p:cNvGrpSpPr/>
+        <p:nvPr/>
+      </p:nvGrpSpPr>
+      <p:grpSpPr>
+        <a:xfrm>
+          <a:off x="0" y="0"/>
+          <a:ext cx="0" cy="0"/>
+          <a:chOff x="0" y="0"/>
+          <a:chExt cx="0" cy="0"/>
+        </a:xfrm>
+      </p:grpSpPr>
+      <p:sp>
+        <p:nvSpPr>
+          <p:cNvPr id="2" name="Title 1">
+            <a:extLst>
+              <a:ext uri="{FF2B5EF4-FFF2-40B4-BE49-F238E27FC236}">
+                <a16:creationId xmlns:a16="http://schemas.microsoft.com/office/drawing/2014/main" id="{3F08AB00-4ED8-139E-2D84-87CF84F6D6D5}"/>
+              </a:ext>
+            </a:extLst>
+          </p:cNvPr>
+          <p:cNvSpPr>
+            <a:spLocks noGrp="1"/>
+          </p:cNvSpPr>
+          <p:nvPr>
+            <p:ph type="title"/>
+          </p:nvPr>
+        </p:nvSpPr>
+        <p:spPr/>
+        <p:txBody>
+          <a:bodyPr/>
+          <a:lstStyle/>
+          <a:p>
+            <a:r>
+              <a:rPr lang="en-US" dirty="0"/>
               <a:t>Interpretable				Explainable</a:t>
             </a:r>
           </a:p>
@@ -7112,7 +12398,7 @@
           <p:nvPr/>
         </p:nvPicPr>
         <p:blipFill>
-          <a:blip r:embed="rId2">
+          <a:blip r:embed="rId3">
             <a:extLst>
               <a:ext uri="{28A0092B-C50C-407E-A947-70E740481C1C}">
                 <a14:useLocalDpi xmlns:a14="http://schemas.microsoft.com/office/drawing/2010/main" val="0"/>
@@ -7159,7 +12445,7 @@
           <p:nvPr/>
         </p:nvPicPr>
         <p:blipFill>
-          <a:blip r:embed="rId3">
+          <a:blip r:embed="rId4">
             <a:extLst>
               <a:ext uri="{28A0092B-C50C-407E-A947-70E740481C1C}">
                 <a14:useLocalDpi xmlns:a14="http://schemas.microsoft.com/office/drawing/2010/main" val="0"/>
@@ -7204,7 +12490,7 @@
 </p:sld>
 </file>
 
-<file path=ppt/slides/slide4.xml><?xml version="1.0" encoding="utf-8"?>
+<file path=ppt/slides/slide5.xml><?xml version="1.0" encoding="utf-8"?>
 <p:sld xmlns:a="http://schemas.openxmlformats.org/drawingml/2006/main" xmlns:r="http://schemas.openxmlformats.org/officeDocument/2006/relationships" xmlns:p="http://schemas.openxmlformats.org/presentationml/2006/main">
   <p:cSld>
     <p:spTree>
@@ -7223,6 +12509,1913 @@
       </p:grpSpPr>
       <p:sp>
         <p:nvSpPr>
+          <p:cNvPr id="8" name="Content Placeholder 2">
+            <a:extLst>
+              <a:ext uri="{FF2B5EF4-FFF2-40B4-BE49-F238E27FC236}">
+                <a16:creationId xmlns:a16="http://schemas.microsoft.com/office/drawing/2014/main" id="{919A73F3-507C-2514-B635-EB3C98C825F0}"/>
+              </a:ext>
+            </a:extLst>
+          </p:cNvPr>
+          <p:cNvSpPr>
+            <a:spLocks noGrp="1"/>
+          </p:cNvSpPr>
+          <p:nvPr>
+            <p:ph idx="1"/>
+          </p:nvPr>
+        </p:nvSpPr>
+        <p:spPr>
+          <a:xfrm>
+            <a:off x="628650" y="908742"/>
+            <a:ext cx="7886700" cy="3263504"/>
+          </a:xfrm>
+        </p:spPr>
+        <p:txBody>
+          <a:bodyPr/>
+          <a:lstStyle/>
+          <a:p>
+            <a:pPr>
+              <a:buFontTx/>
+              <a:buChar char="-"/>
+            </a:pPr>
+            <a:r>
+              <a:rPr lang="en-US" sz="1600" dirty="0"/>
+              <a:t>Suppose a new patient is transferred to the ICU, and the (logistic regression) model predicts their mortality risk is high.</a:t>
+            </a:r>
+          </a:p>
+          <a:p>
+            <a:pPr>
+              <a:buFontTx/>
+              <a:buChar char="-"/>
+            </a:pPr>
+            <a:r>
+              <a:rPr lang="en-US" sz="1600" b="1" dirty="0"/>
+              <a:t>Q:</a:t>
+            </a:r>
+            <a:r>
+              <a:rPr lang="en-US" sz="1600" dirty="0"/>
+              <a:t> Is it hard to figure out why it made that prediction?</a:t>
+            </a:r>
+          </a:p>
+        </p:txBody>
+      </p:sp>
+      <p:sp>
+        <p:nvSpPr>
+          <p:cNvPr id="9" name="Title 1">
+            <a:extLst>
+              <a:ext uri="{FF2B5EF4-FFF2-40B4-BE49-F238E27FC236}">
+                <a16:creationId xmlns:a16="http://schemas.microsoft.com/office/drawing/2014/main" id="{6D1582F3-2A4A-721A-B281-09A01DB45BFE}"/>
+              </a:ext>
+            </a:extLst>
+          </p:cNvPr>
+          <p:cNvSpPr>
+            <a:spLocks noGrp="1"/>
+          </p:cNvSpPr>
+          <p:nvPr>
+            <p:ph type="title"/>
+          </p:nvPr>
+        </p:nvSpPr>
+        <p:spPr>
+          <a:xfrm>
+            <a:off x="628650" y="273844"/>
+            <a:ext cx="7886700" cy="994172"/>
+          </a:xfrm>
+        </p:spPr>
+        <p:txBody>
+          <a:bodyPr/>
+          <a:lstStyle/>
+          <a:p>
+            <a:r>
+              <a:rPr lang="en-US" dirty="0"/>
+              <a:t>We can </a:t>
+            </a:r>
+            <a:r>
+              <a:rPr lang="en-US" i="1" dirty="0"/>
+              <a:t>interpret </a:t>
+            </a:r>
+            <a:r>
+              <a:rPr lang="en-US" dirty="0"/>
+              <a:t>APACHE III</a:t>
+            </a:r>
+          </a:p>
+        </p:txBody>
+      </p:sp>
+    </p:spTree>
+    <p:extLst>
+      <p:ext uri="{BB962C8B-B14F-4D97-AF65-F5344CB8AC3E}">
+        <p14:creationId xmlns:p14="http://schemas.microsoft.com/office/powerpoint/2010/main" val="399392429"/>
+      </p:ext>
+    </p:extLst>
+  </p:cSld>
+  <p:clrMapOvr>
+    <a:masterClrMapping/>
+  </p:clrMapOvr>
+</p:sld>
+</file>
+
+<file path=ppt/slides/slide6.xml><?xml version="1.0" encoding="utf-8"?>
+<p:sld xmlns:a="http://schemas.openxmlformats.org/drawingml/2006/main" xmlns:r="http://schemas.openxmlformats.org/officeDocument/2006/relationships" xmlns:p="http://schemas.openxmlformats.org/presentationml/2006/main">
+  <p:cSld>
+    <p:spTree>
+      <p:nvGrpSpPr>
+        <p:cNvPr id="1" name=""/>
+        <p:cNvGrpSpPr/>
+        <p:nvPr/>
+      </p:nvGrpSpPr>
+      <p:grpSpPr>
+        <a:xfrm>
+          <a:off x="0" y="0"/>
+          <a:ext cx="0" cy="0"/>
+          <a:chOff x="0" y="0"/>
+          <a:chExt cx="0" cy="0"/>
+        </a:xfrm>
+      </p:grpSpPr>
+      <p:sp>
+        <p:nvSpPr>
+          <p:cNvPr id="3" name="Content Placeholder 2">
+            <a:extLst>
+              <a:ext uri="{FF2B5EF4-FFF2-40B4-BE49-F238E27FC236}">
+                <a16:creationId xmlns:a16="http://schemas.microsoft.com/office/drawing/2014/main" id="{4221420B-38CA-CE5A-A10C-33B17DC5EA8F}"/>
+              </a:ext>
+            </a:extLst>
+          </p:cNvPr>
+          <p:cNvSpPr>
+            <a:spLocks noGrp="1"/>
+          </p:cNvSpPr>
+          <p:nvPr>
+            <p:ph idx="1"/>
+          </p:nvPr>
+        </p:nvSpPr>
+        <p:spPr>
+          <a:xfrm>
+            <a:off x="628650" y="908742"/>
+            <a:ext cx="7886700" cy="3263504"/>
+          </a:xfrm>
+        </p:spPr>
+        <p:txBody>
+          <a:bodyPr/>
+          <a:lstStyle/>
+          <a:p>
+            <a:pPr>
+              <a:buFontTx/>
+              <a:buChar char="-"/>
+            </a:pPr>
+            <a:r>
+              <a:rPr lang="en-US" sz="1600" dirty="0"/>
+              <a:t>Suppose a new patient is transferred to the ICU, and the (logistic regression) model predicts their mortality risk is high.</a:t>
+            </a:r>
+          </a:p>
+          <a:p>
+            <a:pPr>
+              <a:buFontTx/>
+              <a:buChar char="-"/>
+            </a:pPr>
+            <a:r>
+              <a:rPr lang="en-US" sz="1600" b="1" dirty="0"/>
+              <a:t>Q:</a:t>
+            </a:r>
+            <a:r>
+              <a:rPr lang="en-US" sz="1600" dirty="0"/>
+              <a:t> Is it hard to figure out why it made that prediction?</a:t>
+            </a:r>
+          </a:p>
+          <a:p>
+            <a:pPr>
+              <a:buFontTx/>
+              <a:buChar char="-"/>
+            </a:pPr>
+            <a:r>
+              <a:rPr lang="en-US" sz="1600" b="1" dirty="0"/>
+              <a:t>A:</a:t>
+            </a:r>
+            <a:r>
+              <a:rPr lang="en-US" sz="1600" dirty="0"/>
+              <a:t> No. You can look at the coefficients to see which variables increased and decreased the predicted probability.</a:t>
+            </a:r>
+          </a:p>
+        </p:txBody>
+      </p:sp>
+      <p:sp>
+        <p:nvSpPr>
+          <p:cNvPr id="5" name="TextBox 4">
+            <a:extLst>
+              <a:ext uri="{FF2B5EF4-FFF2-40B4-BE49-F238E27FC236}">
+                <a16:creationId xmlns:a16="http://schemas.microsoft.com/office/drawing/2014/main" id="{0946CD4C-6050-FE69-5037-A8DCE3A7B33C}"/>
+              </a:ext>
+            </a:extLst>
+          </p:cNvPr>
+          <p:cNvSpPr txBox="1"/>
+          <p:nvPr/>
+        </p:nvSpPr>
+        <p:spPr>
+          <a:xfrm>
+            <a:off x="5695909" y="3181552"/>
+            <a:ext cx="3157758" cy="738023"/>
+          </a:xfrm>
+          <a:prstGeom prst="rect">
+            <a:avLst/>
+          </a:prstGeom>
+          <a:noFill/>
+        </p:spPr>
+        <p:txBody>
+          <a:bodyPr wrap="square" rtlCol="0">
+            <a:spAutoFit/>
+          </a:bodyPr>
+          <a:lstStyle/>
+          <a:p>
+            <a:r>
+              <a:rPr lang="en-US" sz="2098" i="1" dirty="0">
+                <a:latin typeface="Times New Roman" panose="02020603050405020304" pitchFamily="18" charset="0"/>
+                <a:cs typeface="Times New Roman" panose="02020603050405020304" pitchFamily="18" charset="0"/>
+              </a:rPr>
+              <a:t>y</a:t>
+            </a:r>
+            <a:r>
+              <a:rPr lang="en-US" sz="2098" dirty="0">
+                <a:latin typeface="Times New Roman" panose="02020603050405020304" pitchFamily="18" charset="0"/>
+                <a:cs typeface="Times New Roman" panose="02020603050405020304" pitchFamily="18" charset="0"/>
+              </a:rPr>
+              <a:t>, associated label:</a:t>
+            </a:r>
+          </a:p>
+          <a:p>
+            <a:r>
+              <a:rPr lang="en-US" sz="2098" dirty="0">
+                <a:latin typeface="Times New Roman" panose="02020603050405020304" pitchFamily="18" charset="0"/>
+                <a:cs typeface="Times New Roman" panose="02020603050405020304" pitchFamily="18" charset="0"/>
+              </a:rPr>
+              <a:t>(0 = live, 1 = die)</a:t>
+            </a:r>
+          </a:p>
+        </p:txBody>
+      </p:sp>
+      <p:graphicFrame>
+        <p:nvGraphicFramePr>
+          <p:cNvPr id="6" name="Table 5">
+            <a:extLst>
+              <a:ext uri="{FF2B5EF4-FFF2-40B4-BE49-F238E27FC236}">
+                <a16:creationId xmlns:a16="http://schemas.microsoft.com/office/drawing/2014/main" id="{9C402085-A388-D417-F0F1-5FC4C8418579}"/>
+              </a:ext>
+            </a:extLst>
+          </p:cNvPr>
+          <p:cNvGraphicFramePr>
+            <a:graphicFrameLocks noGrp="1"/>
+          </p:cNvGraphicFramePr>
+          <p:nvPr/>
+        </p:nvGraphicFramePr>
+        <p:xfrm>
+          <a:off x="322729" y="3870298"/>
+          <a:ext cx="4295776" cy="530890"/>
+        </p:xfrm>
+        <a:graphic>
+          <a:graphicData uri="http://schemas.openxmlformats.org/drawingml/2006/table">
+            <a:tbl>
+              <a:tblPr firstRow="1" bandRow="1">
+                <a:tableStyleId>{5C22544A-7EE6-4342-B048-85BDC9FD1C3A}</a:tableStyleId>
+              </a:tblPr>
+              <a:tblGrid>
+                <a:gridCol w="536972">
+                  <a:extLst>
+                    <a:ext uri="{9D8B030D-6E8A-4147-A177-3AD203B41FA5}">
+                      <a16:colId xmlns:a16="http://schemas.microsoft.com/office/drawing/2014/main" val="3005286385"/>
+                    </a:ext>
+                  </a:extLst>
+                </a:gridCol>
+                <a:gridCol w="536972">
+                  <a:extLst>
+                    <a:ext uri="{9D8B030D-6E8A-4147-A177-3AD203B41FA5}">
+                      <a16:colId xmlns:a16="http://schemas.microsoft.com/office/drawing/2014/main" val="4002730172"/>
+                    </a:ext>
+                  </a:extLst>
+                </a:gridCol>
+                <a:gridCol w="536972">
+                  <a:extLst>
+                    <a:ext uri="{9D8B030D-6E8A-4147-A177-3AD203B41FA5}">
+                      <a16:colId xmlns:a16="http://schemas.microsoft.com/office/drawing/2014/main" val="440623976"/>
+                    </a:ext>
+                  </a:extLst>
+                </a:gridCol>
+                <a:gridCol w="536972">
+                  <a:extLst>
+                    <a:ext uri="{9D8B030D-6E8A-4147-A177-3AD203B41FA5}">
+                      <a16:colId xmlns:a16="http://schemas.microsoft.com/office/drawing/2014/main" val="2300620790"/>
+                    </a:ext>
+                  </a:extLst>
+                </a:gridCol>
+                <a:gridCol w="536972">
+                  <a:extLst>
+                    <a:ext uri="{9D8B030D-6E8A-4147-A177-3AD203B41FA5}">
+                      <a16:colId xmlns:a16="http://schemas.microsoft.com/office/drawing/2014/main" val="387841067"/>
+                    </a:ext>
+                  </a:extLst>
+                </a:gridCol>
+                <a:gridCol w="536972">
+                  <a:extLst>
+                    <a:ext uri="{9D8B030D-6E8A-4147-A177-3AD203B41FA5}">
+                      <a16:colId xmlns:a16="http://schemas.microsoft.com/office/drawing/2014/main" val="2317106339"/>
+                    </a:ext>
+                  </a:extLst>
+                </a:gridCol>
+                <a:gridCol w="536972">
+                  <a:extLst>
+                    <a:ext uri="{9D8B030D-6E8A-4147-A177-3AD203B41FA5}">
+                      <a16:colId xmlns:a16="http://schemas.microsoft.com/office/drawing/2014/main" val="3112262120"/>
+                    </a:ext>
+                  </a:extLst>
+                </a:gridCol>
+                <a:gridCol w="536972">
+                  <a:extLst>
+                    <a:ext uri="{9D8B030D-6E8A-4147-A177-3AD203B41FA5}">
+                      <a16:colId xmlns:a16="http://schemas.microsoft.com/office/drawing/2014/main" val="1492693499"/>
+                    </a:ext>
+                  </a:extLst>
+                </a:gridCol>
+              </a:tblGrid>
+              <a:tr h="530890">
+                <a:tc>
+                  <a:txBody>
+                    <a:bodyPr/>
+                    <a:lstStyle/>
+                    <a:p>
+                      <a:pPr algn="ctr"/>
+                      <a:r>
+                        <a:rPr lang="en-US" sz="1800" dirty="0">
+                          <a:solidFill>
+                            <a:schemeClr val="tx1"/>
+                          </a:solidFill>
+                        </a:rPr>
+                        <a:t>x</a:t>
+                      </a:r>
+                      <a:r>
+                        <a:rPr lang="en-US" sz="1800" baseline="-25000" dirty="0">
+                          <a:solidFill>
+                            <a:schemeClr val="tx1"/>
+                          </a:solidFill>
+                        </a:rPr>
+                        <a:t>1</a:t>
+                      </a:r>
+                      <a:endParaRPr lang="en-US" sz="1800" baseline="0" dirty="0">
+                        <a:solidFill>
+                          <a:schemeClr val="tx1"/>
+                        </a:solidFill>
+                      </a:endParaRPr>
+                    </a:p>
+                  </a:txBody>
+                  <a:tcPr marL="68580" marR="68580" marT="34290" marB="34290" anchor="ctr">
+                    <a:lnL w="38100" cap="flat" cmpd="sng" algn="ctr">
+                      <a:solidFill>
+                        <a:schemeClr val="tx1"/>
+                      </a:solidFill>
+                      <a:prstDash val="solid"/>
+                      <a:round/>
+                      <a:headEnd type="none" w="med" len="med"/>
+                      <a:tailEnd type="none" w="med" len="med"/>
+                    </a:lnL>
+                    <a:lnR w="38100" cap="flat" cmpd="sng" algn="ctr">
+                      <a:solidFill>
+                        <a:schemeClr val="tx1"/>
+                      </a:solidFill>
+                      <a:prstDash val="solid"/>
+                      <a:round/>
+                      <a:headEnd type="none" w="med" len="med"/>
+                      <a:tailEnd type="none" w="med" len="med"/>
+                    </a:lnR>
+                    <a:lnT w="38100" cap="flat" cmpd="sng" algn="ctr">
+                      <a:solidFill>
+                        <a:schemeClr val="tx1"/>
+                      </a:solidFill>
+                      <a:prstDash val="solid"/>
+                      <a:round/>
+                      <a:headEnd type="none" w="med" len="med"/>
+                      <a:tailEnd type="none" w="med" len="med"/>
+                    </a:lnT>
+                    <a:lnB w="38100" cap="flat" cmpd="sng" algn="ctr">
+                      <a:solidFill>
+                        <a:schemeClr val="tx1"/>
+                      </a:solidFill>
+                      <a:prstDash val="solid"/>
+                      <a:round/>
+                      <a:headEnd type="none" w="med" len="med"/>
+                      <a:tailEnd type="none" w="med" len="med"/>
+                    </a:lnB>
+                    <a:noFill/>
+                  </a:tcPr>
+                </a:tc>
+                <a:tc>
+                  <a:txBody>
+                    <a:bodyPr/>
+                    <a:lstStyle/>
+                    <a:p>
+                      <a:pPr algn="ctr"/>
+                      <a:r>
+                        <a:rPr lang="en-US" sz="1800" dirty="0">
+                          <a:solidFill>
+                            <a:schemeClr val="tx1"/>
+                          </a:solidFill>
+                        </a:rPr>
+                        <a:t>x</a:t>
+                      </a:r>
+                      <a:r>
+                        <a:rPr lang="en-US" sz="1800" baseline="-25000" dirty="0">
+                          <a:solidFill>
+                            <a:schemeClr val="tx1"/>
+                          </a:solidFill>
+                        </a:rPr>
+                        <a:t>2</a:t>
+                      </a:r>
+                    </a:p>
+                  </a:txBody>
+                  <a:tcPr marL="68580" marR="68580" marT="34290" marB="34290" anchor="ctr">
+                    <a:lnL w="38100" cap="flat" cmpd="sng" algn="ctr">
+                      <a:solidFill>
+                        <a:schemeClr val="tx1"/>
+                      </a:solidFill>
+                      <a:prstDash val="solid"/>
+                      <a:round/>
+                      <a:headEnd type="none" w="med" len="med"/>
+                      <a:tailEnd type="none" w="med" len="med"/>
+                    </a:lnL>
+                    <a:lnR w="38100" cap="flat" cmpd="sng" algn="ctr">
+                      <a:solidFill>
+                        <a:schemeClr val="tx1"/>
+                      </a:solidFill>
+                      <a:prstDash val="solid"/>
+                      <a:round/>
+                      <a:headEnd type="none" w="med" len="med"/>
+                      <a:tailEnd type="none" w="med" len="med"/>
+                    </a:lnR>
+                    <a:lnT w="38100" cap="flat" cmpd="sng" algn="ctr">
+                      <a:solidFill>
+                        <a:schemeClr val="tx1"/>
+                      </a:solidFill>
+                      <a:prstDash val="solid"/>
+                      <a:round/>
+                      <a:headEnd type="none" w="med" len="med"/>
+                      <a:tailEnd type="none" w="med" len="med"/>
+                    </a:lnT>
+                    <a:lnB w="38100" cap="flat" cmpd="sng" algn="ctr">
+                      <a:solidFill>
+                        <a:schemeClr val="tx1"/>
+                      </a:solidFill>
+                      <a:prstDash val="solid"/>
+                      <a:round/>
+                      <a:headEnd type="none" w="med" len="med"/>
+                      <a:tailEnd type="none" w="med" len="med"/>
+                    </a:lnB>
+                    <a:noFill/>
+                  </a:tcPr>
+                </a:tc>
+                <a:tc>
+                  <a:txBody>
+                    <a:bodyPr/>
+                    <a:lstStyle/>
+                    <a:p>
+                      <a:pPr algn="ctr"/>
+                      <a:r>
+                        <a:rPr lang="en-US" sz="1800" dirty="0">
+                          <a:solidFill>
+                            <a:schemeClr val="tx1"/>
+                          </a:solidFill>
+                        </a:rPr>
+                        <a:t>x</a:t>
+                      </a:r>
+                      <a:r>
+                        <a:rPr lang="en-US" sz="1800" baseline="-25000" dirty="0">
+                          <a:solidFill>
+                            <a:schemeClr val="tx1"/>
+                          </a:solidFill>
+                        </a:rPr>
+                        <a:t>3</a:t>
+                      </a:r>
+                    </a:p>
+                  </a:txBody>
+                  <a:tcPr marL="68580" marR="68580" marT="34290" marB="34290" anchor="ctr">
+                    <a:lnL w="38100" cap="flat" cmpd="sng" algn="ctr">
+                      <a:solidFill>
+                        <a:schemeClr val="tx1"/>
+                      </a:solidFill>
+                      <a:prstDash val="solid"/>
+                      <a:round/>
+                      <a:headEnd type="none" w="med" len="med"/>
+                      <a:tailEnd type="none" w="med" len="med"/>
+                    </a:lnL>
+                    <a:lnR w="38100" cap="flat" cmpd="sng" algn="ctr">
+                      <a:solidFill>
+                        <a:schemeClr val="tx1"/>
+                      </a:solidFill>
+                      <a:prstDash val="solid"/>
+                      <a:round/>
+                      <a:headEnd type="none" w="med" len="med"/>
+                      <a:tailEnd type="none" w="med" len="med"/>
+                    </a:lnR>
+                    <a:lnT w="38100" cap="flat" cmpd="sng" algn="ctr">
+                      <a:solidFill>
+                        <a:schemeClr val="tx1"/>
+                      </a:solidFill>
+                      <a:prstDash val="solid"/>
+                      <a:round/>
+                      <a:headEnd type="none" w="med" len="med"/>
+                      <a:tailEnd type="none" w="med" len="med"/>
+                    </a:lnT>
+                    <a:lnB w="38100" cap="flat" cmpd="sng" algn="ctr">
+                      <a:solidFill>
+                        <a:schemeClr val="tx1"/>
+                      </a:solidFill>
+                      <a:prstDash val="solid"/>
+                      <a:round/>
+                      <a:headEnd type="none" w="med" len="med"/>
+                      <a:tailEnd type="none" w="med" len="med"/>
+                    </a:lnB>
+                    <a:noFill/>
+                  </a:tcPr>
+                </a:tc>
+                <a:tc>
+                  <a:txBody>
+                    <a:bodyPr/>
+                    <a:lstStyle/>
+                    <a:p>
+                      <a:pPr algn="ctr"/>
+                      <a:r>
+                        <a:rPr lang="en-US" sz="1800" dirty="0">
+                          <a:solidFill>
+                            <a:schemeClr val="tx1"/>
+                          </a:solidFill>
+                        </a:rPr>
+                        <a:t>x</a:t>
+                      </a:r>
+                      <a:r>
+                        <a:rPr lang="en-US" sz="1800" baseline="-25000" dirty="0">
+                          <a:solidFill>
+                            <a:schemeClr val="tx1"/>
+                          </a:solidFill>
+                        </a:rPr>
+                        <a:t>4</a:t>
+                      </a:r>
+                    </a:p>
+                  </a:txBody>
+                  <a:tcPr marL="68580" marR="68580" marT="34290" marB="34290" anchor="ctr">
+                    <a:lnL w="38100" cap="flat" cmpd="sng" algn="ctr">
+                      <a:solidFill>
+                        <a:schemeClr val="tx1"/>
+                      </a:solidFill>
+                      <a:prstDash val="solid"/>
+                      <a:round/>
+                      <a:headEnd type="none" w="med" len="med"/>
+                      <a:tailEnd type="none" w="med" len="med"/>
+                    </a:lnL>
+                    <a:lnR w="38100" cap="flat" cmpd="sng" algn="ctr">
+                      <a:solidFill>
+                        <a:schemeClr val="tx1"/>
+                      </a:solidFill>
+                      <a:prstDash val="solid"/>
+                      <a:round/>
+                      <a:headEnd type="none" w="med" len="med"/>
+                      <a:tailEnd type="none" w="med" len="med"/>
+                    </a:lnR>
+                    <a:lnT w="38100" cap="flat" cmpd="sng" algn="ctr">
+                      <a:solidFill>
+                        <a:schemeClr val="tx1"/>
+                      </a:solidFill>
+                      <a:prstDash val="solid"/>
+                      <a:round/>
+                      <a:headEnd type="none" w="med" len="med"/>
+                      <a:tailEnd type="none" w="med" len="med"/>
+                    </a:lnT>
+                    <a:lnB w="38100" cap="flat" cmpd="sng" algn="ctr">
+                      <a:solidFill>
+                        <a:schemeClr val="tx1"/>
+                      </a:solidFill>
+                      <a:prstDash val="solid"/>
+                      <a:round/>
+                      <a:headEnd type="none" w="med" len="med"/>
+                      <a:tailEnd type="none" w="med" len="med"/>
+                    </a:lnB>
+                    <a:noFill/>
+                  </a:tcPr>
+                </a:tc>
+                <a:tc>
+                  <a:txBody>
+                    <a:bodyPr/>
+                    <a:lstStyle/>
+                    <a:p>
+                      <a:pPr algn="ctr"/>
+                      <a:r>
+                        <a:rPr lang="en-US" sz="1800" dirty="0">
+                          <a:solidFill>
+                            <a:schemeClr val="tx1"/>
+                          </a:solidFill>
+                        </a:rPr>
+                        <a:t>x</a:t>
+                      </a:r>
+                      <a:r>
+                        <a:rPr lang="en-US" sz="1800" baseline="-25000" dirty="0">
+                          <a:solidFill>
+                            <a:schemeClr val="tx1"/>
+                          </a:solidFill>
+                        </a:rPr>
+                        <a:t>5</a:t>
+                      </a:r>
+                    </a:p>
+                  </a:txBody>
+                  <a:tcPr marL="68580" marR="68580" marT="34290" marB="34290" anchor="ctr">
+                    <a:lnL w="38100" cap="flat" cmpd="sng" algn="ctr">
+                      <a:solidFill>
+                        <a:schemeClr val="tx1"/>
+                      </a:solidFill>
+                      <a:prstDash val="solid"/>
+                      <a:round/>
+                      <a:headEnd type="none" w="med" len="med"/>
+                      <a:tailEnd type="none" w="med" len="med"/>
+                    </a:lnL>
+                    <a:lnR w="38100" cap="flat" cmpd="sng" algn="ctr">
+                      <a:solidFill>
+                        <a:schemeClr val="tx1"/>
+                      </a:solidFill>
+                      <a:prstDash val="solid"/>
+                      <a:round/>
+                      <a:headEnd type="none" w="med" len="med"/>
+                      <a:tailEnd type="none" w="med" len="med"/>
+                    </a:lnR>
+                    <a:lnT w="38100" cap="flat" cmpd="sng" algn="ctr">
+                      <a:solidFill>
+                        <a:schemeClr val="tx1"/>
+                      </a:solidFill>
+                      <a:prstDash val="solid"/>
+                      <a:round/>
+                      <a:headEnd type="none" w="med" len="med"/>
+                      <a:tailEnd type="none" w="med" len="med"/>
+                    </a:lnT>
+                    <a:lnB w="38100" cap="flat" cmpd="sng" algn="ctr">
+                      <a:solidFill>
+                        <a:schemeClr val="tx1"/>
+                      </a:solidFill>
+                      <a:prstDash val="solid"/>
+                      <a:round/>
+                      <a:headEnd type="none" w="med" len="med"/>
+                      <a:tailEnd type="none" w="med" len="med"/>
+                    </a:lnB>
+                    <a:noFill/>
+                  </a:tcPr>
+                </a:tc>
+                <a:tc>
+                  <a:txBody>
+                    <a:bodyPr/>
+                    <a:lstStyle/>
+                    <a:p>
+                      <a:pPr algn="ctr"/>
+                      <a:r>
+                        <a:rPr lang="en-US" sz="1800" dirty="0">
+                          <a:solidFill>
+                            <a:schemeClr val="tx1"/>
+                          </a:solidFill>
+                        </a:rPr>
+                        <a:t>x</a:t>
+                      </a:r>
+                      <a:r>
+                        <a:rPr lang="en-US" sz="1800" baseline="-25000" dirty="0">
+                          <a:solidFill>
+                            <a:schemeClr val="tx1"/>
+                          </a:solidFill>
+                        </a:rPr>
+                        <a:t>6</a:t>
+                      </a:r>
+                    </a:p>
+                  </a:txBody>
+                  <a:tcPr marL="68580" marR="68580" marT="34290" marB="34290" anchor="ctr">
+                    <a:lnL w="38100" cap="flat" cmpd="sng" algn="ctr">
+                      <a:solidFill>
+                        <a:schemeClr val="tx1"/>
+                      </a:solidFill>
+                      <a:prstDash val="solid"/>
+                      <a:round/>
+                      <a:headEnd type="none" w="med" len="med"/>
+                      <a:tailEnd type="none" w="med" len="med"/>
+                    </a:lnL>
+                    <a:lnR w="38100" cap="flat" cmpd="sng" algn="ctr">
+                      <a:solidFill>
+                        <a:schemeClr val="tx1"/>
+                      </a:solidFill>
+                      <a:prstDash val="solid"/>
+                      <a:round/>
+                      <a:headEnd type="none" w="med" len="med"/>
+                      <a:tailEnd type="none" w="med" len="med"/>
+                    </a:lnR>
+                    <a:lnT w="38100" cap="flat" cmpd="sng" algn="ctr">
+                      <a:solidFill>
+                        <a:schemeClr val="tx1"/>
+                      </a:solidFill>
+                      <a:prstDash val="solid"/>
+                      <a:round/>
+                      <a:headEnd type="none" w="med" len="med"/>
+                      <a:tailEnd type="none" w="med" len="med"/>
+                    </a:lnT>
+                    <a:lnB w="38100" cap="flat" cmpd="sng" algn="ctr">
+                      <a:solidFill>
+                        <a:schemeClr val="tx1"/>
+                      </a:solidFill>
+                      <a:prstDash val="solid"/>
+                      <a:round/>
+                      <a:headEnd type="none" w="med" len="med"/>
+                      <a:tailEnd type="none" w="med" len="med"/>
+                    </a:lnB>
+                    <a:noFill/>
+                  </a:tcPr>
+                </a:tc>
+                <a:tc>
+                  <a:txBody>
+                    <a:bodyPr/>
+                    <a:lstStyle/>
+                    <a:p>
+                      <a:pPr algn="ctr"/>
+                      <a:r>
+                        <a:rPr lang="en-US" sz="1800" dirty="0">
+                          <a:solidFill>
+                            <a:schemeClr val="tx1"/>
+                          </a:solidFill>
+                        </a:rPr>
+                        <a:t>x</a:t>
+                      </a:r>
+                      <a:r>
+                        <a:rPr lang="en-US" sz="1800" baseline="-25000" dirty="0">
+                          <a:solidFill>
+                            <a:schemeClr val="tx1"/>
+                          </a:solidFill>
+                        </a:rPr>
+                        <a:t>7</a:t>
+                      </a:r>
+                    </a:p>
+                  </a:txBody>
+                  <a:tcPr marL="68580" marR="68580" marT="34290" marB="34290" anchor="ctr">
+                    <a:lnL w="38100" cap="flat" cmpd="sng" algn="ctr">
+                      <a:solidFill>
+                        <a:schemeClr val="tx1"/>
+                      </a:solidFill>
+                      <a:prstDash val="solid"/>
+                      <a:round/>
+                      <a:headEnd type="none" w="med" len="med"/>
+                      <a:tailEnd type="none" w="med" len="med"/>
+                    </a:lnL>
+                    <a:lnR w="38100" cap="flat" cmpd="sng" algn="ctr">
+                      <a:solidFill>
+                        <a:schemeClr val="tx1"/>
+                      </a:solidFill>
+                      <a:prstDash val="solid"/>
+                      <a:round/>
+                      <a:headEnd type="none" w="med" len="med"/>
+                      <a:tailEnd type="none" w="med" len="med"/>
+                    </a:lnR>
+                    <a:lnT w="38100" cap="flat" cmpd="sng" algn="ctr">
+                      <a:solidFill>
+                        <a:schemeClr val="tx1"/>
+                      </a:solidFill>
+                      <a:prstDash val="solid"/>
+                      <a:round/>
+                      <a:headEnd type="none" w="med" len="med"/>
+                      <a:tailEnd type="none" w="med" len="med"/>
+                    </a:lnT>
+                    <a:lnB w="38100" cap="flat" cmpd="sng" algn="ctr">
+                      <a:solidFill>
+                        <a:schemeClr val="tx1"/>
+                      </a:solidFill>
+                      <a:prstDash val="solid"/>
+                      <a:round/>
+                      <a:headEnd type="none" w="med" len="med"/>
+                      <a:tailEnd type="none" w="med" len="med"/>
+                    </a:lnB>
+                    <a:noFill/>
+                  </a:tcPr>
+                </a:tc>
+                <a:tc>
+                  <a:txBody>
+                    <a:bodyPr/>
+                    <a:lstStyle/>
+                    <a:p>
+                      <a:pPr algn="ctr"/>
+                      <a:r>
+                        <a:rPr lang="en-US" sz="1800" dirty="0">
+                          <a:solidFill>
+                            <a:schemeClr val="tx1"/>
+                          </a:solidFill>
+                        </a:rPr>
+                        <a:t>x</a:t>
+                      </a:r>
+                      <a:r>
+                        <a:rPr lang="en-US" sz="1800" baseline="-25000" dirty="0">
+                          <a:solidFill>
+                            <a:schemeClr val="tx1"/>
+                          </a:solidFill>
+                        </a:rPr>
+                        <a:t>8</a:t>
+                      </a:r>
+                    </a:p>
+                  </a:txBody>
+                  <a:tcPr marL="68580" marR="68580" marT="34290" marB="34290" anchor="ctr">
+                    <a:lnL w="38100" cap="flat" cmpd="sng" algn="ctr">
+                      <a:solidFill>
+                        <a:schemeClr val="tx1"/>
+                      </a:solidFill>
+                      <a:prstDash val="solid"/>
+                      <a:round/>
+                      <a:headEnd type="none" w="med" len="med"/>
+                      <a:tailEnd type="none" w="med" len="med"/>
+                    </a:lnL>
+                    <a:lnR w="38100" cap="flat" cmpd="sng" algn="ctr">
+                      <a:solidFill>
+                        <a:schemeClr val="tx1"/>
+                      </a:solidFill>
+                      <a:prstDash val="solid"/>
+                      <a:round/>
+                      <a:headEnd type="none" w="med" len="med"/>
+                      <a:tailEnd type="none" w="med" len="med"/>
+                    </a:lnR>
+                    <a:lnT w="38100" cap="flat" cmpd="sng" algn="ctr">
+                      <a:solidFill>
+                        <a:schemeClr val="tx1"/>
+                      </a:solidFill>
+                      <a:prstDash val="solid"/>
+                      <a:round/>
+                      <a:headEnd type="none" w="med" len="med"/>
+                      <a:tailEnd type="none" w="med" len="med"/>
+                    </a:lnT>
+                    <a:lnB w="38100" cap="flat" cmpd="sng" algn="ctr">
+                      <a:solidFill>
+                        <a:schemeClr val="tx1"/>
+                      </a:solidFill>
+                      <a:prstDash val="solid"/>
+                      <a:round/>
+                      <a:headEnd type="none" w="med" len="med"/>
+                      <a:tailEnd type="none" w="med" len="med"/>
+                    </a:lnB>
+                    <a:noFill/>
+                  </a:tcPr>
+                </a:tc>
+                <a:extLst>
+                  <a:ext uri="{0D108BD9-81ED-4DB2-BD59-A6C34878D82A}">
+                    <a16:rowId xmlns:a16="http://schemas.microsoft.com/office/drawing/2014/main" val="3775152605"/>
+                  </a:ext>
+                </a:extLst>
+              </a:tr>
+            </a:tbl>
+          </a:graphicData>
+        </a:graphic>
+      </p:graphicFrame>
+      <p:graphicFrame>
+        <p:nvGraphicFramePr>
+          <p:cNvPr id="7" name="Table 6">
+            <a:extLst>
+              <a:ext uri="{FF2B5EF4-FFF2-40B4-BE49-F238E27FC236}">
+                <a16:creationId xmlns:a16="http://schemas.microsoft.com/office/drawing/2014/main" id="{E279BE5B-8220-A361-C750-B05202E9FB49}"/>
+              </a:ext>
+            </a:extLst>
+          </p:cNvPr>
+          <p:cNvGraphicFramePr>
+            <a:graphicFrameLocks noGrp="1"/>
+          </p:cNvGraphicFramePr>
+          <p:nvPr/>
+        </p:nvGraphicFramePr>
+        <p:xfrm>
+          <a:off x="5933639" y="2416069"/>
+          <a:ext cx="542273" cy="530890"/>
+        </p:xfrm>
+        <a:graphic>
+          <a:graphicData uri="http://schemas.openxmlformats.org/drawingml/2006/table">
+            <a:tbl>
+              <a:tblPr firstRow="1" bandRow="1">
+                <a:tableStyleId>{5C22544A-7EE6-4342-B048-85BDC9FD1C3A}</a:tableStyleId>
+              </a:tblPr>
+              <a:tblGrid>
+                <a:gridCol w="542273">
+                  <a:extLst>
+                    <a:ext uri="{9D8B030D-6E8A-4147-A177-3AD203B41FA5}">
+                      <a16:colId xmlns:a16="http://schemas.microsoft.com/office/drawing/2014/main" val="4002730172"/>
+                    </a:ext>
+                  </a:extLst>
+                </a:gridCol>
+              </a:tblGrid>
+              <a:tr h="530890">
+                <a:tc>
+                  <a:txBody>
+                    <a:bodyPr/>
+                    <a:lstStyle/>
+                    <a:p>
+                      <a:pPr algn="ctr"/>
+                      <a:r>
+                        <a:rPr lang="en-US" sz="1000" dirty="0">
+                          <a:solidFill>
+                            <a:schemeClr val="tx1"/>
+                          </a:solidFill>
+                        </a:rPr>
+                        <a:t>y</a:t>
+                      </a:r>
+                    </a:p>
+                  </a:txBody>
+                  <a:tcPr marL="68580" marR="68580" marT="34290" marB="34290" anchor="ctr">
+                    <a:lnL w="38100" cap="flat" cmpd="sng" algn="ctr">
+                      <a:solidFill>
+                        <a:schemeClr val="tx1"/>
+                      </a:solidFill>
+                      <a:prstDash val="solid"/>
+                      <a:round/>
+                      <a:headEnd type="none" w="med" len="med"/>
+                      <a:tailEnd type="none" w="med" len="med"/>
+                    </a:lnL>
+                    <a:lnR w="38100" cap="flat" cmpd="sng" algn="ctr">
+                      <a:solidFill>
+                        <a:schemeClr val="tx1"/>
+                      </a:solidFill>
+                      <a:prstDash val="solid"/>
+                      <a:round/>
+                      <a:headEnd type="none" w="med" len="med"/>
+                      <a:tailEnd type="none" w="med" len="med"/>
+                    </a:lnR>
+                    <a:lnT w="38100" cap="flat" cmpd="sng" algn="ctr">
+                      <a:solidFill>
+                        <a:schemeClr val="tx1"/>
+                      </a:solidFill>
+                      <a:prstDash val="solid"/>
+                      <a:round/>
+                      <a:headEnd type="none" w="med" len="med"/>
+                      <a:tailEnd type="none" w="med" len="med"/>
+                    </a:lnT>
+                    <a:lnB w="38100" cap="flat" cmpd="sng" algn="ctr">
+                      <a:solidFill>
+                        <a:schemeClr val="tx1"/>
+                      </a:solidFill>
+                      <a:prstDash val="solid"/>
+                      <a:round/>
+                      <a:headEnd type="none" w="med" len="med"/>
+                      <a:tailEnd type="none" w="med" len="med"/>
+                    </a:lnB>
+                    <a:noFill/>
+                  </a:tcPr>
+                </a:tc>
+                <a:extLst>
+                  <a:ext uri="{0D108BD9-81ED-4DB2-BD59-A6C34878D82A}">
+                    <a16:rowId xmlns:a16="http://schemas.microsoft.com/office/drawing/2014/main" val="3775152605"/>
+                  </a:ext>
+                </a:extLst>
+              </a:tr>
+            </a:tbl>
+          </a:graphicData>
+        </a:graphic>
+      </p:graphicFrame>
+      <p:cxnSp>
+        <p:nvCxnSpPr>
+          <p:cNvPr id="8" name="Straight Arrow Connector 7">
+            <a:extLst>
+              <a:ext uri="{FF2B5EF4-FFF2-40B4-BE49-F238E27FC236}">
+                <a16:creationId xmlns:a16="http://schemas.microsoft.com/office/drawing/2014/main" id="{46C25AC8-44E6-38F4-A71C-8D492E23B560}"/>
+              </a:ext>
+            </a:extLst>
+          </p:cNvPr>
+          <p:cNvCxnSpPr>
+            <a:cxnSpLocks/>
+          </p:cNvCxnSpPr>
+          <p:nvPr/>
+        </p:nvCxnSpPr>
+        <p:spPr>
+          <a:xfrm flipV="1">
+            <a:off x="579904" y="2948746"/>
+            <a:ext cx="1926206" cy="921552"/>
+          </a:xfrm>
+          <a:prstGeom prst="straightConnector1">
+            <a:avLst/>
+          </a:prstGeom>
+          <a:ln>
+            <a:solidFill>
+              <a:schemeClr val="tx1"/>
+            </a:solidFill>
+            <a:tailEnd type="triangle"/>
+          </a:ln>
+        </p:spPr>
+        <p:style>
+          <a:lnRef idx="2">
+            <a:schemeClr val="dk1"/>
+          </a:lnRef>
+          <a:fillRef idx="0">
+            <a:schemeClr val="dk1"/>
+          </a:fillRef>
+          <a:effectRef idx="1">
+            <a:schemeClr val="dk1"/>
+          </a:effectRef>
+          <a:fontRef idx="minor">
+            <a:schemeClr val="tx1"/>
+          </a:fontRef>
+        </p:style>
+      </p:cxnSp>
+      <p:cxnSp>
+        <p:nvCxnSpPr>
+          <p:cNvPr id="9" name="Straight Arrow Connector 8">
+            <a:extLst>
+              <a:ext uri="{FF2B5EF4-FFF2-40B4-BE49-F238E27FC236}">
+                <a16:creationId xmlns:a16="http://schemas.microsoft.com/office/drawing/2014/main" id="{90D47908-220F-D51B-7AB7-A6D983EBAAC6}"/>
+              </a:ext>
+            </a:extLst>
+          </p:cNvPr>
+          <p:cNvCxnSpPr>
+            <a:cxnSpLocks/>
+          </p:cNvCxnSpPr>
+          <p:nvPr/>
+        </p:nvCxnSpPr>
+        <p:spPr>
+          <a:xfrm flipV="1">
+            <a:off x="1122829" y="2948746"/>
+            <a:ext cx="1383281" cy="921552"/>
+          </a:xfrm>
+          <a:prstGeom prst="straightConnector1">
+            <a:avLst/>
+          </a:prstGeom>
+          <a:ln>
+            <a:solidFill>
+              <a:schemeClr val="tx1"/>
+            </a:solidFill>
+            <a:tailEnd type="triangle"/>
+          </a:ln>
+        </p:spPr>
+        <p:style>
+          <a:lnRef idx="2">
+            <a:schemeClr val="dk1"/>
+          </a:lnRef>
+          <a:fillRef idx="0">
+            <a:schemeClr val="dk1"/>
+          </a:fillRef>
+          <a:effectRef idx="1">
+            <a:schemeClr val="dk1"/>
+          </a:effectRef>
+          <a:fontRef idx="minor">
+            <a:schemeClr val="tx1"/>
+          </a:fontRef>
+        </p:style>
+      </p:cxnSp>
+      <p:cxnSp>
+        <p:nvCxnSpPr>
+          <p:cNvPr id="10" name="Straight Arrow Connector 9">
+            <a:extLst>
+              <a:ext uri="{FF2B5EF4-FFF2-40B4-BE49-F238E27FC236}">
+                <a16:creationId xmlns:a16="http://schemas.microsoft.com/office/drawing/2014/main" id="{85F47F0C-DD56-A745-F98A-C314A3D85D70}"/>
+              </a:ext>
+            </a:extLst>
+          </p:cNvPr>
+          <p:cNvCxnSpPr>
+            <a:cxnSpLocks/>
+          </p:cNvCxnSpPr>
+          <p:nvPr/>
+        </p:nvCxnSpPr>
+        <p:spPr>
+          <a:xfrm flipH="1" flipV="1">
+            <a:off x="2506109" y="2948746"/>
+            <a:ext cx="754631" cy="917976"/>
+          </a:xfrm>
+          <a:prstGeom prst="straightConnector1">
+            <a:avLst/>
+          </a:prstGeom>
+          <a:ln>
+            <a:solidFill>
+              <a:schemeClr val="tx1"/>
+            </a:solidFill>
+            <a:tailEnd type="triangle"/>
+          </a:ln>
+        </p:spPr>
+        <p:style>
+          <a:lnRef idx="2">
+            <a:schemeClr val="dk1"/>
+          </a:lnRef>
+          <a:fillRef idx="0">
+            <a:schemeClr val="dk1"/>
+          </a:fillRef>
+          <a:effectRef idx="1">
+            <a:schemeClr val="dk1"/>
+          </a:effectRef>
+          <a:fontRef idx="minor">
+            <a:schemeClr val="tx1"/>
+          </a:fontRef>
+        </p:style>
+      </p:cxnSp>
+      <p:cxnSp>
+        <p:nvCxnSpPr>
+          <p:cNvPr id="11" name="Straight Arrow Connector 10">
+            <a:extLst>
+              <a:ext uri="{FF2B5EF4-FFF2-40B4-BE49-F238E27FC236}">
+                <a16:creationId xmlns:a16="http://schemas.microsoft.com/office/drawing/2014/main" id="{DF1B5F3F-3DFC-371B-E1BC-A3CCAA57F4E7}"/>
+              </a:ext>
+            </a:extLst>
+          </p:cNvPr>
+          <p:cNvCxnSpPr>
+            <a:cxnSpLocks/>
+          </p:cNvCxnSpPr>
+          <p:nvPr/>
+        </p:nvCxnSpPr>
+        <p:spPr>
+          <a:xfrm flipV="1">
+            <a:off x="1690106" y="2948746"/>
+            <a:ext cx="816004" cy="917976"/>
+          </a:xfrm>
+          <a:prstGeom prst="straightConnector1">
+            <a:avLst/>
+          </a:prstGeom>
+          <a:ln>
+            <a:solidFill>
+              <a:schemeClr val="tx1"/>
+            </a:solidFill>
+            <a:tailEnd type="triangle"/>
+          </a:ln>
+        </p:spPr>
+        <p:style>
+          <a:lnRef idx="2">
+            <a:schemeClr val="dk1"/>
+          </a:lnRef>
+          <a:fillRef idx="0">
+            <a:schemeClr val="dk1"/>
+          </a:fillRef>
+          <a:effectRef idx="1">
+            <a:schemeClr val="dk1"/>
+          </a:effectRef>
+          <a:fontRef idx="minor">
+            <a:schemeClr val="tx1"/>
+          </a:fontRef>
+        </p:style>
+      </p:cxnSp>
+      <p:cxnSp>
+        <p:nvCxnSpPr>
+          <p:cNvPr id="12" name="Straight Arrow Connector 11">
+            <a:extLst>
+              <a:ext uri="{FF2B5EF4-FFF2-40B4-BE49-F238E27FC236}">
+                <a16:creationId xmlns:a16="http://schemas.microsoft.com/office/drawing/2014/main" id="{D3D115D4-68EA-34E6-9615-3FC7119D6992}"/>
+              </a:ext>
+            </a:extLst>
+          </p:cNvPr>
+          <p:cNvCxnSpPr>
+            <a:cxnSpLocks/>
+          </p:cNvCxnSpPr>
+          <p:nvPr/>
+        </p:nvCxnSpPr>
+        <p:spPr>
+          <a:xfrm flipV="1">
+            <a:off x="2200232" y="2948746"/>
+            <a:ext cx="305878" cy="917976"/>
+          </a:xfrm>
+          <a:prstGeom prst="straightConnector1">
+            <a:avLst/>
+          </a:prstGeom>
+          <a:ln>
+            <a:solidFill>
+              <a:schemeClr val="tx1"/>
+            </a:solidFill>
+            <a:tailEnd type="triangle"/>
+          </a:ln>
+        </p:spPr>
+        <p:style>
+          <a:lnRef idx="2">
+            <a:schemeClr val="dk1"/>
+          </a:lnRef>
+          <a:fillRef idx="0">
+            <a:schemeClr val="dk1"/>
+          </a:fillRef>
+          <a:effectRef idx="1">
+            <a:schemeClr val="dk1"/>
+          </a:effectRef>
+          <a:fontRef idx="minor">
+            <a:schemeClr val="tx1"/>
+          </a:fontRef>
+        </p:style>
+      </p:cxnSp>
+      <p:cxnSp>
+        <p:nvCxnSpPr>
+          <p:cNvPr id="13" name="Straight Arrow Connector 12">
+            <a:extLst>
+              <a:ext uri="{FF2B5EF4-FFF2-40B4-BE49-F238E27FC236}">
+                <a16:creationId xmlns:a16="http://schemas.microsoft.com/office/drawing/2014/main" id="{730284EE-1BEA-5F39-CEDF-C5B8C1C8C0B5}"/>
+              </a:ext>
+            </a:extLst>
+          </p:cNvPr>
+          <p:cNvCxnSpPr>
+            <a:cxnSpLocks/>
+          </p:cNvCxnSpPr>
+          <p:nvPr/>
+        </p:nvCxnSpPr>
+        <p:spPr>
+          <a:xfrm flipH="1" flipV="1">
+            <a:off x="2506110" y="2948746"/>
+            <a:ext cx="257175" cy="917976"/>
+          </a:xfrm>
+          <a:prstGeom prst="straightConnector1">
+            <a:avLst/>
+          </a:prstGeom>
+          <a:ln>
+            <a:solidFill>
+              <a:schemeClr val="tx1"/>
+            </a:solidFill>
+            <a:tailEnd type="triangle"/>
+          </a:ln>
+        </p:spPr>
+        <p:style>
+          <a:lnRef idx="2">
+            <a:schemeClr val="dk1"/>
+          </a:lnRef>
+          <a:fillRef idx="0">
+            <a:schemeClr val="dk1"/>
+          </a:fillRef>
+          <a:effectRef idx="1">
+            <a:schemeClr val="dk1"/>
+          </a:effectRef>
+          <a:fontRef idx="minor">
+            <a:schemeClr val="tx1"/>
+          </a:fontRef>
+        </p:style>
+      </p:cxnSp>
+      <p:cxnSp>
+        <p:nvCxnSpPr>
+          <p:cNvPr id="14" name="Straight Arrow Connector 13">
+            <a:extLst>
+              <a:ext uri="{FF2B5EF4-FFF2-40B4-BE49-F238E27FC236}">
+                <a16:creationId xmlns:a16="http://schemas.microsoft.com/office/drawing/2014/main" id="{3B0A8527-019C-100D-AC48-0C762B65A197}"/>
+              </a:ext>
+            </a:extLst>
+          </p:cNvPr>
+          <p:cNvCxnSpPr>
+            <a:cxnSpLocks/>
+          </p:cNvCxnSpPr>
+          <p:nvPr/>
+        </p:nvCxnSpPr>
+        <p:spPr>
+          <a:xfrm flipH="1" flipV="1">
+            <a:off x="2506110" y="2948746"/>
+            <a:ext cx="1371600" cy="917976"/>
+          </a:xfrm>
+          <a:prstGeom prst="straightConnector1">
+            <a:avLst/>
+          </a:prstGeom>
+          <a:ln>
+            <a:solidFill>
+              <a:schemeClr val="tx1"/>
+            </a:solidFill>
+            <a:tailEnd type="triangle"/>
+          </a:ln>
+        </p:spPr>
+        <p:style>
+          <a:lnRef idx="2">
+            <a:schemeClr val="dk1"/>
+          </a:lnRef>
+          <a:fillRef idx="0">
+            <a:schemeClr val="dk1"/>
+          </a:fillRef>
+          <a:effectRef idx="1">
+            <a:schemeClr val="dk1"/>
+          </a:effectRef>
+          <a:fontRef idx="minor">
+            <a:schemeClr val="tx1"/>
+          </a:fontRef>
+        </p:style>
+      </p:cxnSp>
+      <p:cxnSp>
+        <p:nvCxnSpPr>
+          <p:cNvPr id="15" name="Straight Arrow Connector 14">
+            <a:extLst>
+              <a:ext uri="{FF2B5EF4-FFF2-40B4-BE49-F238E27FC236}">
+                <a16:creationId xmlns:a16="http://schemas.microsoft.com/office/drawing/2014/main" id="{6BCD5F2D-ACAB-B11A-D476-E5CC1AD91F4F}"/>
+              </a:ext>
+            </a:extLst>
+          </p:cNvPr>
+          <p:cNvCxnSpPr>
+            <a:cxnSpLocks/>
+          </p:cNvCxnSpPr>
+          <p:nvPr/>
+        </p:nvCxnSpPr>
+        <p:spPr>
+          <a:xfrm flipH="1" flipV="1">
+            <a:off x="2506109" y="2948746"/>
+            <a:ext cx="1867604" cy="917976"/>
+          </a:xfrm>
+          <a:prstGeom prst="straightConnector1">
+            <a:avLst/>
+          </a:prstGeom>
+          <a:ln>
+            <a:solidFill>
+              <a:schemeClr val="tx1"/>
+            </a:solidFill>
+            <a:tailEnd type="triangle"/>
+          </a:ln>
+        </p:spPr>
+        <p:style>
+          <a:lnRef idx="2">
+            <a:schemeClr val="dk1"/>
+          </a:lnRef>
+          <a:fillRef idx="0">
+            <a:schemeClr val="dk1"/>
+          </a:fillRef>
+          <a:effectRef idx="1">
+            <a:schemeClr val="dk1"/>
+          </a:effectRef>
+          <a:fontRef idx="minor">
+            <a:schemeClr val="tx1"/>
+          </a:fontRef>
+        </p:style>
+      </p:cxnSp>
+      <p:cxnSp>
+        <p:nvCxnSpPr>
+          <p:cNvPr id="16" name="Straight Arrow Connector 15">
+            <a:extLst>
+              <a:ext uri="{FF2B5EF4-FFF2-40B4-BE49-F238E27FC236}">
+                <a16:creationId xmlns:a16="http://schemas.microsoft.com/office/drawing/2014/main" id="{76B114CB-7A0A-94FE-034B-D3780A09DD55}"/>
+              </a:ext>
+            </a:extLst>
+          </p:cNvPr>
+          <p:cNvCxnSpPr>
+            <a:cxnSpLocks/>
+            <a:stCxn id="18" idx="3"/>
+          </p:cNvCxnSpPr>
+          <p:nvPr/>
+        </p:nvCxnSpPr>
+        <p:spPr>
+          <a:xfrm>
+            <a:off x="2911207" y="2681513"/>
+            <a:ext cx="1160044" cy="0"/>
+          </a:xfrm>
+          <a:prstGeom prst="straightConnector1">
+            <a:avLst/>
+          </a:prstGeom>
+          <a:ln>
+            <a:tailEnd type="triangle"/>
+          </a:ln>
+        </p:spPr>
+        <p:style>
+          <a:lnRef idx="2">
+            <a:schemeClr val="dk1"/>
+          </a:lnRef>
+          <a:fillRef idx="0">
+            <a:schemeClr val="dk1"/>
+          </a:fillRef>
+          <a:effectRef idx="1">
+            <a:schemeClr val="dk1"/>
+          </a:effectRef>
+          <a:fontRef idx="minor">
+            <a:schemeClr val="tx1"/>
+          </a:fontRef>
+        </p:style>
+      </p:cxnSp>
+      <mc:AlternateContent xmlns:mc="http://schemas.openxmlformats.org/markup-compatibility/2006" xmlns:a14="http://schemas.microsoft.com/office/drawing/2010/main">
+        <mc:Choice Requires="a14">
+          <p:sp>
+            <p:nvSpPr>
+              <p:cNvPr id="17" name="TextBox 16">
+                <a:extLst>
+                  <a:ext uri="{FF2B5EF4-FFF2-40B4-BE49-F238E27FC236}">
+                    <a16:creationId xmlns:a16="http://schemas.microsoft.com/office/drawing/2014/main" id="{762907C1-88CE-BE8C-60F6-66D72E7D5BF1}"/>
+                  </a:ext>
+                </a:extLst>
+              </p:cNvPr>
+              <p:cNvSpPr txBox="1"/>
+              <p:nvPr/>
+            </p:nvSpPr>
+            <p:spPr>
+              <a:xfrm>
+                <a:off x="970973" y="3181553"/>
+                <a:ext cx="3056927" cy="315727"/>
+              </a:xfrm>
+              <a:prstGeom prst="rect">
+                <a:avLst/>
+              </a:prstGeom>
+              <a:noFill/>
+            </p:spPr>
+            <p:txBody>
+              <a:bodyPr wrap="none" lIns="0" tIns="0" rIns="0" bIns="0" rtlCol="0">
+                <a:spAutoFit/>
+              </a:bodyPr>
+              <a:lstStyle/>
+              <a:p>
+                <a:pPr/>
+                <a14:m>
+                  <m:oMathPara xmlns:m="http://schemas.openxmlformats.org/officeDocument/2006/math">
+                    <m:oMathParaPr>
+                      <m:jc m:val="centerGroup"/>
+                    </m:oMathParaPr>
+                    <m:oMath xmlns:m="http://schemas.openxmlformats.org/officeDocument/2006/math">
+                      <m:r>
+                        <a:rPr lang="en-US" sz="2100" i="1" smtClean="0">
+                          <a:latin typeface="Cambria Math" panose="02040503050406030204" pitchFamily="18" charset="0"/>
+                        </a:rPr>
+                        <m:t>𝛽</m:t>
+                      </m:r>
+                      <m:r>
+                        <a:rPr lang="en-US" sz="2100" b="0" i="1" baseline="-25000" smtClean="0">
+                          <a:latin typeface="Cambria Math" panose="02040503050406030204" pitchFamily="18" charset="0"/>
+                        </a:rPr>
+                        <m:t>1</m:t>
+                      </m:r>
+                      <m:r>
+                        <a:rPr lang="en-US" sz="2100" i="1">
+                          <a:latin typeface="Cambria Math" panose="02040503050406030204" pitchFamily="18" charset="0"/>
+                        </a:rPr>
+                        <m:t>                                          </m:t>
+                      </m:r>
+                      <m:r>
+                        <a:rPr lang="en-US" sz="2100" i="1">
+                          <a:latin typeface="Cambria Math" panose="02040503050406030204" pitchFamily="18" charset="0"/>
+                        </a:rPr>
+                        <m:t>𝛽</m:t>
+                      </m:r>
+                      <m:r>
+                        <a:rPr lang="en-US" sz="2100" b="0" i="1" baseline="-25000" smtClean="0">
+                          <a:latin typeface="Cambria Math" panose="02040503050406030204" pitchFamily="18" charset="0"/>
+                        </a:rPr>
+                        <m:t>8</m:t>
+                      </m:r>
+                    </m:oMath>
+                  </m:oMathPara>
+                </a14:m>
+                <a:endParaRPr lang="en-US" sz="2100" baseline="-25000" dirty="0"/>
+              </a:p>
+            </p:txBody>
+          </p:sp>
+        </mc:Choice>
+        <mc:Fallback xmlns="">
+          <p:sp>
+            <p:nvSpPr>
+              <p:cNvPr id="17" name="TextBox 16">
+                <a:extLst>
+                  <a:ext uri="{FF2B5EF4-FFF2-40B4-BE49-F238E27FC236}">
+                    <a16:creationId xmlns:a16="http://schemas.microsoft.com/office/drawing/2014/main" id="{762907C1-88CE-BE8C-60F6-66D72E7D5BF1}"/>
+                  </a:ext>
+                </a:extLst>
+              </p:cNvPr>
+              <p:cNvSpPr txBox="1">
+                <a:spLocks noRot="1" noChangeAspect="1" noMove="1" noResize="1" noEditPoints="1" noAdjustHandles="1" noChangeArrowheads="1" noChangeShapeType="1" noTextEdit="1"/>
+              </p:cNvSpPr>
+              <p:nvPr/>
+            </p:nvSpPr>
+            <p:spPr>
+              <a:xfrm>
+                <a:off x="970973" y="3181553"/>
+                <a:ext cx="3056927" cy="315727"/>
+              </a:xfrm>
+              <a:prstGeom prst="rect">
+                <a:avLst/>
+              </a:prstGeom>
+              <a:blipFill>
+                <a:blip r:embed="rId3"/>
+                <a:stretch>
+                  <a:fillRect l="-2893" t="-7692" r="-826" b="-42308"/>
+                </a:stretch>
+              </a:blipFill>
+            </p:spPr>
+            <p:txBody>
+              <a:bodyPr/>
+              <a:lstStyle/>
+              <a:p>
+                <a:r>
+                  <a:rPr lang="en-US">
+                    <a:noFill/>
+                  </a:rPr>
+                  <a:t> </a:t>
+                </a:r>
+              </a:p>
+            </p:txBody>
+          </p:sp>
+        </mc:Fallback>
+      </mc:AlternateContent>
+      <p:graphicFrame>
+        <p:nvGraphicFramePr>
+          <p:cNvPr id="18" name="Table 17">
+            <a:extLst>
+              <a:ext uri="{FF2B5EF4-FFF2-40B4-BE49-F238E27FC236}">
+                <a16:creationId xmlns:a16="http://schemas.microsoft.com/office/drawing/2014/main" id="{A7F595C6-2B85-4AC0-95AF-0388EC174F47}"/>
+              </a:ext>
+            </a:extLst>
+          </p:cNvPr>
+          <p:cNvGraphicFramePr>
+            <a:graphicFrameLocks noGrp="1"/>
+          </p:cNvGraphicFramePr>
+          <p:nvPr/>
+        </p:nvGraphicFramePr>
+        <p:xfrm>
+          <a:off x="2140303" y="2416069"/>
+          <a:ext cx="770905" cy="530890"/>
+        </p:xfrm>
+        <a:graphic>
+          <a:graphicData uri="http://schemas.openxmlformats.org/drawingml/2006/table">
+            <a:tbl>
+              <a:tblPr firstRow="1" bandRow="1">
+                <a:tableStyleId>{5C22544A-7EE6-4342-B048-85BDC9FD1C3A}</a:tableStyleId>
+              </a:tblPr>
+              <a:tblGrid>
+                <a:gridCol w="770905">
+                  <a:extLst>
+                    <a:ext uri="{9D8B030D-6E8A-4147-A177-3AD203B41FA5}">
+                      <a16:colId xmlns:a16="http://schemas.microsoft.com/office/drawing/2014/main" val="4002730172"/>
+                    </a:ext>
+                  </a:extLst>
+                </a:gridCol>
+              </a:tblGrid>
+              <a:tr h="530890">
+                <a:tc>
+                  <a:txBody>
+                    <a:bodyPr/>
+                    <a:lstStyle/>
+                    <a:p>
+                      <a:pPr algn="ctr"/>
+                      <a:r>
+                        <a:rPr lang="en-US" sz="1000" dirty="0">
+                          <a:solidFill>
+                            <a:schemeClr val="tx1"/>
+                          </a:solidFill>
+                        </a:rPr>
+                        <a:t>LOG ODDS</a:t>
+                      </a:r>
+                    </a:p>
+                  </a:txBody>
+                  <a:tcPr marL="68580" marR="68580" marT="34290" marB="34290" anchor="ctr">
+                    <a:lnL w="38100" cap="flat" cmpd="sng" algn="ctr">
+                      <a:solidFill>
+                        <a:schemeClr val="tx1"/>
+                      </a:solidFill>
+                      <a:prstDash val="solid"/>
+                      <a:round/>
+                      <a:headEnd type="none" w="med" len="med"/>
+                      <a:tailEnd type="none" w="med" len="med"/>
+                    </a:lnL>
+                    <a:lnR w="38100" cap="flat" cmpd="sng" algn="ctr">
+                      <a:solidFill>
+                        <a:schemeClr val="tx1"/>
+                      </a:solidFill>
+                      <a:prstDash val="solid"/>
+                      <a:round/>
+                      <a:headEnd type="none" w="med" len="med"/>
+                      <a:tailEnd type="none" w="med" len="med"/>
+                    </a:lnR>
+                    <a:lnT w="38100" cap="flat" cmpd="sng" algn="ctr">
+                      <a:solidFill>
+                        <a:schemeClr val="tx1"/>
+                      </a:solidFill>
+                      <a:prstDash val="solid"/>
+                      <a:round/>
+                      <a:headEnd type="none" w="med" len="med"/>
+                      <a:tailEnd type="none" w="med" len="med"/>
+                    </a:lnT>
+                    <a:lnB w="38100" cap="flat" cmpd="sng" algn="ctr">
+                      <a:solidFill>
+                        <a:schemeClr val="tx1"/>
+                      </a:solidFill>
+                      <a:prstDash val="solid"/>
+                      <a:round/>
+                      <a:headEnd type="none" w="med" len="med"/>
+                      <a:tailEnd type="none" w="med" len="med"/>
+                    </a:lnB>
+                    <a:noFill/>
+                  </a:tcPr>
+                </a:tc>
+                <a:extLst>
+                  <a:ext uri="{0D108BD9-81ED-4DB2-BD59-A6C34878D82A}">
+                    <a16:rowId xmlns:a16="http://schemas.microsoft.com/office/drawing/2014/main" val="3775152605"/>
+                  </a:ext>
+                </a:extLst>
+              </a:tr>
+            </a:tbl>
+          </a:graphicData>
+        </a:graphic>
+      </p:graphicFrame>
+      <p:sp>
+        <p:nvSpPr>
+          <p:cNvPr id="19" name="Oval 18">
+            <a:extLst>
+              <a:ext uri="{FF2B5EF4-FFF2-40B4-BE49-F238E27FC236}">
+                <a16:creationId xmlns:a16="http://schemas.microsoft.com/office/drawing/2014/main" id="{8554B15B-3D39-88CF-EEC5-73CCD3AF381D}"/>
+              </a:ext>
+            </a:extLst>
+          </p:cNvPr>
+          <p:cNvSpPr/>
+          <p:nvPr/>
+        </p:nvSpPr>
+        <p:spPr>
+          <a:xfrm>
+            <a:off x="4071251" y="2446362"/>
+            <a:ext cx="452115" cy="470301"/>
+          </a:xfrm>
+          <a:prstGeom prst="ellipse">
+            <a:avLst/>
+          </a:prstGeom>
+        </p:spPr>
+        <p:style>
+          <a:lnRef idx="2">
+            <a:schemeClr val="dk1"/>
+          </a:lnRef>
+          <a:fillRef idx="1">
+            <a:schemeClr val="lt1"/>
+          </a:fillRef>
+          <a:effectRef idx="0">
+            <a:schemeClr val="dk1"/>
+          </a:effectRef>
+          <a:fontRef idx="minor">
+            <a:schemeClr val="dk1"/>
+          </a:fontRef>
+        </p:style>
+        <p:txBody>
+          <a:bodyPr rtlCol="0" anchor="b"/>
+          <a:lstStyle/>
+          <a:p>
+            <a:pPr algn="ctr"/>
+            <a:r>
+              <a:rPr lang="en-US" sz="2100" dirty="0">
+                <a:solidFill>
+                  <a:schemeClr val="tx1"/>
+                </a:solidFill>
+              </a:rPr>
+              <a:t>𝜎</a:t>
+            </a:r>
+            <a:endParaRPr lang="en-US" sz="1350" dirty="0">
+              <a:solidFill>
+                <a:schemeClr val="tx1"/>
+              </a:solidFill>
+            </a:endParaRPr>
+          </a:p>
+        </p:txBody>
+      </p:sp>
+      <p:cxnSp>
+        <p:nvCxnSpPr>
+          <p:cNvPr id="20" name="Straight Arrow Connector 19">
+            <a:extLst>
+              <a:ext uri="{FF2B5EF4-FFF2-40B4-BE49-F238E27FC236}">
+                <a16:creationId xmlns:a16="http://schemas.microsoft.com/office/drawing/2014/main" id="{217D903D-341D-C931-5566-E8AF4334F8DB}"/>
+              </a:ext>
+            </a:extLst>
+          </p:cNvPr>
+          <p:cNvCxnSpPr>
+            <a:cxnSpLocks/>
+            <a:endCxn id="7" idx="1"/>
+          </p:cNvCxnSpPr>
+          <p:nvPr/>
+        </p:nvCxnSpPr>
+        <p:spPr>
+          <a:xfrm>
+            <a:off x="4523365" y="2681513"/>
+            <a:ext cx="1410274" cy="0"/>
+          </a:xfrm>
+          <a:prstGeom prst="straightConnector1">
+            <a:avLst/>
+          </a:prstGeom>
+          <a:ln>
+            <a:tailEnd type="triangle"/>
+          </a:ln>
+        </p:spPr>
+        <p:style>
+          <a:lnRef idx="2">
+            <a:schemeClr val="dk1"/>
+          </a:lnRef>
+          <a:fillRef idx="0">
+            <a:schemeClr val="dk1"/>
+          </a:fillRef>
+          <a:effectRef idx="1">
+            <a:schemeClr val="dk1"/>
+          </a:effectRef>
+          <a:fontRef idx="minor">
+            <a:schemeClr val="tx1"/>
+          </a:fontRef>
+        </p:style>
+      </p:cxnSp>
+      <p:sp>
+        <p:nvSpPr>
+          <p:cNvPr id="21" name="TextBox 20">
+            <a:extLst>
+              <a:ext uri="{FF2B5EF4-FFF2-40B4-BE49-F238E27FC236}">
+                <a16:creationId xmlns:a16="http://schemas.microsoft.com/office/drawing/2014/main" id="{A0141936-0CF3-92EC-2D36-0E8C38AAA212}"/>
+              </a:ext>
+            </a:extLst>
+          </p:cNvPr>
+          <p:cNvSpPr txBox="1"/>
+          <p:nvPr/>
+        </p:nvSpPr>
+        <p:spPr>
+          <a:xfrm rot="16200000">
+            <a:off x="1918085" y="2830063"/>
+            <a:ext cx="1105066" cy="4247317"/>
+          </a:xfrm>
+          <a:prstGeom prst="rect">
+            <a:avLst/>
+          </a:prstGeom>
+          <a:noFill/>
+        </p:spPr>
+        <p:txBody>
+          <a:bodyPr wrap="square" numCol="1" rtlCol="0">
+            <a:spAutoFit/>
+          </a:bodyPr>
+          <a:lstStyle/>
+          <a:p>
+            <a:pPr algn="r">
+              <a:spcAft>
+                <a:spcPts val="900"/>
+              </a:spcAft>
+            </a:pPr>
+            <a:r>
+              <a:rPr lang="en-US" sz="1100" dirty="0"/>
+              <a:t>age</a:t>
+            </a:r>
+          </a:p>
+          <a:p>
+            <a:pPr algn="r">
+              <a:spcAft>
+                <a:spcPts val="900"/>
+              </a:spcAft>
+            </a:pPr>
+            <a:endParaRPr lang="en-US" sz="1100" dirty="0"/>
+          </a:p>
+          <a:p>
+            <a:pPr algn="r">
+              <a:spcAft>
+                <a:spcPts val="900"/>
+              </a:spcAft>
+            </a:pPr>
+            <a:r>
+              <a:rPr lang="en-US" sz="1100" dirty="0"/>
+              <a:t>sex</a:t>
+            </a:r>
+          </a:p>
+          <a:p>
+            <a:pPr algn="r">
+              <a:spcAft>
+                <a:spcPts val="900"/>
+              </a:spcAft>
+            </a:pPr>
+            <a:endParaRPr lang="en-US" sz="1100" dirty="0"/>
+          </a:p>
+          <a:p>
+            <a:pPr algn="r">
+              <a:spcAft>
+                <a:spcPts val="900"/>
+              </a:spcAft>
+            </a:pPr>
+            <a:r>
+              <a:rPr lang="en-US" sz="1100" dirty="0"/>
+              <a:t>SBP</a:t>
+            </a:r>
+          </a:p>
+          <a:p>
+            <a:pPr algn="r">
+              <a:spcAft>
+                <a:spcPts val="900"/>
+              </a:spcAft>
+            </a:pPr>
+            <a:endParaRPr lang="en-US" sz="1100" dirty="0"/>
+          </a:p>
+          <a:p>
+            <a:pPr algn="r">
+              <a:spcAft>
+                <a:spcPts val="900"/>
+              </a:spcAft>
+            </a:pPr>
+            <a:r>
+              <a:rPr lang="en-US" sz="1100" dirty="0"/>
+              <a:t>HR</a:t>
+            </a:r>
+          </a:p>
+          <a:p>
+            <a:pPr algn="r">
+              <a:spcAft>
+                <a:spcPts val="900"/>
+              </a:spcAft>
+            </a:pPr>
+            <a:endParaRPr lang="en-US" sz="1100" dirty="0"/>
+          </a:p>
+          <a:p>
+            <a:pPr algn="r">
+              <a:spcAft>
+                <a:spcPts val="900"/>
+              </a:spcAft>
+            </a:pPr>
+            <a:r>
+              <a:rPr lang="en-US" sz="1100" dirty="0"/>
+              <a:t>temp</a:t>
+            </a:r>
+          </a:p>
+          <a:p>
+            <a:pPr algn="r">
+              <a:spcAft>
+                <a:spcPts val="900"/>
+              </a:spcAft>
+            </a:pPr>
+            <a:endParaRPr lang="en-US" sz="1100" dirty="0"/>
+          </a:p>
+          <a:p>
+            <a:pPr algn="r">
+              <a:spcAft>
+                <a:spcPts val="900"/>
+              </a:spcAft>
+            </a:pPr>
+            <a:r>
+              <a:rPr lang="en-US" sz="1100" dirty="0"/>
+              <a:t>RR</a:t>
+            </a:r>
+          </a:p>
+          <a:p>
+            <a:pPr algn="r">
+              <a:spcAft>
+                <a:spcPts val="900"/>
+              </a:spcAft>
+            </a:pPr>
+            <a:endParaRPr lang="en-US" sz="1100" dirty="0"/>
+          </a:p>
+          <a:p>
+            <a:pPr algn="r">
+              <a:spcAft>
+                <a:spcPts val="900"/>
+              </a:spcAft>
+            </a:pPr>
+            <a:r>
+              <a:rPr lang="en-US" sz="1100" dirty="0"/>
+              <a:t>WBC</a:t>
+            </a:r>
+          </a:p>
+          <a:p>
+            <a:pPr algn="r">
+              <a:spcAft>
+                <a:spcPts val="900"/>
+              </a:spcAft>
+            </a:pPr>
+            <a:endParaRPr lang="en-US" sz="1100" dirty="0"/>
+          </a:p>
+          <a:p>
+            <a:pPr algn="r">
+              <a:spcAft>
+                <a:spcPts val="900"/>
+              </a:spcAft>
+            </a:pPr>
+            <a:r>
+              <a:rPr lang="en-US" sz="1100" dirty="0"/>
+              <a:t>HCT</a:t>
+            </a:r>
+          </a:p>
+        </p:txBody>
+      </p:sp>
+      <p:sp>
+        <p:nvSpPr>
+          <p:cNvPr id="24" name="Title 1">
+            <a:extLst>
+              <a:ext uri="{FF2B5EF4-FFF2-40B4-BE49-F238E27FC236}">
+                <a16:creationId xmlns:a16="http://schemas.microsoft.com/office/drawing/2014/main" id="{7BB83C23-E496-60DB-A5AC-274419BA95CC}"/>
+              </a:ext>
+            </a:extLst>
+          </p:cNvPr>
+          <p:cNvSpPr>
+            <a:spLocks noGrp="1"/>
+          </p:cNvSpPr>
+          <p:nvPr>
+            <p:ph type="title"/>
+          </p:nvPr>
+        </p:nvSpPr>
+        <p:spPr>
+          <a:xfrm>
+            <a:off x="628650" y="273844"/>
+            <a:ext cx="7886700" cy="994172"/>
+          </a:xfrm>
+        </p:spPr>
+        <p:txBody>
+          <a:bodyPr/>
+          <a:lstStyle/>
+          <a:p>
+            <a:r>
+              <a:rPr lang="en-US" dirty="0"/>
+              <a:t>We can </a:t>
+            </a:r>
+            <a:r>
+              <a:rPr lang="en-US" i="1" dirty="0"/>
+              <a:t>interpret </a:t>
+            </a:r>
+            <a:r>
+              <a:rPr lang="en-US" dirty="0"/>
+              <a:t>APACHE III</a:t>
+            </a:r>
+          </a:p>
+        </p:txBody>
+      </p:sp>
+    </p:spTree>
+    <p:extLst>
+      <p:ext uri="{BB962C8B-B14F-4D97-AF65-F5344CB8AC3E}">
+        <p14:creationId xmlns:p14="http://schemas.microsoft.com/office/powerpoint/2010/main" val="223148869"/>
+      </p:ext>
+    </p:extLst>
+  </p:cSld>
+  <p:clrMapOvr>
+    <a:masterClrMapping/>
+  </p:clrMapOvr>
+</p:sld>
+</file>
+
+<file path=ppt/slides/slide7.xml><?xml version="1.0" encoding="utf-8"?>
+<p:sld xmlns:a="http://schemas.openxmlformats.org/drawingml/2006/main" xmlns:r="http://schemas.openxmlformats.org/officeDocument/2006/relationships" xmlns:p="http://schemas.openxmlformats.org/presentationml/2006/main">
+  <p:cSld>
+    <p:spTree>
+      <p:nvGrpSpPr>
+        <p:cNvPr id="1" name=""/>
+        <p:cNvGrpSpPr/>
+        <p:nvPr/>
+      </p:nvGrpSpPr>
+      <p:grpSpPr>
+        <a:xfrm>
+          <a:off x="0" y="0"/>
+          <a:ext cx="0" cy="0"/>
+          <a:chOff x="0" y="0"/>
+          <a:chExt cx="0" cy="0"/>
+        </a:xfrm>
+      </p:grpSpPr>
+      <p:sp>
+        <p:nvSpPr>
           <p:cNvPr id="2" name="Title 1">
             <a:extLst>
               <a:ext uri="{FF2B5EF4-FFF2-40B4-BE49-F238E27FC236}">
@@ -7321,7 +14514,7 @@
 </p:sld>
 </file>
 
-<file path=ppt/slides/slide5.xml><?xml version="1.0" encoding="utf-8"?>
+<file path=ppt/slides/slide8.xml><?xml version="1.0" encoding="utf-8"?>
 <p:sld xmlns:a="http://schemas.openxmlformats.org/drawingml/2006/main" xmlns:r="http://schemas.openxmlformats.org/officeDocument/2006/relationships" xmlns:p="http://schemas.openxmlformats.org/presentationml/2006/main">
   <p:cSld>
     <p:spTree>
@@ -9139,667 +16332,6 @@
 </p:sld>
 </file>
 
-<file path=ppt/slides/slide6.xml><?xml version="1.0" encoding="utf-8"?>
-<p:sld xmlns:a="http://schemas.openxmlformats.org/drawingml/2006/main" xmlns:r="http://schemas.openxmlformats.org/officeDocument/2006/relationships" xmlns:p="http://schemas.openxmlformats.org/presentationml/2006/main">
-  <p:cSld>
-    <p:spTree>
-      <p:nvGrpSpPr>
-        <p:cNvPr id="1" name=""/>
-        <p:cNvGrpSpPr/>
-        <p:nvPr/>
-      </p:nvGrpSpPr>
-      <p:grpSpPr>
-        <a:xfrm>
-          <a:off x="0" y="0"/>
-          <a:ext cx="0" cy="0"/>
-          <a:chOff x="0" y="0"/>
-          <a:chExt cx="0" cy="0"/>
-        </a:xfrm>
-      </p:grpSpPr>
-      <p:sp>
-        <p:nvSpPr>
-          <p:cNvPr id="2" name="Title 1">
-            <a:extLst>
-              <a:ext uri="{FF2B5EF4-FFF2-40B4-BE49-F238E27FC236}">
-                <a16:creationId xmlns:a16="http://schemas.microsoft.com/office/drawing/2014/main" id="{BD3FCBA7-FF83-0A40-9B4F-5838C1C33197}"/>
-              </a:ext>
-            </a:extLst>
-          </p:cNvPr>
-          <p:cNvSpPr>
-            <a:spLocks noGrp="1"/>
-          </p:cNvSpPr>
-          <p:nvPr>
-            <p:ph type="title"/>
-          </p:nvPr>
-        </p:nvSpPr>
-        <p:spPr/>
-        <p:txBody>
-          <a:bodyPr/>
-          <a:lstStyle/>
-          <a:p>
-            <a:r>
-              <a:rPr lang="en-US" dirty="0"/>
-              <a:t>We can </a:t>
-            </a:r>
-            <a:r>
-              <a:rPr lang="en-US" i="1" dirty="0"/>
-              <a:t>explain</a:t>
-            </a:r>
-            <a:r>
-              <a:rPr lang="en-US" dirty="0"/>
-              <a:t> a deep learning NLP model</a:t>
-            </a:r>
-          </a:p>
-        </p:txBody>
-      </p:sp>
-      <p:sp>
-        <p:nvSpPr>
-          <p:cNvPr id="6" name="Content Placeholder 2">
-            <a:extLst>
-              <a:ext uri="{FF2B5EF4-FFF2-40B4-BE49-F238E27FC236}">
-                <a16:creationId xmlns:a16="http://schemas.microsoft.com/office/drawing/2014/main" id="{DB9D5CA9-31B4-3FB8-2F3A-49926EB95AEB}"/>
-              </a:ext>
-            </a:extLst>
-          </p:cNvPr>
-          <p:cNvSpPr>
-            <a:spLocks noGrp="1"/>
-          </p:cNvSpPr>
-          <p:nvPr>
-            <p:ph idx="1"/>
-          </p:nvPr>
-        </p:nvSpPr>
-        <p:spPr>
-          <a:xfrm>
-            <a:off x="628650" y="908742"/>
-            <a:ext cx="7886700" cy="3263504"/>
-          </a:xfrm>
-        </p:spPr>
-        <p:txBody>
-          <a:bodyPr/>
-          <a:lstStyle/>
-          <a:p>
-            <a:pPr>
-              <a:buFontTx/>
-              <a:buChar char="-"/>
-            </a:pPr>
-            <a:r>
-              <a:rPr lang="en-US" sz="1600" dirty="0"/>
-              <a:t>Suppose you apply a deep neural network to a sequence of word vectors, and your model predicts that that the SMS you receive is urgent.</a:t>
-            </a:r>
-          </a:p>
-          <a:p>
-            <a:pPr>
-              <a:buFontTx/>
-              <a:buChar char="-"/>
-            </a:pPr>
-            <a:r>
-              <a:rPr lang="en-US" sz="1600" b="1" dirty="0"/>
-              <a:t>Q:</a:t>
-            </a:r>
-            <a:r>
-              <a:rPr lang="en-US" sz="1600" dirty="0"/>
-              <a:t> Is it hard to figure out why it made that prediction?</a:t>
-            </a:r>
-          </a:p>
-        </p:txBody>
-      </p:sp>
-    </p:spTree>
-    <p:extLst>
-      <p:ext uri="{BB962C8B-B14F-4D97-AF65-F5344CB8AC3E}">
-        <p14:creationId xmlns:p14="http://schemas.microsoft.com/office/powerpoint/2010/main" val="1448633783"/>
-      </p:ext>
-    </p:extLst>
-  </p:cSld>
-  <p:clrMapOvr>
-    <a:masterClrMapping/>
-  </p:clrMapOvr>
-</p:sld>
-</file>
-
-<file path=ppt/slides/slide7.xml><?xml version="1.0" encoding="utf-8"?>
-<p:sld xmlns:a="http://schemas.openxmlformats.org/drawingml/2006/main" xmlns:r="http://schemas.openxmlformats.org/officeDocument/2006/relationships" xmlns:p="http://schemas.openxmlformats.org/presentationml/2006/main">
-  <p:cSld>
-    <p:spTree>
-      <p:nvGrpSpPr>
-        <p:cNvPr id="1" name=""/>
-        <p:cNvGrpSpPr/>
-        <p:nvPr/>
-      </p:nvGrpSpPr>
-      <p:grpSpPr>
-        <a:xfrm>
-          <a:off x="0" y="0"/>
-          <a:ext cx="0" cy="0"/>
-          <a:chOff x="0" y="0"/>
-          <a:chExt cx="0" cy="0"/>
-        </a:xfrm>
-      </p:grpSpPr>
-      <p:sp>
-        <p:nvSpPr>
-          <p:cNvPr id="6" name="Content Placeholder 2">
-            <a:extLst>
-              <a:ext uri="{FF2B5EF4-FFF2-40B4-BE49-F238E27FC236}">
-                <a16:creationId xmlns:a16="http://schemas.microsoft.com/office/drawing/2014/main" id="{DB9D5CA9-31B4-3FB8-2F3A-49926EB95AEB}"/>
-              </a:ext>
-            </a:extLst>
-          </p:cNvPr>
-          <p:cNvSpPr>
-            <a:spLocks noGrp="1"/>
-          </p:cNvSpPr>
-          <p:nvPr>
-            <p:ph idx="1"/>
-          </p:nvPr>
-        </p:nvSpPr>
-        <p:spPr>
-          <a:xfrm>
-            <a:off x="628650" y="908742"/>
-            <a:ext cx="7886700" cy="1390705"/>
-          </a:xfrm>
-        </p:spPr>
-        <p:txBody>
-          <a:bodyPr/>
-          <a:lstStyle/>
-          <a:p>
-            <a:pPr>
-              <a:buFontTx/>
-              <a:buChar char="-"/>
-            </a:pPr>
-            <a:r>
-              <a:rPr lang="en-US" sz="1600" dirty="0"/>
-              <a:t>Suppose you apply a deep neural network to a sequence of word vectors, and your model predicts that that the SMS you receive is urgent.</a:t>
-            </a:r>
-          </a:p>
-          <a:p>
-            <a:pPr>
-              <a:buFontTx/>
-              <a:buChar char="-"/>
-            </a:pPr>
-            <a:r>
-              <a:rPr lang="en-US" sz="1600" b="1" dirty="0"/>
-              <a:t>Q:</a:t>
-            </a:r>
-            <a:r>
-              <a:rPr lang="en-US" sz="1600" dirty="0"/>
-              <a:t> Is it hard to figure out why it made that prediction?</a:t>
-            </a:r>
-          </a:p>
-          <a:p>
-            <a:pPr>
-              <a:buFontTx/>
-              <a:buChar char="-"/>
-            </a:pPr>
-            <a:r>
-              <a:rPr lang="en-US" sz="1600" b="1" dirty="0"/>
-              <a:t>A:</a:t>
-            </a:r>
-            <a:r>
-              <a:rPr lang="en-US" sz="1600" dirty="0"/>
-              <a:t> It is harder, but it can be done.</a:t>
-            </a:r>
-          </a:p>
-        </p:txBody>
-      </p:sp>
-      <p:pic>
-        <p:nvPicPr>
-          <p:cNvPr id="1026" name="Picture 2">
-            <a:extLst>
-              <a:ext uri="{FF2B5EF4-FFF2-40B4-BE49-F238E27FC236}">
-                <a16:creationId xmlns:a16="http://schemas.microsoft.com/office/drawing/2014/main" id="{486117AE-62B9-463B-8C53-A1E09E6D435A}"/>
-              </a:ext>
-            </a:extLst>
-          </p:cNvPr>
-          <p:cNvPicPr>
-            <a:picLocks noChangeAspect="1" noChangeArrowheads="1"/>
-          </p:cNvPicPr>
-          <p:nvPr/>
-        </p:nvPicPr>
-        <p:blipFill>
-          <a:blip r:embed="rId2">
-            <a:extLst>
-              <a:ext uri="{28A0092B-C50C-407E-A947-70E740481C1C}">
-                <a14:useLocalDpi xmlns:a14="http://schemas.microsoft.com/office/drawing/2010/main" val="0"/>
-              </a:ext>
-            </a:extLst>
-          </a:blip>
-          <a:srcRect/>
-          <a:stretch>
-            <a:fillRect/>
-          </a:stretch>
-        </p:blipFill>
-        <p:spPr bwMode="auto">
-          <a:xfrm>
-            <a:off x="628650" y="2151529"/>
-            <a:ext cx="3673986" cy="2864224"/>
-          </a:xfrm>
-          <a:prstGeom prst="rect">
-            <a:avLst/>
-          </a:prstGeom>
-          <a:noFill/>
-          <a:extLst>
-            <a:ext uri="{909E8E84-426E-40DD-AFC4-6F175D3DCCD1}">
-              <a14:hiddenFill xmlns:a14="http://schemas.microsoft.com/office/drawing/2010/main">
-                <a:solidFill>
-                  <a:srgbClr val="FFFFFF"/>
-                </a:solidFill>
-              </a14:hiddenFill>
-            </a:ext>
-          </a:extLst>
-        </p:spPr>
-      </p:pic>
-      <p:sp>
-        <p:nvSpPr>
-          <p:cNvPr id="5" name="Content Placeholder 2">
-            <a:extLst>
-              <a:ext uri="{FF2B5EF4-FFF2-40B4-BE49-F238E27FC236}">
-                <a16:creationId xmlns:a16="http://schemas.microsoft.com/office/drawing/2014/main" id="{7E9825C7-CD20-5AEB-5237-6800AC64F3B6}"/>
-              </a:ext>
-            </a:extLst>
-          </p:cNvPr>
-          <p:cNvSpPr txBox="1">
-            <a:spLocks/>
-          </p:cNvSpPr>
-          <p:nvPr/>
-        </p:nvSpPr>
-        <p:spPr>
-          <a:xfrm>
-            <a:off x="4753960" y="2151529"/>
-            <a:ext cx="4047140" cy="2810436"/>
-          </a:xfrm>
-          <a:prstGeom prst="rect">
-            <a:avLst/>
-          </a:prstGeom>
-        </p:spPr>
-        <p:txBody>
-          <a:bodyPr/>
-          <a:lstStyle>
-            <a:lvl1pPr marL="171450" indent="-171450" algn="l" defTabSz="685800" rtl="0" eaLnBrk="1" latinLnBrk="0" hangingPunct="1">
-              <a:lnSpc>
-                <a:spcPct val="90000"/>
-              </a:lnSpc>
-              <a:spcBef>
-                <a:spcPts val="750"/>
-              </a:spcBef>
-              <a:buFont typeface="Arial" panose="020B0604020202020204" pitchFamily="34" charset="0"/>
-              <a:buChar char="•"/>
-              <a:defRPr sz="2100" kern="1200">
-                <a:solidFill>
-                  <a:schemeClr val="tx1"/>
-                </a:solidFill>
-                <a:latin typeface="+mn-lt"/>
-                <a:ea typeface="+mn-ea"/>
-                <a:cs typeface="+mn-cs"/>
-              </a:defRPr>
-            </a:lvl1pPr>
-            <a:lvl2pPr marL="514350" indent="-171450" algn="l" defTabSz="685800" rtl="0" eaLnBrk="1" latinLnBrk="0" hangingPunct="1">
-              <a:lnSpc>
-                <a:spcPct val="90000"/>
-              </a:lnSpc>
-              <a:spcBef>
-                <a:spcPts val="375"/>
-              </a:spcBef>
-              <a:buFont typeface="Arial" panose="020B0604020202020204" pitchFamily="34" charset="0"/>
-              <a:buChar char="•"/>
-              <a:defRPr sz="1800" kern="1200">
-                <a:solidFill>
-                  <a:schemeClr val="tx1"/>
-                </a:solidFill>
-                <a:latin typeface="+mn-lt"/>
-                <a:ea typeface="+mn-ea"/>
-                <a:cs typeface="+mn-cs"/>
-              </a:defRPr>
-            </a:lvl2pPr>
-            <a:lvl3pPr marL="857250" indent="-171450" algn="l" defTabSz="685800" rtl="0" eaLnBrk="1" latinLnBrk="0" hangingPunct="1">
-              <a:lnSpc>
-                <a:spcPct val="90000"/>
-              </a:lnSpc>
-              <a:spcBef>
-                <a:spcPts val="375"/>
-              </a:spcBef>
-              <a:buFont typeface="Arial" panose="020B0604020202020204" pitchFamily="34" charset="0"/>
-              <a:buChar char="•"/>
-              <a:defRPr sz="1500" kern="1200">
-                <a:solidFill>
-                  <a:schemeClr val="tx1"/>
-                </a:solidFill>
-                <a:latin typeface="+mn-lt"/>
-                <a:ea typeface="+mn-ea"/>
-                <a:cs typeface="+mn-cs"/>
-              </a:defRPr>
-            </a:lvl3pPr>
-            <a:lvl4pPr marL="1200150" indent="-171450" algn="l" defTabSz="685800" rtl="0" eaLnBrk="1" latinLnBrk="0" hangingPunct="1">
-              <a:lnSpc>
-                <a:spcPct val="90000"/>
-              </a:lnSpc>
-              <a:spcBef>
-                <a:spcPts val="375"/>
-              </a:spcBef>
-              <a:buFont typeface="Arial" panose="020B0604020202020204" pitchFamily="34" charset="0"/>
-              <a:buChar char="•"/>
-              <a:defRPr sz="1350" kern="1200">
-                <a:solidFill>
-                  <a:schemeClr val="tx1"/>
-                </a:solidFill>
-                <a:latin typeface="+mn-lt"/>
-                <a:ea typeface="+mn-ea"/>
-                <a:cs typeface="+mn-cs"/>
-              </a:defRPr>
-            </a:lvl4pPr>
-            <a:lvl5pPr marL="1543050" indent="-171450" algn="l" defTabSz="685800" rtl="0" eaLnBrk="1" latinLnBrk="0" hangingPunct="1">
-              <a:lnSpc>
-                <a:spcPct val="90000"/>
-              </a:lnSpc>
-              <a:spcBef>
-                <a:spcPts val="375"/>
-              </a:spcBef>
-              <a:buFont typeface="Arial" panose="020B0604020202020204" pitchFamily="34" charset="0"/>
-              <a:buChar char="•"/>
-              <a:defRPr sz="1350" kern="1200">
-                <a:solidFill>
-                  <a:schemeClr val="tx1"/>
-                </a:solidFill>
-                <a:latin typeface="+mn-lt"/>
-                <a:ea typeface="+mn-ea"/>
-                <a:cs typeface="+mn-cs"/>
-              </a:defRPr>
-            </a:lvl5pPr>
-            <a:lvl6pPr marL="1885950" indent="-171450" algn="l" defTabSz="685800" rtl="0" eaLnBrk="1" latinLnBrk="0" hangingPunct="1">
-              <a:lnSpc>
-                <a:spcPct val="90000"/>
-              </a:lnSpc>
-              <a:spcBef>
-                <a:spcPts val="375"/>
-              </a:spcBef>
-              <a:buFont typeface="Arial" panose="020B0604020202020204" pitchFamily="34" charset="0"/>
-              <a:buChar char="•"/>
-              <a:defRPr sz="1350" kern="1200">
-                <a:solidFill>
-                  <a:schemeClr val="tx1"/>
-                </a:solidFill>
-                <a:latin typeface="+mn-lt"/>
-                <a:ea typeface="+mn-ea"/>
-                <a:cs typeface="+mn-cs"/>
-              </a:defRPr>
-            </a:lvl6pPr>
-            <a:lvl7pPr marL="2228850" indent="-171450" algn="l" defTabSz="685800" rtl="0" eaLnBrk="1" latinLnBrk="0" hangingPunct="1">
-              <a:lnSpc>
-                <a:spcPct val="90000"/>
-              </a:lnSpc>
-              <a:spcBef>
-                <a:spcPts val="375"/>
-              </a:spcBef>
-              <a:buFont typeface="Arial" panose="020B0604020202020204" pitchFamily="34" charset="0"/>
-              <a:buChar char="•"/>
-              <a:defRPr sz="1350" kern="1200">
-                <a:solidFill>
-                  <a:schemeClr val="tx1"/>
-                </a:solidFill>
-                <a:latin typeface="+mn-lt"/>
-                <a:ea typeface="+mn-ea"/>
-                <a:cs typeface="+mn-cs"/>
-              </a:defRPr>
-            </a:lvl7pPr>
-            <a:lvl8pPr marL="2571750" indent="-171450" algn="l" defTabSz="685800" rtl="0" eaLnBrk="1" latinLnBrk="0" hangingPunct="1">
-              <a:lnSpc>
-                <a:spcPct val="90000"/>
-              </a:lnSpc>
-              <a:spcBef>
-                <a:spcPts val="375"/>
-              </a:spcBef>
-              <a:buFont typeface="Arial" panose="020B0604020202020204" pitchFamily="34" charset="0"/>
-              <a:buChar char="•"/>
-              <a:defRPr sz="1350" kern="1200">
-                <a:solidFill>
-                  <a:schemeClr val="tx1"/>
-                </a:solidFill>
-                <a:latin typeface="+mn-lt"/>
-                <a:ea typeface="+mn-ea"/>
-                <a:cs typeface="+mn-cs"/>
-              </a:defRPr>
-            </a:lvl8pPr>
-            <a:lvl9pPr marL="2914650" indent="-171450" algn="l" defTabSz="685800" rtl="0" eaLnBrk="1" latinLnBrk="0" hangingPunct="1">
-              <a:lnSpc>
-                <a:spcPct val="90000"/>
-              </a:lnSpc>
-              <a:spcBef>
-                <a:spcPts val="375"/>
-              </a:spcBef>
-              <a:buFont typeface="Arial" panose="020B0604020202020204" pitchFamily="34" charset="0"/>
-              <a:buChar char="•"/>
-              <a:defRPr sz="1350" kern="1200">
-                <a:solidFill>
-                  <a:schemeClr val="tx1"/>
-                </a:solidFill>
-                <a:latin typeface="+mn-lt"/>
-                <a:ea typeface="+mn-ea"/>
-                <a:cs typeface="+mn-cs"/>
-              </a:defRPr>
-            </a:lvl9pPr>
-          </a:lstStyle>
-          <a:p>
-            <a:pPr>
-              <a:buFontTx/>
-              <a:buChar char="-"/>
-            </a:pPr>
-            <a:r>
-              <a:rPr lang="en-US" sz="1600" dirty="0"/>
-              <a:t>Similar to the image-based example at left</a:t>
-            </a:r>
-          </a:p>
-          <a:p>
-            <a:pPr>
-              <a:buFontTx/>
-              <a:buChar char="-"/>
-            </a:pPr>
-            <a:r>
-              <a:rPr lang="en-US" sz="1600" dirty="0"/>
-              <a:t>Identify passages within the text documented that would change predictions most if they were removed.</a:t>
-            </a:r>
-          </a:p>
-          <a:p>
-            <a:pPr>
-              <a:buFontTx/>
-              <a:buChar char="-"/>
-            </a:pPr>
-            <a:endParaRPr lang="en-US" sz="1600" dirty="0"/>
-          </a:p>
-          <a:p>
-            <a:pPr marL="0" indent="0">
-              <a:buNone/>
-            </a:pPr>
-            <a:r>
-              <a:rPr lang="en-US" sz="1600" u="sng" dirty="0"/>
-              <a:t>Caveats</a:t>
-            </a:r>
-            <a:r>
-              <a:rPr lang="en-US" sz="1600" dirty="0"/>
-              <a:t>:</a:t>
-            </a:r>
-          </a:p>
-          <a:p>
-            <a:pPr>
-              <a:buFontTx/>
-              <a:buChar char="-"/>
-            </a:pPr>
-            <a:r>
-              <a:rPr lang="en-US" sz="1600" dirty="0"/>
-              <a:t>This is for a single example; hard to summarize across all examples</a:t>
-            </a:r>
-          </a:p>
-          <a:p>
-            <a:pPr>
-              <a:buFontTx/>
-              <a:buChar char="-"/>
-            </a:pPr>
-            <a:r>
-              <a:rPr lang="en-US" sz="1600" dirty="0"/>
-              <a:t>Can be very computationally expensive</a:t>
-            </a:r>
-          </a:p>
-        </p:txBody>
-      </p:sp>
-      <p:sp>
-        <p:nvSpPr>
-          <p:cNvPr id="8" name="Title 1">
-            <a:extLst>
-              <a:ext uri="{FF2B5EF4-FFF2-40B4-BE49-F238E27FC236}">
-                <a16:creationId xmlns:a16="http://schemas.microsoft.com/office/drawing/2014/main" id="{3EA3D22B-75D7-CC47-9175-7E9C5A7D947C}"/>
-              </a:ext>
-            </a:extLst>
-          </p:cNvPr>
-          <p:cNvSpPr>
-            <a:spLocks noGrp="1"/>
-          </p:cNvSpPr>
-          <p:nvPr>
-            <p:ph type="title"/>
-          </p:nvPr>
-        </p:nvSpPr>
-        <p:spPr>
-          <a:xfrm>
-            <a:off x="628650" y="273844"/>
-            <a:ext cx="7886700" cy="994172"/>
-          </a:xfrm>
-        </p:spPr>
-        <p:txBody>
-          <a:bodyPr/>
-          <a:lstStyle/>
-          <a:p>
-            <a:r>
-              <a:rPr lang="en-US" dirty="0"/>
-              <a:t>We can </a:t>
-            </a:r>
-            <a:r>
-              <a:rPr lang="en-US" i="1" dirty="0"/>
-              <a:t>explain</a:t>
-            </a:r>
-            <a:r>
-              <a:rPr lang="en-US" dirty="0"/>
-              <a:t> a deep learning NLP model</a:t>
-            </a:r>
-          </a:p>
-        </p:txBody>
-      </p:sp>
-    </p:spTree>
-    <p:extLst>
-      <p:ext uri="{BB962C8B-B14F-4D97-AF65-F5344CB8AC3E}">
-        <p14:creationId xmlns:p14="http://schemas.microsoft.com/office/powerpoint/2010/main" val="38798789"/>
-      </p:ext>
-    </p:extLst>
-  </p:cSld>
-  <p:clrMapOvr>
-    <a:masterClrMapping/>
-  </p:clrMapOvr>
-</p:sld>
-</file>
-
-<file path=ppt/slides/slide8.xml><?xml version="1.0" encoding="utf-8"?>
-<p:sld xmlns:a="http://schemas.openxmlformats.org/drawingml/2006/main" xmlns:r="http://schemas.openxmlformats.org/officeDocument/2006/relationships" xmlns:p="http://schemas.openxmlformats.org/presentationml/2006/main">
-  <p:cSld>
-    <p:spTree>
-      <p:nvGrpSpPr>
-        <p:cNvPr id="1" name=""/>
-        <p:cNvGrpSpPr/>
-        <p:nvPr/>
-      </p:nvGrpSpPr>
-      <p:grpSpPr>
-        <a:xfrm>
-          <a:off x="0" y="0"/>
-          <a:ext cx="0" cy="0"/>
-          <a:chOff x="0" y="0"/>
-          <a:chExt cx="0" cy="0"/>
-        </a:xfrm>
-      </p:grpSpPr>
-      <p:sp>
-        <p:nvSpPr>
-          <p:cNvPr id="2" name="Title 1">
-            <a:extLst>
-              <a:ext uri="{FF2B5EF4-FFF2-40B4-BE49-F238E27FC236}">
-                <a16:creationId xmlns:a16="http://schemas.microsoft.com/office/drawing/2014/main" id="{5EF9FE0A-8534-ED11-D956-49058F759FDB}"/>
-              </a:ext>
-            </a:extLst>
-          </p:cNvPr>
-          <p:cNvSpPr>
-            <a:spLocks noGrp="1"/>
-          </p:cNvSpPr>
-          <p:nvPr>
-            <p:ph type="title"/>
-          </p:nvPr>
-        </p:nvSpPr>
-        <p:spPr/>
-        <p:txBody>
-          <a:bodyPr/>
-          <a:lstStyle/>
-          <a:p>
-            <a:r>
-              <a:rPr lang="en-US" dirty="0"/>
-              <a:t>Similarities and differences</a:t>
-            </a:r>
-          </a:p>
-        </p:txBody>
-      </p:sp>
-      <p:sp>
-        <p:nvSpPr>
-          <p:cNvPr id="3" name="Content Placeholder 2">
-            <a:extLst>
-              <a:ext uri="{FF2B5EF4-FFF2-40B4-BE49-F238E27FC236}">
-                <a16:creationId xmlns:a16="http://schemas.microsoft.com/office/drawing/2014/main" id="{76FA5DDD-A2F8-0897-0BA1-BF7904AD70BC}"/>
-              </a:ext>
-            </a:extLst>
-          </p:cNvPr>
-          <p:cNvSpPr>
-            <a:spLocks noGrp="1"/>
-          </p:cNvSpPr>
-          <p:nvPr>
-            <p:ph idx="1"/>
-          </p:nvPr>
-        </p:nvSpPr>
-        <p:spPr/>
-        <p:txBody>
-          <a:bodyPr/>
-          <a:lstStyle/>
-          <a:p>
-            <a:r>
-              <a:rPr lang="en-US" dirty="0"/>
-              <a:t>Requires computation</a:t>
-            </a:r>
-          </a:p>
-          <a:p>
-            <a:endParaRPr lang="en-US" dirty="0"/>
-          </a:p>
-          <a:p>
-            <a:r>
-              <a:rPr lang="en-US" dirty="0"/>
-              <a:t>Is fundamentally example-specific; can then aggregate across a dataset</a:t>
-            </a:r>
-          </a:p>
-          <a:p>
-            <a:endParaRPr lang="en-US" dirty="0"/>
-          </a:p>
-          <a:p>
-            <a:r>
-              <a:rPr lang="en-US" dirty="0"/>
-              <a:t>Multiple competing approaches, though SHAP values are common</a:t>
-            </a:r>
-          </a:p>
-          <a:p>
-            <a:r>
-              <a:rPr lang="en-US" dirty="0"/>
-              <a:t>Give the example of the autism spans</a:t>
-            </a:r>
-          </a:p>
-        </p:txBody>
-      </p:sp>
-    </p:spTree>
-    <p:extLst>
-      <p:ext uri="{BB962C8B-B14F-4D97-AF65-F5344CB8AC3E}">
-        <p14:creationId xmlns:p14="http://schemas.microsoft.com/office/powerpoint/2010/main" val="1551939463"/>
-      </p:ext>
-    </p:extLst>
-  </p:cSld>
-  <p:clrMapOvr>
-    <a:masterClrMapping/>
-  </p:clrMapOvr>
-</p:sld>
-</file>
-
 <file path=ppt/slides/slide9.xml><?xml version="1.0" encoding="utf-8"?>
 <p:sld xmlns:a="http://schemas.openxmlformats.org/drawingml/2006/main" xmlns:r="http://schemas.openxmlformats.org/officeDocument/2006/relationships" xmlns:p="http://schemas.openxmlformats.org/presentationml/2006/main">
   <p:cSld>
@@ -9819,295 +16351,67 @@
       </p:grpSpPr>
       <p:sp>
         <p:nvSpPr>
-          <p:cNvPr id="5" name="Cube 4"/>
-          <p:cNvSpPr/>
-          <p:nvPr/>
-        </p:nvSpPr>
-        <p:spPr>
-          <a:xfrm>
-            <a:off x="2868769" y="1844897"/>
-            <a:ext cx="3776729" cy="2453426"/>
-          </a:xfrm>
-          <a:prstGeom prst="cube">
-            <a:avLst/>
-          </a:prstGeom>
-        </p:spPr>
-        <p:style>
-          <a:lnRef idx="3">
-            <a:schemeClr val="lt1"/>
-          </a:lnRef>
-          <a:fillRef idx="1">
-            <a:schemeClr val="dk1"/>
-          </a:fillRef>
-          <a:effectRef idx="1">
-            <a:schemeClr val="dk1"/>
-          </a:effectRef>
-          <a:fontRef idx="minor">
-            <a:schemeClr val="lt1"/>
-          </a:fontRef>
-        </p:style>
+          <p:cNvPr id="2" name="Title 1">
+            <a:extLst>
+              <a:ext uri="{FF2B5EF4-FFF2-40B4-BE49-F238E27FC236}">
+                <a16:creationId xmlns:a16="http://schemas.microsoft.com/office/drawing/2014/main" id="{76F59DFB-23BE-CDF2-3D63-129D04E7E011}"/>
+              </a:ext>
+            </a:extLst>
+          </p:cNvPr>
+          <p:cNvSpPr>
+            <a:spLocks noGrp="1"/>
+          </p:cNvSpPr>
+          <p:nvPr>
+            <p:ph type="title"/>
+          </p:nvPr>
+        </p:nvSpPr>
+        <p:spPr/>
         <p:txBody>
-          <a:bodyPr rtlCol="0" anchor="ctr"/>
+          <a:bodyPr/>
           <a:lstStyle/>
           <a:p>
-            <a:pPr algn="ctr"/>
-            <a:endParaRPr lang="en-US" sz="1350"/>
+            <a:r>
+              <a:rPr lang="en-US" dirty="0"/>
+              <a:t>In linear models, parameter values show the effect of the corresponding feature.</a:t>
+            </a:r>
+            <a:endParaRPr lang="en-US" i="1" dirty="0"/>
           </a:p>
         </p:txBody>
       </p:sp>
       <p:pic>
         <p:nvPicPr>
-          <p:cNvPr id="8" name="Picture 7"/>
+          <p:cNvPr id="5" name="Picture 4">
+            <a:extLst>
+              <a:ext uri="{FF2B5EF4-FFF2-40B4-BE49-F238E27FC236}">
+                <a16:creationId xmlns:a16="http://schemas.microsoft.com/office/drawing/2014/main" id="{5AFAA801-ED0E-11B5-0FAE-B408393F8E2C}"/>
+              </a:ext>
+            </a:extLst>
+          </p:cNvPr>
           <p:cNvPicPr>
             <a:picLocks noChangeAspect="1"/>
           </p:cNvPicPr>
           <p:nvPr/>
         </p:nvPicPr>
         <p:blipFill>
-          <a:blip r:embed="rId3" cstate="screen">
-            <a:extLst>
-              <a:ext uri="{28A0092B-C50C-407E-A947-70E740481C1C}">
-                <a14:useLocalDpi xmlns:a14="http://schemas.microsoft.com/office/drawing/2010/main"/>
-              </a:ext>
-            </a:extLst>
-          </a:blip>
+          <a:blip r:embed="rId2"/>
           <a:stretch>
             <a:fillRect/>
           </a:stretch>
         </p:blipFill>
         <p:spPr>
           <a:xfrm>
-            <a:off x="243779" y="2260240"/>
-            <a:ext cx="1605980" cy="1622738"/>
+            <a:off x="2303327" y="1219084"/>
+            <a:ext cx="4537345" cy="3889153"/>
           </a:xfrm>
           <a:prstGeom prst="rect">
             <a:avLst/>
           </a:prstGeom>
         </p:spPr>
       </p:pic>
-      <p:cxnSp>
-        <p:nvCxnSpPr>
-          <p:cNvPr id="10" name="Straight Arrow Connector 9"/>
-          <p:cNvCxnSpPr/>
-          <p:nvPr/>
-        </p:nvCxnSpPr>
-        <p:spPr>
-          <a:xfrm flipV="1">
-            <a:off x="1849759" y="3071610"/>
-            <a:ext cx="1019009" cy="1"/>
-          </a:xfrm>
-          <a:prstGeom prst="straightConnector1">
-            <a:avLst/>
-          </a:prstGeom>
-          <a:ln>
-            <a:tailEnd type="triangle"/>
-          </a:ln>
-        </p:spPr>
-        <p:style>
-          <a:lnRef idx="3">
-            <a:schemeClr val="accent2"/>
-          </a:lnRef>
-          <a:fillRef idx="0">
-            <a:schemeClr val="accent2"/>
-          </a:fillRef>
-          <a:effectRef idx="2">
-            <a:schemeClr val="accent2"/>
-          </a:effectRef>
-          <a:fontRef idx="minor">
-            <a:schemeClr val="tx1"/>
-          </a:fontRef>
-        </p:style>
-      </p:cxnSp>
-      <p:cxnSp>
-        <p:nvCxnSpPr>
-          <p:cNvPr id="11" name="Straight Arrow Connector 10"/>
-          <p:cNvCxnSpPr/>
-          <p:nvPr/>
-        </p:nvCxnSpPr>
-        <p:spPr>
-          <a:xfrm flipV="1">
-            <a:off x="6394360" y="3071610"/>
-            <a:ext cx="1019009" cy="1"/>
-          </a:xfrm>
-          <a:prstGeom prst="straightConnector1">
-            <a:avLst/>
-          </a:prstGeom>
-          <a:ln>
-            <a:tailEnd type="triangle"/>
-          </a:ln>
-        </p:spPr>
-        <p:style>
-          <a:lnRef idx="3">
-            <a:schemeClr val="accent2"/>
-          </a:lnRef>
-          <a:fillRef idx="0">
-            <a:schemeClr val="accent2"/>
-          </a:fillRef>
-          <a:effectRef idx="2">
-            <a:schemeClr val="accent2"/>
-          </a:effectRef>
-          <a:fontRef idx="minor">
-            <a:schemeClr val="tx1"/>
-          </a:fontRef>
-        </p:style>
-      </p:cxnSp>
-      <p:sp>
-        <p:nvSpPr>
-          <p:cNvPr id="12" name="Title 8"/>
-          <p:cNvSpPr>
-            <a:spLocks noGrp="1"/>
-          </p:cNvSpPr>
-          <p:nvPr>
-            <p:ph type="title"/>
-          </p:nvPr>
-        </p:nvSpPr>
-        <p:spPr>
-          <a:xfrm>
-            <a:off x="457200" y="189560"/>
-            <a:ext cx="8229600" cy="857250"/>
-          </a:xfrm>
-        </p:spPr>
-        <p:txBody>
-          <a:bodyPr>
-            <a:normAutofit/>
-          </a:bodyPr>
-          <a:lstStyle/>
-          <a:p>
-            <a:r>
-              <a:rPr lang="en-US" dirty="0"/>
-              <a:t>Machine Learning: A Black Box?</a:t>
-            </a:r>
-          </a:p>
-        </p:txBody>
-      </p:sp>
-      <p:graphicFrame>
-        <p:nvGraphicFramePr>
-          <p:cNvPr id="13" name="Table 12">
-            <a:extLst>
-              <a:ext uri="{FF2B5EF4-FFF2-40B4-BE49-F238E27FC236}">
-                <a16:creationId xmlns:a16="http://schemas.microsoft.com/office/drawing/2014/main" id="{6DD45568-F134-054B-AB85-EA1DBA682FCD}"/>
-              </a:ext>
-            </a:extLst>
-          </p:cNvPr>
-          <p:cNvGraphicFramePr>
-            <a:graphicFrameLocks noGrp="1"/>
-          </p:cNvGraphicFramePr>
-          <p:nvPr/>
-        </p:nvGraphicFramePr>
-        <p:xfrm>
-          <a:off x="7413370" y="2762999"/>
-          <a:ext cx="1579304" cy="530890"/>
-        </p:xfrm>
-        <a:graphic>
-          <a:graphicData uri="http://schemas.openxmlformats.org/drawingml/2006/table">
-            <a:tbl>
-              <a:tblPr firstRow="1" bandRow="1">
-                <a:tableStyleId>{5C22544A-7EE6-4342-B048-85BDC9FD1C3A}</a:tableStyleId>
-              </a:tblPr>
-              <a:tblGrid>
-                <a:gridCol w="1579304">
-                  <a:extLst>
-                    <a:ext uri="{9D8B030D-6E8A-4147-A177-3AD203B41FA5}">
-                      <a16:colId xmlns:a16="http://schemas.microsoft.com/office/drawing/2014/main" val="4002730172"/>
-                    </a:ext>
-                  </a:extLst>
-                </a:gridCol>
-              </a:tblGrid>
-              <a:tr h="530890">
-                <a:tc>
-                  <a:txBody>
-                    <a:bodyPr/>
-                    <a:lstStyle/>
-                    <a:p>
-                      <a:pPr algn="ctr"/>
-                      <a:r>
-                        <a:rPr lang="en-US" sz="1000" dirty="0">
-                          <a:solidFill>
-                            <a:schemeClr val="tx1"/>
-                          </a:solidFill>
-                        </a:rPr>
-                        <a:t>Retinopathy?</a:t>
-                      </a:r>
-                      <a:r>
-                        <a:rPr lang="en-US" sz="1000" baseline="0" dirty="0">
-                          <a:solidFill>
-                            <a:schemeClr val="tx1"/>
-                          </a:solidFill>
-                        </a:rPr>
-                        <a:t> </a:t>
-                      </a:r>
-                    </a:p>
-                    <a:p>
-                      <a:pPr algn="ctr"/>
-                      <a:r>
-                        <a:rPr lang="en-US" sz="1000" baseline="0" dirty="0">
-                          <a:solidFill>
-                            <a:schemeClr val="tx1"/>
-                          </a:solidFill>
-                        </a:rPr>
-                        <a:t>Yes/No</a:t>
-                      </a:r>
-                      <a:endParaRPr lang="en-US" sz="1000" dirty="0">
-                        <a:solidFill>
-                          <a:schemeClr val="tx1"/>
-                        </a:solidFill>
-                      </a:endParaRPr>
-                    </a:p>
-                  </a:txBody>
-                  <a:tcPr marL="68580" marR="68580" marT="34290" marB="34290" anchor="ctr">
-                    <a:lnL w="38100" cap="flat" cmpd="sng" algn="ctr">
-                      <a:solidFill>
-                        <a:schemeClr val="tx1"/>
-                      </a:solidFill>
-                      <a:prstDash val="solid"/>
-                      <a:round/>
-                      <a:headEnd type="none" w="med" len="med"/>
-                      <a:tailEnd type="none" w="med" len="med"/>
-                    </a:lnL>
-                    <a:lnR w="38100" cap="flat" cmpd="sng" algn="ctr">
-                      <a:solidFill>
-                        <a:schemeClr val="tx1"/>
-                      </a:solidFill>
-                      <a:prstDash val="solid"/>
-                      <a:round/>
-                      <a:headEnd type="none" w="med" len="med"/>
-                      <a:tailEnd type="none" w="med" len="med"/>
-                    </a:lnR>
-                    <a:lnT w="38100" cap="flat" cmpd="sng" algn="ctr">
-                      <a:solidFill>
-                        <a:schemeClr val="tx1"/>
-                      </a:solidFill>
-                      <a:prstDash val="solid"/>
-                      <a:round/>
-                      <a:headEnd type="none" w="med" len="med"/>
-                      <a:tailEnd type="none" w="med" len="med"/>
-                    </a:lnT>
-                    <a:lnB w="38100" cap="flat" cmpd="sng" algn="ctr">
-                      <a:solidFill>
-                        <a:schemeClr val="tx1"/>
-                      </a:solidFill>
-                      <a:prstDash val="solid"/>
-                      <a:round/>
-                      <a:headEnd type="none" w="med" len="med"/>
-                      <a:tailEnd type="none" w="med" len="med"/>
-                    </a:lnB>
-                    <a:noFill/>
-                  </a:tcPr>
-                </a:tc>
-                <a:extLst>
-                  <a:ext uri="{0D108BD9-81ED-4DB2-BD59-A6C34878D82A}">
-                    <a16:rowId xmlns:a16="http://schemas.microsoft.com/office/drawing/2014/main" val="3775152605"/>
-                  </a:ext>
-                </a:extLst>
-              </a:tr>
-            </a:tbl>
-          </a:graphicData>
-        </a:graphic>
-      </p:graphicFrame>
     </p:spTree>
     <p:extLst>
       <p:ext uri="{BB962C8B-B14F-4D97-AF65-F5344CB8AC3E}">
-        <p14:creationId xmlns:p14="http://schemas.microsoft.com/office/powerpoint/2010/main" val="234381688"/>
+        <p14:creationId xmlns:p14="http://schemas.microsoft.com/office/powerpoint/2010/main" val="2249479354"/>
       </p:ext>
     </p:extLst>
   </p:cSld>
